--- a/G_team.pptx
+++ b/G_team.pptx
@@ -2,21 +2,26 @@
 <file path=ppt/presentation.xml><?xml version="1.0" encoding="utf-8"?>
 <p:presentation xmlns:a="http://schemas.openxmlformats.org/drawingml/2006/main" xmlns:r="http://schemas.openxmlformats.org/officeDocument/2006/relationships" xmlns:p="http://schemas.openxmlformats.org/presentationml/2006/main" saveSubsetFonts="1">
   <p:sldMasterIdLst>
-    <p:sldMasterId id="2147483648" r:id="rId1"/>
+    <p:sldMasterId id="2147484012" r:id="rId1"/>
   </p:sldMasterIdLst>
   <p:sldIdLst>
     <p:sldId id="256" r:id="rId2"/>
-    <p:sldId id="257" r:id="rId3"/>
-    <p:sldId id="258" r:id="rId4"/>
+    <p:sldId id="259" r:id="rId3"/>
+    <p:sldId id="257" r:id="rId4"/>
+    <p:sldId id="261" r:id="rId5"/>
+    <p:sldId id="260" r:id="rId6"/>
+    <p:sldId id="262" r:id="rId7"/>
+    <p:sldId id="263" r:id="rId8"/>
+    <p:sldId id="258" r:id="rId9"/>
   </p:sldIdLst>
   <p:sldSz cx="12192000" cy="6858000"/>
   <p:notesSz cx="6858000" cy="9144000"/>
   <p:defaultTextStyle>
     <a:defPPr>
-      <a:defRPr lang="ja-JP"/>
+      <a:defRPr lang="en-US"/>
     </a:defPPr>
-    <a:lvl1pPr marL="0" algn="l" defTabSz="914400" rtl="0" eaLnBrk="1" latinLnBrk="0" hangingPunct="1">
-      <a:defRPr kumimoji="1" sz="1800" kern="1200">
+    <a:lvl1pPr marL="0" algn="l" defTabSz="457200" rtl="0" eaLnBrk="1" latinLnBrk="0" hangingPunct="1">
+      <a:defRPr sz="1800" kern="1200">
         <a:solidFill>
           <a:schemeClr val="tx1"/>
         </a:solidFill>
@@ -25,8 +30,8 @@
         <a:cs typeface="+mn-cs"/>
       </a:defRPr>
     </a:lvl1pPr>
-    <a:lvl2pPr marL="457200" algn="l" defTabSz="914400" rtl="0" eaLnBrk="1" latinLnBrk="0" hangingPunct="1">
-      <a:defRPr kumimoji="1" sz="1800" kern="1200">
+    <a:lvl2pPr marL="457200" algn="l" defTabSz="457200" rtl="0" eaLnBrk="1" latinLnBrk="0" hangingPunct="1">
+      <a:defRPr sz="1800" kern="1200">
         <a:solidFill>
           <a:schemeClr val="tx1"/>
         </a:solidFill>
@@ -35,8 +40,8 @@
         <a:cs typeface="+mn-cs"/>
       </a:defRPr>
     </a:lvl2pPr>
-    <a:lvl3pPr marL="914400" algn="l" defTabSz="914400" rtl="0" eaLnBrk="1" latinLnBrk="0" hangingPunct="1">
-      <a:defRPr kumimoji="1" sz="1800" kern="1200">
+    <a:lvl3pPr marL="914400" algn="l" defTabSz="457200" rtl="0" eaLnBrk="1" latinLnBrk="0" hangingPunct="1">
+      <a:defRPr sz="1800" kern="1200">
         <a:solidFill>
           <a:schemeClr val="tx1"/>
         </a:solidFill>
@@ -45,8 +50,8 @@
         <a:cs typeface="+mn-cs"/>
       </a:defRPr>
     </a:lvl3pPr>
-    <a:lvl4pPr marL="1371600" algn="l" defTabSz="914400" rtl="0" eaLnBrk="1" latinLnBrk="0" hangingPunct="1">
-      <a:defRPr kumimoji="1" sz="1800" kern="1200">
+    <a:lvl4pPr marL="1371600" algn="l" defTabSz="457200" rtl="0" eaLnBrk="1" latinLnBrk="0" hangingPunct="1">
+      <a:defRPr sz="1800" kern="1200">
         <a:solidFill>
           <a:schemeClr val="tx1"/>
         </a:solidFill>
@@ -55,8 +60,8 @@
         <a:cs typeface="+mn-cs"/>
       </a:defRPr>
     </a:lvl4pPr>
-    <a:lvl5pPr marL="1828800" algn="l" defTabSz="914400" rtl="0" eaLnBrk="1" latinLnBrk="0" hangingPunct="1">
-      <a:defRPr kumimoji="1" sz="1800" kern="1200">
+    <a:lvl5pPr marL="1828800" algn="l" defTabSz="457200" rtl="0" eaLnBrk="1" latinLnBrk="0" hangingPunct="1">
+      <a:defRPr sz="1800" kern="1200">
         <a:solidFill>
           <a:schemeClr val="tx1"/>
         </a:solidFill>
@@ -65,8 +70,8 @@
         <a:cs typeface="+mn-cs"/>
       </a:defRPr>
     </a:lvl5pPr>
-    <a:lvl6pPr marL="2286000" algn="l" defTabSz="914400" rtl="0" eaLnBrk="1" latinLnBrk="0" hangingPunct="1">
-      <a:defRPr kumimoji="1" sz="1800" kern="1200">
+    <a:lvl6pPr marL="2286000" algn="l" defTabSz="457200" rtl="0" eaLnBrk="1" latinLnBrk="0" hangingPunct="1">
+      <a:defRPr sz="1800" kern="1200">
         <a:solidFill>
           <a:schemeClr val="tx1"/>
         </a:solidFill>
@@ -75,8 +80,8 @@
         <a:cs typeface="+mn-cs"/>
       </a:defRPr>
     </a:lvl6pPr>
-    <a:lvl7pPr marL="2743200" algn="l" defTabSz="914400" rtl="0" eaLnBrk="1" latinLnBrk="0" hangingPunct="1">
-      <a:defRPr kumimoji="1" sz="1800" kern="1200">
+    <a:lvl7pPr marL="2743200" algn="l" defTabSz="457200" rtl="0" eaLnBrk="1" latinLnBrk="0" hangingPunct="1">
+      <a:defRPr sz="1800" kern="1200">
         <a:solidFill>
           <a:schemeClr val="tx1"/>
         </a:solidFill>
@@ -85,8 +90,8 @@
         <a:cs typeface="+mn-cs"/>
       </a:defRPr>
     </a:lvl7pPr>
-    <a:lvl8pPr marL="3200400" algn="l" defTabSz="914400" rtl="0" eaLnBrk="1" latinLnBrk="0" hangingPunct="1">
-      <a:defRPr kumimoji="1" sz="1800" kern="1200">
+    <a:lvl8pPr marL="3200400" algn="l" defTabSz="457200" rtl="0" eaLnBrk="1" latinLnBrk="0" hangingPunct="1">
+      <a:defRPr sz="1800" kern="1200">
         <a:solidFill>
           <a:schemeClr val="tx1"/>
         </a:solidFill>
@@ -95,8 +100,8 @@
         <a:cs typeface="+mn-cs"/>
       </a:defRPr>
     </a:lvl8pPr>
-    <a:lvl9pPr marL="3657600" algn="l" defTabSz="914400" rtl="0" eaLnBrk="1" latinLnBrk="0" hangingPunct="1">
-      <a:defRPr kumimoji="1" sz="1800" kern="1200">
+    <a:lvl9pPr marL="3657600" algn="l" defTabSz="457200" rtl="0" eaLnBrk="1" latinLnBrk="0" hangingPunct="1">
+      <a:defRPr sz="1800" kern="1200">
         <a:solidFill>
           <a:schemeClr val="tx1"/>
         </a:solidFill>
@@ -106,6 +111,11 @@
       </a:defRPr>
     </a:lvl9pPr>
   </p:defaultTextStyle>
+  <p:extLst>
+    <p:ext uri="{EFAFB233-063F-42B5-8137-9DF3F51BA10A}">
+      <p15:sldGuideLst xmlns:p15="http://schemas.microsoft.com/office/powerpoint/2012/main"/>
+    </p:ext>
+  </p:extLst>
 </p:presentation>
 </file>
 
@@ -128,13 +138,7 @@
       </p:grpSpPr>
       <p:sp>
         <p:nvSpPr>
-          <p:cNvPr id="2" name="タイトル 1">
-            <a:extLst>
-              <a:ext uri="{FF2B5EF4-FFF2-40B4-BE49-F238E27FC236}">
-                <a16:creationId xmlns:a16="http://schemas.microsoft.com/office/drawing/2014/main" id="{6AEC94FE-AB5A-4098-AC78-99605A31D5BF}"/>
-              </a:ext>
-            </a:extLst>
-          </p:cNvPr>
+          <p:cNvPr id="2" name="Title 1"/>
           <p:cNvSpPr>
             <a:spLocks noGrp="1"/>
           </p:cNvSpPr>
@@ -144,34 +148,31 @@
         </p:nvSpPr>
         <p:spPr>
           <a:xfrm>
-            <a:off x="1524000" y="1122363"/>
-            <a:ext cx="9144000" cy="2387600"/>
+            <a:off x="1595269" y="1122363"/>
+            <a:ext cx="9001462" cy="2387600"/>
           </a:xfrm>
         </p:spPr>
         <p:txBody>
-          <a:bodyPr anchor="b"/>
+          <a:bodyPr anchor="b">
+            <a:normAutofit/>
+          </a:bodyPr>
           <a:lstStyle>
             <a:lvl1pPr algn="ctr">
-              <a:defRPr sz="6000"/>
+              <a:defRPr sz="4800"/>
             </a:lvl1pPr>
           </a:lstStyle>
           <a:p>
             <a:r>
-              <a:rPr kumimoji="1" lang="ja-JP" altLang="en-US"/>
+              <a:rPr lang="ja-JP" altLang="en-US"/>
               <a:t>マスター タイトルの書式設定</a:t>
             </a:r>
-          </a:p>
-        </p:txBody>
-      </p:sp>
-      <p:sp>
-        <p:nvSpPr>
-          <p:cNvPr id="3" name="字幕 2">
-            <a:extLst>
-              <a:ext uri="{FF2B5EF4-FFF2-40B4-BE49-F238E27FC236}">
-                <a16:creationId xmlns:a16="http://schemas.microsoft.com/office/drawing/2014/main" id="{04A34D79-A799-4202-82AC-A9DC2038A559}"/>
-              </a:ext>
-            </a:extLst>
-          </p:cNvPr>
+            <a:endParaRPr lang="en-US" dirty="0"/>
+          </a:p>
+        </p:txBody>
+      </p:sp>
+      <p:sp>
+        <p:nvSpPr>
+          <p:cNvPr id="3" name="Subtitle 2"/>
           <p:cNvSpPr>
             <a:spLocks noGrp="1"/>
           </p:cNvSpPr>
@@ -181,8 +182,8 @@
         </p:nvSpPr>
         <p:spPr>
           <a:xfrm>
-            <a:off x="1524000" y="3602038"/>
-            <a:ext cx="9144000" cy="1655762"/>
+            <a:off x="1595269" y="3602038"/>
+            <a:ext cx="9001462" cy="1655762"/>
           </a:xfrm>
         </p:spPr>
         <p:txBody>
@@ -227,21 +228,16 @@
           </a:lstStyle>
           <a:p>
             <a:r>
-              <a:rPr kumimoji="1" lang="ja-JP" altLang="en-US"/>
+              <a:rPr lang="ja-JP" altLang="en-US"/>
               <a:t>マスター サブタイトルの書式設定</a:t>
             </a:r>
-          </a:p>
-        </p:txBody>
-      </p:sp>
-      <p:sp>
-        <p:nvSpPr>
-          <p:cNvPr id="4" name="日付プレースホルダー 3">
-            <a:extLst>
-              <a:ext uri="{FF2B5EF4-FFF2-40B4-BE49-F238E27FC236}">
-                <a16:creationId xmlns:a16="http://schemas.microsoft.com/office/drawing/2014/main" id="{42AFD018-9617-4E22-8E54-EC70E20E4A9D}"/>
-              </a:ext>
-            </a:extLst>
-          </p:cNvPr>
+            <a:endParaRPr lang="en-US" dirty="0"/>
+          </a:p>
+        </p:txBody>
+      </p:sp>
+      <p:sp>
+        <p:nvSpPr>
+          <p:cNvPr id="4" name="Date Placeholder 3"/>
           <p:cNvSpPr>
             <a:spLocks noGrp="1"/>
           </p:cNvSpPr>
@@ -256,7 +252,7 @@
           <a:p>
             <a:fld id="{8EE2664D-154C-4F8A-A3AF-BFCE5078DF3C}" type="datetimeFigureOut">
               <a:rPr kumimoji="1" lang="ja-JP" altLang="en-US" smtClean="0"/>
-              <a:t>2021/7/23</a:t>
+              <a:t>2021/7/26</a:t>
             </a:fld>
             <a:endParaRPr kumimoji="1" lang="ja-JP" altLang="en-US"/>
           </a:p>
@@ -264,13 +260,7 @@
       </p:sp>
       <p:sp>
         <p:nvSpPr>
-          <p:cNvPr id="5" name="フッター プレースホルダー 4">
-            <a:extLst>
-              <a:ext uri="{FF2B5EF4-FFF2-40B4-BE49-F238E27FC236}">
-                <a16:creationId xmlns:a16="http://schemas.microsoft.com/office/drawing/2014/main" id="{2FF1A3ED-D39F-4158-8027-67BBF305C130}"/>
-              </a:ext>
-            </a:extLst>
-          </p:cNvPr>
+          <p:cNvPr id="5" name="Footer Placeholder 4"/>
           <p:cNvSpPr>
             <a:spLocks noGrp="1"/>
           </p:cNvSpPr>
@@ -289,13 +279,7 @@
       </p:sp>
       <p:sp>
         <p:nvSpPr>
-          <p:cNvPr id="6" name="スライド番号プレースホルダー 5">
-            <a:extLst>
-              <a:ext uri="{FF2B5EF4-FFF2-40B4-BE49-F238E27FC236}">
-                <a16:creationId xmlns:a16="http://schemas.microsoft.com/office/drawing/2014/main" id="{3066CDC6-2F42-4756-802A-63922CE8D4ED}"/>
-              </a:ext>
-            </a:extLst>
-          </p:cNvPr>
+          <p:cNvPr id="6" name="Slide Number Placeholder 5"/>
           <p:cNvSpPr>
             <a:spLocks noGrp="1"/>
           </p:cNvSpPr>
@@ -319,7 +303,7 @@
     </p:spTree>
     <p:extLst>
       <p:ext uri="{BB962C8B-B14F-4D97-AF65-F5344CB8AC3E}">
-        <p14:creationId xmlns:p14="http://schemas.microsoft.com/office/powerpoint/2010/main" val="2440760235"/>
+        <p14:creationId xmlns:p14="http://schemas.microsoft.com/office/powerpoint/2010/main" val="584382364"/>
       </p:ext>
     </p:extLst>
   </p:cSld>
@@ -330,6 +314,2556 @@
 </file>
 
 <file path=ppt/slideLayouts/slideLayout10.xml><?xml version="1.0" encoding="utf-8"?>
+<p:sldLayout xmlns:a="http://schemas.openxmlformats.org/drawingml/2006/main" xmlns:r="http://schemas.openxmlformats.org/officeDocument/2006/relationships" xmlns:p="http://schemas.openxmlformats.org/presentationml/2006/main" preserve="1">
+  <p:cSld name="パノラマ写真 (キャプション付き)">
+    <p:spTree>
+      <p:nvGrpSpPr>
+        <p:cNvPr id="1" name=""/>
+        <p:cNvGrpSpPr/>
+        <p:nvPr/>
+      </p:nvGrpSpPr>
+      <p:grpSpPr>
+        <a:xfrm>
+          <a:off x="0" y="0"/>
+          <a:ext cx="0" cy="0"/>
+          <a:chOff x="0" y="0"/>
+          <a:chExt cx="0" cy="0"/>
+        </a:xfrm>
+      </p:grpSpPr>
+      <p:sp>
+        <p:nvSpPr>
+          <p:cNvPr id="2" name="Title 1"/>
+          <p:cNvSpPr>
+            <a:spLocks noGrp="1"/>
+          </p:cNvSpPr>
+          <p:nvPr>
+            <p:ph type="title"/>
+          </p:nvPr>
+        </p:nvSpPr>
+        <p:spPr>
+          <a:xfrm>
+            <a:off x="913806" y="4289372"/>
+            <a:ext cx="10367564" cy="819355"/>
+          </a:xfrm>
+        </p:spPr>
+        <p:txBody>
+          <a:bodyPr anchor="b">
+            <a:normAutofit/>
+          </a:bodyPr>
+          <a:lstStyle>
+            <a:lvl1pPr>
+              <a:defRPr sz="2800"/>
+            </a:lvl1pPr>
+          </a:lstStyle>
+          <a:p>
+            <a:r>
+              <a:rPr lang="ja-JP" altLang="en-US"/>
+              <a:t>マスター タイトルの書式設定</a:t>
+            </a:r>
+            <a:endParaRPr lang="en-US" dirty="0"/>
+          </a:p>
+        </p:txBody>
+      </p:sp>
+      <p:sp>
+        <p:nvSpPr>
+          <p:cNvPr id="3" name="Picture Placeholder 2"/>
+          <p:cNvSpPr>
+            <a:spLocks noGrp="1" noChangeAspect="1"/>
+          </p:cNvSpPr>
+          <p:nvPr>
+            <p:ph type="pic" idx="1"/>
+          </p:nvPr>
+        </p:nvSpPr>
+        <p:spPr>
+          <a:xfrm>
+            <a:off x="913806" y="621321"/>
+            <a:ext cx="10367564" cy="3379735"/>
+          </a:xfrm>
+          <a:noFill/>
+          <a:ln w="190500" cap="sq">
+            <a:solidFill>
+              <a:srgbClr val="FFFFFF"/>
+            </a:solidFill>
+            <a:miter lim="800000"/>
+          </a:ln>
+          <a:effectLst>
+            <a:outerShdw blurRad="55000" dist="18000" dir="5400000" algn="tl" rotWithShape="0">
+              <a:srgbClr val="000000">
+                <a:alpha val="40000"/>
+              </a:srgbClr>
+            </a:outerShdw>
+          </a:effectLst>
+          <a:scene3d>
+            <a:camera prst="orthographicFront"/>
+            <a:lightRig rig="twoPt" dir="t">
+              <a:rot lat="0" lon="0" rev="7200000"/>
+            </a:lightRig>
+          </a:scene3d>
+          <a:sp3d>
+            <a:bevelT w="25400" h="19050"/>
+            <a:contourClr>
+              <a:srgbClr val="FFFFFF"/>
+            </a:contourClr>
+          </a:sp3d>
+        </p:spPr>
+        <p:txBody>
+          <a:bodyPr anchor="t"/>
+          <a:lstStyle>
+            <a:lvl1pPr marL="0" indent="0" algn="ctr">
+              <a:buNone/>
+              <a:defRPr sz="3200"/>
+            </a:lvl1pPr>
+            <a:lvl2pPr marL="457200" indent="0">
+              <a:buNone/>
+              <a:defRPr sz="2800"/>
+            </a:lvl2pPr>
+            <a:lvl3pPr marL="914400" indent="0">
+              <a:buNone/>
+              <a:defRPr sz="2400"/>
+            </a:lvl3pPr>
+            <a:lvl4pPr marL="1371600" indent="0">
+              <a:buNone/>
+              <a:defRPr sz="2000"/>
+            </a:lvl4pPr>
+            <a:lvl5pPr marL="1828800" indent="0">
+              <a:buNone/>
+              <a:defRPr sz="2000"/>
+            </a:lvl5pPr>
+            <a:lvl6pPr marL="2286000" indent="0">
+              <a:buNone/>
+              <a:defRPr sz="2000"/>
+            </a:lvl6pPr>
+            <a:lvl7pPr marL="2743200" indent="0">
+              <a:buNone/>
+              <a:defRPr sz="2000"/>
+            </a:lvl7pPr>
+            <a:lvl8pPr marL="3200400" indent="0">
+              <a:buNone/>
+              <a:defRPr sz="2000"/>
+            </a:lvl8pPr>
+            <a:lvl9pPr marL="3657600" indent="0">
+              <a:buNone/>
+              <a:defRPr sz="2000"/>
+            </a:lvl9pPr>
+          </a:lstStyle>
+          <a:p>
+            <a:r>
+              <a:rPr lang="ja-JP" altLang="en-US"/>
+              <a:t>アイコンをクリックして図を追加</a:t>
+            </a:r>
+            <a:endParaRPr lang="en-US" dirty="0"/>
+          </a:p>
+        </p:txBody>
+      </p:sp>
+      <p:sp>
+        <p:nvSpPr>
+          <p:cNvPr id="4" name="Text Placeholder 3"/>
+          <p:cNvSpPr>
+            <a:spLocks noGrp="1"/>
+          </p:cNvSpPr>
+          <p:nvPr>
+            <p:ph type="body" sz="half" idx="2"/>
+          </p:nvPr>
+        </p:nvSpPr>
+        <p:spPr>
+          <a:xfrm>
+            <a:off x="913795" y="5108728"/>
+            <a:ext cx="10365998" cy="682472"/>
+          </a:xfrm>
+        </p:spPr>
+        <p:txBody>
+          <a:bodyPr>
+            <a:normAutofit/>
+          </a:bodyPr>
+          <a:lstStyle>
+            <a:lvl1pPr marL="0" indent="0" algn="ctr">
+              <a:buNone/>
+              <a:defRPr sz="1800"/>
+            </a:lvl1pPr>
+            <a:lvl2pPr marL="457200" indent="0">
+              <a:buNone/>
+              <a:defRPr sz="1400"/>
+            </a:lvl2pPr>
+            <a:lvl3pPr marL="914400" indent="0">
+              <a:buNone/>
+              <a:defRPr sz="1200"/>
+            </a:lvl3pPr>
+            <a:lvl4pPr marL="1371600" indent="0">
+              <a:buNone/>
+              <a:defRPr sz="1000"/>
+            </a:lvl4pPr>
+            <a:lvl5pPr marL="1828800" indent="0">
+              <a:buNone/>
+              <a:defRPr sz="1000"/>
+            </a:lvl5pPr>
+            <a:lvl6pPr marL="2286000" indent="0">
+              <a:buNone/>
+              <a:defRPr sz="1000"/>
+            </a:lvl6pPr>
+            <a:lvl7pPr marL="2743200" indent="0">
+              <a:buNone/>
+              <a:defRPr sz="1000"/>
+            </a:lvl7pPr>
+            <a:lvl8pPr marL="3200400" indent="0">
+              <a:buNone/>
+              <a:defRPr sz="1000"/>
+            </a:lvl8pPr>
+            <a:lvl9pPr marL="3657600" indent="0">
+              <a:buNone/>
+              <a:defRPr sz="1000"/>
+            </a:lvl9pPr>
+          </a:lstStyle>
+          <a:p>
+            <a:pPr lvl="0"/>
+            <a:r>
+              <a:rPr lang="ja-JP" altLang="en-US"/>
+              <a:t>マスター テキストの書式設定</a:t>
+            </a:r>
+          </a:p>
+        </p:txBody>
+      </p:sp>
+      <p:sp>
+        <p:nvSpPr>
+          <p:cNvPr id="5" name="Date Placeholder 4"/>
+          <p:cNvSpPr>
+            <a:spLocks noGrp="1"/>
+          </p:cNvSpPr>
+          <p:nvPr>
+            <p:ph type="dt" sz="half" idx="10"/>
+          </p:nvPr>
+        </p:nvSpPr>
+        <p:spPr/>
+        <p:txBody>
+          <a:bodyPr/>
+          <a:lstStyle/>
+          <a:p>
+            <a:fld id="{8EE2664D-154C-4F8A-A3AF-BFCE5078DF3C}" type="datetimeFigureOut">
+              <a:rPr kumimoji="1" lang="ja-JP" altLang="en-US" smtClean="0"/>
+              <a:t>2021/7/26</a:t>
+            </a:fld>
+            <a:endParaRPr kumimoji="1" lang="ja-JP" altLang="en-US"/>
+          </a:p>
+        </p:txBody>
+      </p:sp>
+      <p:sp>
+        <p:nvSpPr>
+          <p:cNvPr id="6" name="Footer Placeholder 5"/>
+          <p:cNvSpPr>
+            <a:spLocks noGrp="1"/>
+          </p:cNvSpPr>
+          <p:nvPr>
+            <p:ph type="ftr" sz="quarter" idx="11"/>
+          </p:nvPr>
+        </p:nvSpPr>
+        <p:spPr/>
+        <p:txBody>
+          <a:bodyPr/>
+          <a:lstStyle/>
+          <a:p>
+            <a:endParaRPr kumimoji="1" lang="ja-JP" altLang="en-US"/>
+          </a:p>
+        </p:txBody>
+      </p:sp>
+      <p:sp>
+        <p:nvSpPr>
+          <p:cNvPr id="7" name="Slide Number Placeholder 6"/>
+          <p:cNvSpPr>
+            <a:spLocks noGrp="1"/>
+          </p:cNvSpPr>
+          <p:nvPr>
+            <p:ph type="sldNum" sz="quarter" idx="12"/>
+          </p:nvPr>
+        </p:nvSpPr>
+        <p:spPr/>
+        <p:txBody>
+          <a:bodyPr/>
+          <a:lstStyle/>
+          <a:p>
+            <a:fld id="{D2E270FA-313E-4D60-B4A1-1741AEB310F8}" type="slidenum">
+              <a:rPr kumimoji="1" lang="ja-JP" altLang="en-US" smtClean="0"/>
+              <a:t>‹#›</a:t>
+            </a:fld>
+            <a:endParaRPr kumimoji="1" lang="ja-JP" altLang="en-US"/>
+          </a:p>
+        </p:txBody>
+      </p:sp>
+    </p:spTree>
+    <p:extLst>
+      <p:ext uri="{BB962C8B-B14F-4D97-AF65-F5344CB8AC3E}">
+        <p14:creationId xmlns:p14="http://schemas.microsoft.com/office/powerpoint/2010/main" val="1231859935"/>
+      </p:ext>
+    </p:extLst>
+  </p:cSld>
+  <p:clrMapOvr>
+    <a:masterClrMapping/>
+  </p:clrMapOvr>
+</p:sldLayout>
+</file>
+
+<file path=ppt/slideLayouts/slideLayout11.xml><?xml version="1.0" encoding="utf-8"?>
+<p:sldLayout xmlns:a="http://schemas.openxmlformats.org/drawingml/2006/main" xmlns:r="http://schemas.openxmlformats.org/officeDocument/2006/relationships" xmlns:p="http://schemas.openxmlformats.org/presentationml/2006/main" preserve="1">
+  <p:cSld name="タイトルとキャプション">
+    <p:spTree>
+      <p:nvGrpSpPr>
+        <p:cNvPr id="1" name=""/>
+        <p:cNvGrpSpPr/>
+        <p:nvPr/>
+      </p:nvGrpSpPr>
+      <p:grpSpPr>
+        <a:xfrm>
+          <a:off x="0" y="0"/>
+          <a:ext cx="0" cy="0"/>
+          <a:chOff x="0" y="0"/>
+          <a:chExt cx="0" cy="0"/>
+        </a:xfrm>
+      </p:grpSpPr>
+      <p:sp>
+        <p:nvSpPr>
+          <p:cNvPr id="2" name="Title 1"/>
+          <p:cNvSpPr>
+            <a:spLocks noGrp="1"/>
+          </p:cNvSpPr>
+          <p:nvPr>
+            <p:ph type="title"/>
+          </p:nvPr>
+        </p:nvSpPr>
+        <p:spPr>
+          <a:xfrm>
+            <a:off x="913795" y="609600"/>
+            <a:ext cx="10353762" cy="3424859"/>
+          </a:xfrm>
+        </p:spPr>
+        <p:txBody>
+          <a:bodyPr anchor="ctr"/>
+          <a:lstStyle>
+            <a:lvl1pPr>
+              <a:defRPr sz="3200"/>
+            </a:lvl1pPr>
+          </a:lstStyle>
+          <a:p>
+            <a:r>
+              <a:rPr lang="ja-JP" altLang="en-US"/>
+              <a:t>マスター タイトルの書式設定</a:t>
+            </a:r>
+            <a:endParaRPr lang="en-US" dirty="0"/>
+          </a:p>
+        </p:txBody>
+      </p:sp>
+      <p:sp>
+        <p:nvSpPr>
+          <p:cNvPr id="4" name="Text Placeholder 3"/>
+          <p:cNvSpPr>
+            <a:spLocks noGrp="1"/>
+          </p:cNvSpPr>
+          <p:nvPr>
+            <p:ph type="body" sz="half" idx="2"/>
+          </p:nvPr>
+        </p:nvSpPr>
+        <p:spPr>
+          <a:xfrm>
+            <a:off x="913795" y="4204820"/>
+            <a:ext cx="10353761" cy="1592186"/>
+          </a:xfrm>
+        </p:spPr>
+        <p:txBody>
+          <a:bodyPr anchor="ctr"/>
+          <a:lstStyle>
+            <a:lvl1pPr marL="0" indent="0" algn="ctr">
+              <a:buNone/>
+              <a:defRPr sz="1600"/>
+            </a:lvl1pPr>
+            <a:lvl2pPr marL="457200" indent="0">
+              <a:buNone/>
+              <a:defRPr sz="1400"/>
+            </a:lvl2pPr>
+            <a:lvl3pPr marL="914400" indent="0">
+              <a:buNone/>
+              <a:defRPr sz="1200"/>
+            </a:lvl3pPr>
+            <a:lvl4pPr marL="1371600" indent="0">
+              <a:buNone/>
+              <a:defRPr sz="1000"/>
+            </a:lvl4pPr>
+            <a:lvl5pPr marL="1828800" indent="0">
+              <a:buNone/>
+              <a:defRPr sz="1000"/>
+            </a:lvl5pPr>
+            <a:lvl6pPr marL="2286000" indent="0">
+              <a:buNone/>
+              <a:defRPr sz="1000"/>
+            </a:lvl6pPr>
+            <a:lvl7pPr marL="2743200" indent="0">
+              <a:buNone/>
+              <a:defRPr sz="1000"/>
+            </a:lvl7pPr>
+            <a:lvl8pPr marL="3200400" indent="0">
+              <a:buNone/>
+              <a:defRPr sz="1000"/>
+            </a:lvl8pPr>
+            <a:lvl9pPr marL="3657600" indent="0">
+              <a:buNone/>
+              <a:defRPr sz="1000"/>
+            </a:lvl9pPr>
+          </a:lstStyle>
+          <a:p>
+            <a:pPr lvl="0"/>
+            <a:r>
+              <a:rPr lang="ja-JP" altLang="en-US"/>
+              <a:t>マスター テキストの書式設定</a:t>
+            </a:r>
+          </a:p>
+        </p:txBody>
+      </p:sp>
+      <p:sp>
+        <p:nvSpPr>
+          <p:cNvPr id="5" name="Date Placeholder 4"/>
+          <p:cNvSpPr>
+            <a:spLocks noGrp="1"/>
+          </p:cNvSpPr>
+          <p:nvPr>
+            <p:ph type="dt" sz="half" idx="10"/>
+          </p:nvPr>
+        </p:nvSpPr>
+        <p:spPr/>
+        <p:txBody>
+          <a:bodyPr/>
+          <a:lstStyle/>
+          <a:p>
+            <a:fld id="{8EE2664D-154C-4F8A-A3AF-BFCE5078DF3C}" type="datetimeFigureOut">
+              <a:rPr kumimoji="1" lang="ja-JP" altLang="en-US" smtClean="0"/>
+              <a:t>2021/7/26</a:t>
+            </a:fld>
+            <a:endParaRPr kumimoji="1" lang="ja-JP" altLang="en-US"/>
+          </a:p>
+        </p:txBody>
+      </p:sp>
+      <p:sp>
+        <p:nvSpPr>
+          <p:cNvPr id="6" name="Footer Placeholder 5"/>
+          <p:cNvSpPr>
+            <a:spLocks noGrp="1"/>
+          </p:cNvSpPr>
+          <p:nvPr>
+            <p:ph type="ftr" sz="quarter" idx="11"/>
+          </p:nvPr>
+        </p:nvSpPr>
+        <p:spPr/>
+        <p:txBody>
+          <a:bodyPr/>
+          <a:lstStyle/>
+          <a:p>
+            <a:endParaRPr kumimoji="1" lang="ja-JP" altLang="en-US"/>
+          </a:p>
+        </p:txBody>
+      </p:sp>
+      <p:sp>
+        <p:nvSpPr>
+          <p:cNvPr id="7" name="Slide Number Placeholder 6"/>
+          <p:cNvSpPr>
+            <a:spLocks noGrp="1"/>
+          </p:cNvSpPr>
+          <p:nvPr>
+            <p:ph type="sldNum" sz="quarter" idx="12"/>
+          </p:nvPr>
+        </p:nvSpPr>
+        <p:spPr/>
+        <p:txBody>
+          <a:bodyPr/>
+          <a:lstStyle/>
+          <a:p>
+            <a:fld id="{D2E270FA-313E-4D60-B4A1-1741AEB310F8}" type="slidenum">
+              <a:rPr kumimoji="1" lang="ja-JP" altLang="en-US" smtClean="0"/>
+              <a:t>‹#›</a:t>
+            </a:fld>
+            <a:endParaRPr kumimoji="1" lang="ja-JP" altLang="en-US"/>
+          </a:p>
+        </p:txBody>
+      </p:sp>
+    </p:spTree>
+    <p:extLst>
+      <p:ext uri="{BB962C8B-B14F-4D97-AF65-F5344CB8AC3E}">
+        <p14:creationId xmlns:p14="http://schemas.microsoft.com/office/powerpoint/2010/main" val="2582902751"/>
+      </p:ext>
+    </p:extLst>
+  </p:cSld>
+  <p:clrMapOvr>
+    <a:masterClrMapping/>
+  </p:clrMapOvr>
+</p:sldLayout>
+</file>
+
+<file path=ppt/slideLayouts/slideLayout12.xml><?xml version="1.0" encoding="utf-8"?>
+<p:sldLayout xmlns:a="http://schemas.openxmlformats.org/drawingml/2006/main" xmlns:r="http://schemas.openxmlformats.org/officeDocument/2006/relationships" xmlns:p="http://schemas.openxmlformats.org/presentationml/2006/main" preserve="1">
+  <p:cSld name="引用 (キャプション付き)">
+    <p:spTree>
+      <p:nvGrpSpPr>
+        <p:cNvPr id="1" name=""/>
+        <p:cNvGrpSpPr/>
+        <p:nvPr/>
+      </p:nvGrpSpPr>
+      <p:grpSpPr>
+        <a:xfrm>
+          <a:off x="0" y="0"/>
+          <a:ext cx="0" cy="0"/>
+          <a:chOff x="0" y="0"/>
+          <a:chExt cx="0" cy="0"/>
+        </a:xfrm>
+      </p:grpSpPr>
+      <p:sp>
+        <p:nvSpPr>
+          <p:cNvPr id="2" name="Title 1"/>
+          <p:cNvSpPr>
+            <a:spLocks noGrp="1"/>
+          </p:cNvSpPr>
+          <p:nvPr>
+            <p:ph type="title"/>
+          </p:nvPr>
+        </p:nvSpPr>
+        <p:spPr>
+          <a:xfrm>
+            <a:off x="1446212" y="609600"/>
+            <a:ext cx="9302752" cy="2992904"/>
+          </a:xfrm>
+        </p:spPr>
+        <p:txBody>
+          <a:bodyPr anchor="ctr"/>
+          <a:lstStyle>
+            <a:lvl1pPr>
+              <a:defRPr sz="3200"/>
+            </a:lvl1pPr>
+          </a:lstStyle>
+          <a:p>
+            <a:r>
+              <a:rPr lang="ja-JP" altLang="en-US"/>
+              <a:t>マスター タイトルの書式設定</a:t>
+            </a:r>
+            <a:endParaRPr lang="en-US" dirty="0"/>
+          </a:p>
+        </p:txBody>
+      </p:sp>
+      <p:sp>
+        <p:nvSpPr>
+          <p:cNvPr id="12" name="Text Placeholder 3"/>
+          <p:cNvSpPr>
+            <a:spLocks noGrp="1"/>
+          </p:cNvSpPr>
+          <p:nvPr>
+            <p:ph type="body" sz="half" idx="13"/>
+          </p:nvPr>
+        </p:nvSpPr>
+        <p:spPr>
+          <a:xfrm>
+            <a:off x="1720644" y="3610032"/>
+            <a:ext cx="8752299" cy="426812"/>
+          </a:xfrm>
+        </p:spPr>
+        <p:txBody>
+          <a:bodyPr anchor="t">
+            <a:normAutofit/>
+          </a:bodyPr>
+          <a:lstStyle>
+            <a:lvl1pPr marL="0" indent="0" algn="r">
+              <a:buNone/>
+              <a:defRPr sz="1400"/>
+            </a:lvl1pPr>
+            <a:lvl2pPr marL="457200" indent="0">
+              <a:buNone/>
+              <a:defRPr sz="1400"/>
+            </a:lvl2pPr>
+            <a:lvl3pPr marL="914400" indent="0">
+              <a:buNone/>
+              <a:defRPr sz="1200"/>
+            </a:lvl3pPr>
+            <a:lvl4pPr marL="1371600" indent="0">
+              <a:buNone/>
+              <a:defRPr sz="1000"/>
+            </a:lvl4pPr>
+            <a:lvl5pPr marL="1828800" indent="0">
+              <a:buNone/>
+              <a:defRPr sz="1000"/>
+            </a:lvl5pPr>
+            <a:lvl6pPr marL="2286000" indent="0">
+              <a:buNone/>
+              <a:defRPr sz="1000"/>
+            </a:lvl6pPr>
+            <a:lvl7pPr marL="2743200" indent="0">
+              <a:buNone/>
+              <a:defRPr sz="1000"/>
+            </a:lvl7pPr>
+            <a:lvl8pPr marL="3200400" indent="0">
+              <a:buNone/>
+              <a:defRPr sz="1000"/>
+            </a:lvl8pPr>
+            <a:lvl9pPr marL="3657600" indent="0">
+              <a:buNone/>
+              <a:defRPr sz="1000"/>
+            </a:lvl9pPr>
+          </a:lstStyle>
+          <a:p>
+            <a:pPr lvl="0"/>
+            <a:r>
+              <a:rPr lang="ja-JP" altLang="en-US"/>
+              <a:t>マスター テキストの書式設定</a:t>
+            </a:r>
+          </a:p>
+        </p:txBody>
+      </p:sp>
+      <p:sp>
+        <p:nvSpPr>
+          <p:cNvPr id="4" name="Text Placeholder 3"/>
+          <p:cNvSpPr>
+            <a:spLocks noGrp="1"/>
+          </p:cNvSpPr>
+          <p:nvPr>
+            <p:ph type="body" sz="half" idx="2"/>
+          </p:nvPr>
+        </p:nvSpPr>
+        <p:spPr>
+          <a:xfrm>
+            <a:off x="913794" y="4204821"/>
+            <a:ext cx="10353762" cy="1586380"/>
+          </a:xfrm>
+        </p:spPr>
+        <p:txBody>
+          <a:bodyPr anchor="ctr">
+            <a:normAutofit/>
+          </a:bodyPr>
+          <a:lstStyle>
+            <a:lvl1pPr marL="0" indent="0" algn="ctr">
+              <a:buNone/>
+              <a:defRPr sz="1600"/>
+            </a:lvl1pPr>
+            <a:lvl2pPr marL="457200" indent="0">
+              <a:buNone/>
+              <a:defRPr sz="1400"/>
+            </a:lvl2pPr>
+            <a:lvl3pPr marL="914400" indent="0">
+              <a:buNone/>
+              <a:defRPr sz="1200"/>
+            </a:lvl3pPr>
+            <a:lvl4pPr marL="1371600" indent="0">
+              <a:buNone/>
+              <a:defRPr sz="1000"/>
+            </a:lvl4pPr>
+            <a:lvl5pPr marL="1828800" indent="0">
+              <a:buNone/>
+              <a:defRPr sz="1000"/>
+            </a:lvl5pPr>
+            <a:lvl6pPr marL="2286000" indent="0">
+              <a:buNone/>
+              <a:defRPr sz="1000"/>
+            </a:lvl6pPr>
+            <a:lvl7pPr marL="2743200" indent="0">
+              <a:buNone/>
+              <a:defRPr sz="1000"/>
+            </a:lvl7pPr>
+            <a:lvl8pPr marL="3200400" indent="0">
+              <a:buNone/>
+              <a:defRPr sz="1000"/>
+            </a:lvl8pPr>
+            <a:lvl9pPr marL="3657600" indent="0">
+              <a:buNone/>
+              <a:defRPr sz="1000"/>
+            </a:lvl9pPr>
+          </a:lstStyle>
+          <a:p>
+            <a:pPr lvl="0"/>
+            <a:r>
+              <a:rPr lang="ja-JP" altLang="en-US"/>
+              <a:t>マスター テキストの書式設定</a:t>
+            </a:r>
+          </a:p>
+        </p:txBody>
+      </p:sp>
+      <p:sp>
+        <p:nvSpPr>
+          <p:cNvPr id="5" name="Date Placeholder 4"/>
+          <p:cNvSpPr>
+            <a:spLocks noGrp="1"/>
+          </p:cNvSpPr>
+          <p:nvPr>
+            <p:ph type="dt" sz="half" idx="10"/>
+          </p:nvPr>
+        </p:nvSpPr>
+        <p:spPr/>
+        <p:txBody>
+          <a:bodyPr/>
+          <a:lstStyle/>
+          <a:p>
+            <a:fld id="{8EE2664D-154C-4F8A-A3AF-BFCE5078DF3C}" type="datetimeFigureOut">
+              <a:rPr kumimoji="1" lang="ja-JP" altLang="en-US" smtClean="0"/>
+              <a:t>2021/7/26</a:t>
+            </a:fld>
+            <a:endParaRPr kumimoji="1" lang="ja-JP" altLang="en-US"/>
+          </a:p>
+        </p:txBody>
+      </p:sp>
+      <p:sp>
+        <p:nvSpPr>
+          <p:cNvPr id="6" name="Footer Placeholder 5"/>
+          <p:cNvSpPr>
+            <a:spLocks noGrp="1"/>
+          </p:cNvSpPr>
+          <p:nvPr>
+            <p:ph type="ftr" sz="quarter" idx="11"/>
+          </p:nvPr>
+        </p:nvSpPr>
+        <p:spPr/>
+        <p:txBody>
+          <a:bodyPr/>
+          <a:lstStyle/>
+          <a:p>
+            <a:endParaRPr kumimoji="1" lang="ja-JP" altLang="en-US"/>
+          </a:p>
+        </p:txBody>
+      </p:sp>
+      <p:sp>
+        <p:nvSpPr>
+          <p:cNvPr id="7" name="Slide Number Placeholder 6"/>
+          <p:cNvSpPr>
+            <a:spLocks noGrp="1"/>
+          </p:cNvSpPr>
+          <p:nvPr>
+            <p:ph type="sldNum" sz="quarter" idx="12"/>
+          </p:nvPr>
+        </p:nvSpPr>
+        <p:spPr/>
+        <p:txBody>
+          <a:bodyPr/>
+          <a:lstStyle/>
+          <a:p>
+            <a:fld id="{D2E270FA-313E-4D60-B4A1-1741AEB310F8}" type="slidenum">
+              <a:rPr kumimoji="1" lang="ja-JP" altLang="en-US" smtClean="0"/>
+              <a:t>‹#›</a:t>
+            </a:fld>
+            <a:endParaRPr kumimoji="1" lang="ja-JP" altLang="en-US"/>
+          </a:p>
+        </p:txBody>
+      </p:sp>
+      <p:sp>
+        <p:nvSpPr>
+          <p:cNvPr id="11" name="TextBox 10"/>
+          <p:cNvSpPr txBox="1"/>
+          <p:nvPr/>
+        </p:nvSpPr>
+        <p:spPr>
+          <a:xfrm>
+            <a:off x="836612" y="735241"/>
+            <a:ext cx="609600" cy="584776"/>
+          </a:xfrm>
+          <a:prstGeom prst="rect">
+            <a:avLst/>
+          </a:prstGeom>
+        </p:spPr>
+        <p:txBody>
+          <a:bodyPr vert="horz" lIns="91440" tIns="45720" rIns="91440" bIns="45720" rtlCol="0" anchor="ctr">
+            <a:noAutofit/>
+          </a:bodyPr>
+          <a:lstStyle>
+            <a:lvl1pPr>
+              <a:spcBef>
+                <a:spcPct val="0"/>
+              </a:spcBef>
+              <a:buNone/>
+              <a:defRPr sz="3200" b="0" cap="all">
+                <a:ln w="3175" cmpd="sng">
+                  <a:noFill/>
+                </a:ln>
+                <a:effectLst>
+                  <a:glow rad="38100">
+                    <a:schemeClr val="bg1">
+                      <a:lumMod val="65000"/>
+                      <a:lumOff val="35000"/>
+                      <a:alpha val="40000"/>
+                    </a:schemeClr>
+                  </a:glow>
+                  <a:outerShdw blurRad="28575" dist="38100" dir="14040000" algn="tl" rotWithShape="0">
+                    <a:srgbClr val="000000">
+                      <a:alpha val="25000"/>
+                    </a:srgbClr>
+                  </a:outerShdw>
+                </a:effectLst>
+              </a:defRPr>
+            </a:lvl1pPr>
+            <a:lvl2pPr>
+              <a:defRPr>
+                <a:solidFill>
+                  <a:schemeClr val="tx2"/>
+                </a:solidFill>
+              </a:defRPr>
+            </a:lvl2pPr>
+            <a:lvl3pPr>
+              <a:defRPr>
+                <a:solidFill>
+                  <a:schemeClr val="tx2"/>
+                </a:solidFill>
+              </a:defRPr>
+            </a:lvl3pPr>
+            <a:lvl4pPr>
+              <a:defRPr>
+                <a:solidFill>
+                  <a:schemeClr val="tx2"/>
+                </a:solidFill>
+              </a:defRPr>
+            </a:lvl4pPr>
+            <a:lvl5pPr>
+              <a:defRPr>
+                <a:solidFill>
+                  <a:schemeClr val="tx2"/>
+                </a:solidFill>
+              </a:defRPr>
+            </a:lvl5pPr>
+            <a:lvl6pPr>
+              <a:defRPr>
+                <a:solidFill>
+                  <a:schemeClr val="tx2"/>
+                </a:solidFill>
+              </a:defRPr>
+            </a:lvl6pPr>
+            <a:lvl7pPr>
+              <a:defRPr>
+                <a:solidFill>
+                  <a:schemeClr val="tx2"/>
+                </a:solidFill>
+              </a:defRPr>
+            </a:lvl7pPr>
+            <a:lvl8pPr>
+              <a:defRPr>
+                <a:solidFill>
+                  <a:schemeClr val="tx2"/>
+                </a:solidFill>
+              </a:defRPr>
+            </a:lvl8pPr>
+            <a:lvl9pPr>
+              <a:defRPr>
+                <a:solidFill>
+                  <a:schemeClr val="tx2"/>
+                </a:solidFill>
+              </a:defRPr>
+            </a:lvl9pPr>
+          </a:lstStyle>
+          <a:p>
+            <a:pPr lvl="0"/>
+            <a:r>
+              <a:rPr lang="en-US" sz="8000" dirty="0">
+                <a:solidFill>
+                  <a:schemeClr val="tx1"/>
+                </a:solidFill>
+                <a:effectLst/>
+              </a:rPr>
+              <a:t>“</a:t>
+            </a:r>
+          </a:p>
+        </p:txBody>
+      </p:sp>
+      <p:sp>
+        <p:nvSpPr>
+          <p:cNvPr id="13" name="TextBox 12"/>
+          <p:cNvSpPr txBox="1"/>
+          <p:nvPr/>
+        </p:nvSpPr>
+        <p:spPr>
+          <a:xfrm>
+            <a:off x="10657956" y="2972093"/>
+            <a:ext cx="609600" cy="584776"/>
+          </a:xfrm>
+          <a:prstGeom prst="rect">
+            <a:avLst/>
+          </a:prstGeom>
+        </p:spPr>
+        <p:txBody>
+          <a:bodyPr vert="horz" lIns="91440" tIns="45720" rIns="91440" bIns="45720" rtlCol="0" anchor="ctr">
+            <a:noAutofit/>
+          </a:bodyPr>
+          <a:lstStyle>
+            <a:lvl1pPr>
+              <a:spcBef>
+                <a:spcPct val="0"/>
+              </a:spcBef>
+              <a:buNone/>
+              <a:defRPr sz="3200" b="0" cap="all">
+                <a:ln w="3175" cmpd="sng">
+                  <a:noFill/>
+                </a:ln>
+                <a:effectLst>
+                  <a:glow rad="38100">
+                    <a:schemeClr val="bg1">
+                      <a:lumMod val="65000"/>
+                      <a:lumOff val="35000"/>
+                      <a:alpha val="40000"/>
+                    </a:schemeClr>
+                  </a:glow>
+                  <a:outerShdw blurRad="28575" dist="38100" dir="14040000" algn="tl" rotWithShape="0">
+                    <a:srgbClr val="000000">
+                      <a:alpha val="25000"/>
+                    </a:srgbClr>
+                  </a:outerShdw>
+                </a:effectLst>
+              </a:defRPr>
+            </a:lvl1pPr>
+            <a:lvl2pPr>
+              <a:defRPr>
+                <a:solidFill>
+                  <a:schemeClr val="tx2"/>
+                </a:solidFill>
+              </a:defRPr>
+            </a:lvl2pPr>
+            <a:lvl3pPr>
+              <a:defRPr>
+                <a:solidFill>
+                  <a:schemeClr val="tx2"/>
+                </a:solidFill>
+              </a:defRPr>
+            </a:lvl3pPr>
+            <a:lvl4pPr>
+              <a:defRPr>
+                <a:solidFill>
+                  <a:schemeClr val="tx2"/>
+                </a:solidFill>
+              </a:defRPr>
+            </a:lvl4pPr>
+            <a:lvl5pPr>
+              <a:defRPr>
+                <a:solidFill>
+                  <a:schemeClr val="tx2"/>
+                </a:solidFill>
+              </a:defRPr>
+            </a:lvl5pPr>
+            <a:lvl6pPr>
+              <a:defRPr>
+                <a:solidFill>
+                  <a:schemeClr val="tx2"/>
+                </a:solidFill>
+              </a:defRPr>
+            </a:lvl6pPr>
+            <a:lvl7pPr>
+              <a:defRPr>
+                <a:solidFill>
+                  <a:schemeClr val="tx2"/>
+                </a:solidFill>
+              </a:defRPr>
+            </a:lvl7pPr>
+            <a:lvl8pPr>
+              <a:defRPr>
+                <a:solidFill>
+                  <a:schemeClr val="tx2"/>
+                </a:solidFill>
+              </a:defRPr>
+            </a:lvl8pPr>
+            <a:lvl9pPr>
+              <a:defRPr>
+                <a:solidFill>
+                  <a:schemeClr val="tx2"/>
+                </a:solidFill>
+              </a:defRPr>
+            </a:lvl9pPr>
+          </a:lstStyle>
+          <a:p>
+            <a:pPr lvl="0" algn="r"/>
+            <a:r>
+              <a:rPr lang="en-US" sz="8000" dirty="0">
+                <a:solidFill>
+                  <a:schemeClr val="tx1"/>
+                </a:solidFill>
+                <a:effectLst/>
+              </a:rPr>
+              <a:t>”</a:t>
+            </a:r>
+          </a:p>
+        </p:txBody>
+      </p:sp>
+    </p:spTree>
+    <p:extLst>
+      <p:ext uri="{BB962C8B-B14F-4D97-AF65-F5344CB8AC3E}">
+        <p14:creationId xmlns:p14="http://schemas.microsoft.com/office/powerpoint/2010/main" val="2132253675"/>
+      </p:ext>
+    </p:extLst>
+  </p:cSld>
+  <p:clrMapOvr>
+    <a:masterClrMapping/>
+  </p:clrMapOvr>
+</p:sldLayout>
+</file>
+
+<file path=ppt/slideLayouts/slideLayout13.xml><?xml version="1.0" encoding="utf-8"?>
+<p:sldLayout xmlns:a="http://schemas.openxmlformats.org/drawingml/2006/main" xmlns:r="http://schemas.openxmlformats.org/officeDocument/2006/relationships" xmlns:p="http://schemas.openxmlformats.org/presentationml/2006/main" preserve="1">
+  <p:cSld name="名札">
+    <p:spTree>
+      <p:nvGrpSpPr>
+        <p:cNvPr id="1" name=""/>
+        <p:cNvGrpSpPr/>
+        <p:nvPr/>
+      </p:nvGrpSpPr>
+      <p:grpSpPr>
+        <a:xfrm>
+          <a:off x="0" y="0"/>
+          <a:ext cx="0" cy="0"/>
+          <a:chOff x="0" y="0"/>
+          <a:chExt cx="0" cy="0"/>
+        </a:xfrm>
+      </p:grpSpPr>
+      <p:sp>
+        <p:nvSpPr>
+          <p:cNvPr id="2" name="Title 1"/>
+          <p:cNvSpPr>
+            <a:spLocks noGrp="1"/>
+          </p:cNvSpPr>
+          <p:nvPr>
+            <p:ph type="title"/>
+          </p:nvPr>
+        </p:nvSpPr>
+        <p:spPr>
+          <a:xfrm>
+            <a:off x="913806" y="2126942"/>
+            <a:ext cx="10355327" cy="2511835"/>
+          </a:xfrm>
+        </p:spPr>
+        <p:txBody>
+          <a:bodyPr anchor="b"/>
+          <a:lstStyle>
+            <a:lvl1pPr>
+              <a:defRPr sz="3200"/>
+            </a:lvl1pPr>
+          </a:lstStyle>
+          <a:p>
+            <a:r>
+              <a:rPr lang="ja-JP" altLang="en-US"/>
+              <a:t>マスター タイトルの書式設定</a:t>
+            </a:r>
+            <a:endParaRPr lang="en-US" dirty="0"/>
+          </a:p>
+        </p:txBody>
+      </p:sp>
+      <p:sp>
+        <p:nvSpPr>
+          <p:cNvPr id="4" name="Text Placeholder 3"/>
+          <p:cNvSpPr>
+            <a:spLocks noGrp="1"/>
+          </p:cNvSpPr>
+          <p:nvPr>
+            <p:ph type="body" sz="half" idx="2"/>
+          </p:nvPr>
+        </p:nvSpPr>
+        <p:spPr>
+          <a:xfrm>
+            <a:off x="913794" y="4650556"/>
+            <a:ext cx="10353763" cy="1140644"/>
+          </a:xfrm>
+        </p:spPr>
+        <p:txBody>
+          <a:bodyPr anchor="t"/>
+          <a:lstStyle>
+            <a:lvl1pPr marL="0" indent="0" algn="ctr">
+              <a:buNone/>
+              <a:defRPr sz="1600"/>
+            </a:lvl1pPr>
+            <a:lvl2pPr marL="457200" indent="0">
+              <a:buNone/>
+              <a:defRPr sz="1400"/>
+            </a:lvl2pPr>
+            <a:lvl3pPr marL="914400" indent="0">
+              <a:buNone/>
+              <a:defRPr sz="1200"/>
+            </a:lvl3pPr>
+            <a:lvl4pPr marL="1371600" indent="0">
+              <a:buNone/>
+              <a:defRPr sz="1000"/>
+            </a:lvl4pPr>
+            <a:lvl5pPr marL="1828800" indent="0">
+              <a:buNone/>
+              <a:defRPr sz="1000"/>
+            </a:lvl5pPr>
+            <a:lvl6pPr marL="2286000" indent="0">
+              <a:buNone/>
+              <a:defRPr sz="1000"/>
+            </a:lvl6pPr>
+            <a:lvl7pPr marL="2743200" indent="0">
+              <a:buNone/>
+              <a:defRPr sz="1000"/>
+            </a:lvl7pPr>
+            <a:lvl8pPr marL="3200400" indent="0">
+              <a:buNone/>
+              <a:defRPr sz="1000"/>
+            </a:lvl8pPr>
+            <a:lvl9pPr marL="3657600" indent="0">
+              <a:buNone/>
+              <a:defRPr sz="1000"/>
+            </a:lvl9pPr>
+          </a:lstStyle>
+          <a:p>
+            <a:pPr lvl="0"/>
+            <a:r>
+              <a:rPr lang="ja-JP" altLang="en-US"/>
+              <a:t>マスター テキストの書式設定</a:t>
+            </a:r>
+          </a:p>
+        </p:txBody>
+      </p:sp>
+      <p:sp>
+        <p:nvSpPr>
+          <p:cNvPr id="5" name="Date Placeholder 4"/>
+          <p:cNvSpPr>
+            <a:spLocks noGrp="1"/>
+          </p:cNvSpPr>
+          <p:nvPr>
+            <p:ph type="dt" sz="half" idx="10"/>
+          </p:nvPr>
+        </p:nvSpPr>
+        <p:spPr/>
+        <p:txBody>
+          <a:bodyPr/>
+          <a:lstStyle/>
+          <a:p>
+            <a:fld id="{8EE2664D-154C-4F8A-A3AF-BFCE5078DF3C}" type="datetimeFigureOut">
+              <a:rPr kumimoji="1" lang="ja-JP" altLang="en-US" smtClean="0"/>
+              <a:t>2021/7/26</a:t>
+            </a:fld>
+            <a:endParaRPr kumimoji="1" lang="ja-JP" altLang="en-US"/>
+          </a:p>
+        </p:txBody>
+      </p:sp>
+      <p:sp>
+        <p:nvSpPr>
+          <p:cNvPr id="6" name="Footer Placeholder 5"/>
+          <p:cNvSpPr>
+            <a:spLocks noGrp="1"/>
+          </p:cNvSpPr>
+          <p:nvPr>
+            <p:ph type="ftr" sz="quarter" idx="11"/>
+          </p:nvPr>
+        </p:nvSpPr>
+        <p:spPr/>
+        <p:txBody>
+          <a:bodyPr/>
+          <a:lstStyle/>
+          <a:p>
+            <a:endParaRPr kumimoji="1" lang="ja-JP" altLang="en-US"/>
+          </a:p>
+        </p:txBody>
+      </p:sp>
+      <p:sp>
+        <p:nvSpPr>
+          <p:cNvPr id="7" name="Slide Number Placeholder 6"/>
+          <p:cNvSpPr>
+            <a:spLocks noGrp="1"/>
+          </p:cNvSpPr>
+          <p:nvPr>
+            <p:ph type="sldNum" sz="quarter" idx="12"/>
+          </p:nvPr>
+        </p:nvSpPr>
+        <p:spPr/>
+        <p:txBody>
+          <a:bodyPr/>
+          <a:lstStyle/>
+          <a:p>
+            <a:fld id="{D2E270FA-313E-4D60-B4A1-1741AEB310F8}" type="slidenum">
+              <a:rPr kumimoji="1" lang="ja-JP" altLang="en-US" smtClean="0"/>
+              <a:t>‹#›</a:t>
+            </a:fld>
+            <a:endParaRPr kumimoji="1" lang="ja-JP" altLang="en-US"/>
+          </a:p>
+        </p:txBody>
+      </p:sp>
+    </p:spTree>
+    <p:extLst>
+      <p:ext uri="{BB962C8B-B14F-4D97-AF65-F5344CB8AC3E}">
+        <p14:creationId xmlns:p14="http://schemas.microsoft.com/office/powerpoint/2010/main" val="3376974167"/>
+      </p:ext>
+    </p:extLst>
+  </p:cSld>
+  <p:clrMapOvr>
+    <a:masterClrMapping/>
+  </p:clrMapOvr>
+</p:sldLayout>
+</file>
+
+<file path=ppt/slideLayouts/slideLayout14.xml><?xml version="1.0" encoding="utf-8"?>
+<p:sldLayout xmlns:a="http://schemas.openxmlformats.org/drawingml/2006/main" xmlns:r="http://schemas.openxmlformats.org/officeDocument/2006/relationships" xmlns:p="http://schemas.openxmlformats.org/presentationml/2006/main" preserve="1">
+  <p:cSld name="3 段">
+    <p:spTree>
+      <p:nvGrpSpPr>
+        <p:cNvPr id="1" name=""/>
+        <p:cNvGrpSpPr/>
+        <p:nvPr/>
+      </p:nvGrpSpPr>
+      <p:grpSpPr>
+        <a:xfrm>
+          <a:off x="0" y="0"/>
+          <a:ext cx="0" cy="0"/>
+          <a:chOff x="0" y="0"/>
+          <a:chExt cx="0" cy="0"/>
+        </a:xfrm>
+      </p:grpSpPr>
+      <p:sp>
+        <p:nvSpPr>
+          <p:cNvPr id="15" name="Title 1"/>
+          <p:cNvSpPr>
+            <a:spLocks noGrp="1"/>
+          </p:cNvSpPr>
+          <p:nvPr>
+            <p:ph type="title"/>
+          </p:nvPr>
+        </p:nvSpPr>
+        <p:spPr>
+          <a:xfrm>
+            <a:off x="913794" y="609600"/>
+            <a:ext cx="10353762" cy="1325563"/>
+          </a:xfrm>
+        </p:spPr>
+        <p:txBody>
+          <a:bodyPr/>
+          <a:lstStyle/>
+          <a:p>
+            <a:r>
+              <a:rPr lang="ja-JP" altLang="en-US"/>
+              <a:t>マスター タイトルの書式設定</a:t>
+            </a:r>
+            <a:endParaRPr lang="en-US" dirty="0"/>
+          </a:p>
+        </p:txBody>
+      </p:sp>
+      <p:sp>
+        <p:nvSpPr>
+          <p:cNvPr id="7" name="Text Placeholder 2"/>
+          <p:cNvSpPr>
+            <a:spLocks noGrp="1"/>
+          </p:cNvSpPr>
+          <p:nvPr>
+            <p:ph type="body" idx="1"/>
+          </p:nvPr>
+        </p:nvSpPr>
+        <p:spPr>
+          <a:xfrm>
+            <a:off x="913794" y="2088319"/>
+            <a:ext cx="3298956" cy="823305"/>
+          </a:xfrm>
+        </p:spPr>
+        <p:txBody>
+          <a:bodyPr anchor="b">
+            <a:noAutofit/>
+          </a:bodyPr>
+          <a:lstStyle>
+            <a:lvl1pPr marL="0" indent="0" algn="ctr">
+              <a:lnSpc>
+                <a:spcPct val="100000"/>
+              </a:lnSpc>
+              <a:buNone/>
+              <a:defRPr sz="2400" b="0">
+                <a:solidFill>
+                  <a:schemeClr val="tx1"/>
+                </a:solidFill>
+              </a:defRPr>
+            </a:lvl1pPr>
+            <a:lvl2pPr marL="457200" indent="0">
+              <a:buNone/>
+              <a:defRPr sz="2000" b="1"/>
+            </a:lvl2pPr>
+            <a:lvl3pPr marL="914400" indent="0">
+              <a:buNone/>
+              <a:defRPr sz="1800" b="1"/>
+            </a:lvl3pPr>
+            <a:lvl4pPr marL="1371600" indent="0">
+              <a:buNone/>
+              <a:defRPr sz="1600" b="1"/>
+            </a:lvl4pPr>
+            <a:lvl5pPr marL="1828800" indent="0">
+              <a:buNone/>
+              <a:defRPr sz="1600" b="1"/>
+            </a:lvl5pPr>
+            <a:lvl6pPr marL="2286000" indent="0">
+              <a:buNone/>
+              <a:defRPr sz="1600" b="1"/>
+            </a:lvl6pPr>
+            <a:lvl7pPr marL="2743200" indent="0">
+              <a:buNone/>
+              <a:defRPr sz="1600" b="1"/>
+            </a:lvl7pPr>
+            <a:lvl8pPr marL="3200400" indent="0">
+              <a:buNone/>
+              <a:defRPr sz="1600" b="1"/>
+            </a:lvl8pPr>
+            <a:lvl9pPr marL="3657600" indent="0">
+              <a:buNone/>
+              <a:defRPr sz="1600" b="1"/>
+            </a:lvl9pPr>
+          </a:lstStyle>
+          <a:p>
+            <a:pPr lvl="0"/>
+            <a:r>
+              <a:rPr lang="ja-JP" altLang="en-US"/>
+              <a:t>マスター テキストの書式設定</a:t>
+            </a:r>
+          </a:p>
+        </p:txBody>
+      </p:sp>
+      <p:sp>
+        <p:nvSpPr>
+          <p:cNvPr id="8" name="Text Placeholder 3"/>
+          <p:cNvSpPr>
+            <a:spLocks noGrp="1"/>
+          </p:cNvSpPr>
+          <p:nvPr>
+            <p:ph type="body" sz="half" idx="15"/>
+          </p:nvPr>
+        </p:nvSpPr>
+        <p:spPr>
+          <a:xfrm>
+            <a:off x="913794" y="2911624"/>
+            <a:ext cx="3298956" cy="2879576"/>
+          </a:xfrm>
+        </p:spPr>
+        <p:txBody>
+          <a:bodyPr anchor="t">
+            <a:normAutofit/>
+          </a:bodyPr>
+          <a:lstStyle>
+            <a:lvl1pPr marL="0" indent="0" algn="ctr">
+              <a:buNone/>
+              <a:defRPr sz="1400"/>
+            </a:lvl1pPr>
+            <a:lvl2pPr marL="457200" indent="0">
+              <a:buNone/>
+              <a:defRPr sz="1200"/>
+            </a:lvl2pPr>
+            <a:lvl3pPr marL="914400" indent="0">
+              <a:buNone/>
+              <a:defRPr sz="1000"/>
+            </a:lvl3pPr>
+            <a:lvl4pPr marL="1371600" indent="0">
+              <a:buNone/>
+              <a:defRPr sz="900"/>
+            </a:lvl4pPr>
+            <a:lvl5pPr marL="1828800" indent="0">
+              <a:buNone/>
+              <a:defRPr sz="900"/>
+            </a:lvl5pPr>
+            <a:lvl6pPr marL="2286000" indent="0">
+              <a:buNone/>
+              <a:defRPr sz="900"/>
+            </a:lvl6pPr>
+            <a:lvl7pPr marL="2743200" indent="0">
+              <a:buNone/>
+              <a:defRPr sz="900"/>
+            </a:lvl7pPr>
+            <a:lvl8pPr marL="3200400" indent="0">
+              <a:buNone/>
+              <a:defRPr sz="900"/>
+            </a:lvl8pPr>
+            <a:lvl9pPr marL="3657600" indent="0">
+              <a:buNone/>
+              <a:defRPr sz="900"/>
+            </a:lvl9pPr>
+          </a:lstStyle>
+          <a:p>
+            <a:pPr lvl="0"/>
+            <a:r>
+              <a:rPr lang="ja-JP" altLang="en-US"/>
+              <a:t>マスター テキストの書式設定</a:t>
+            </a:r>
+          </a:p>
+        </p:txBody>
+      </p:sp>
+      <p:sp>
+        <p:nvSpPr>
+          <p:cNvPr id="9" name="Text Placeholder 4"/>
+          <p:cNvSpPr>
+            <a:spLocks noGrp="1"/>
+          </p:cNvSpPr>
+          <p:nvPr>
+            <p:ph type="body" sz="quarter" idx="3"/>
+          </p:nvPr>
+        </p:nvSpPr>
+        <p:spPr>
+          <a:xfrm>
+            <a:off x="4444878" y="2088320"/>
+            <a:ext cx="3298558" cy="823304"/>
+          </a:xfrm>
+        </p:spPr>
+        <p:txBody>
+          <a:bodyPr anchor="b">
+            <a:noAutofit/>
+          </a:bodyPr>
+          <a:lstStyle>
+            <a:lvl1pPr marL="0" indent="0" algn="ctr">
+              <a:lnSpc>
+                <a:spcPct val="100000"/>
+              </a:lnSpc>
+              <a:buNone/>
+              <a:defRPr sz="2400" b="0">
+                <a:solidFill>
+                  <a:schemeClr val="tx1"/>
+                </a:solidFill>
+              </a:defRPr>
+            </a:lvl1pPr>
+            <a:lvl2pPr marL="457200" indent="0">
+              <a:buNone/>
+              <a:defRPr sz="2000" b="1"/>
+            </a:lvl2pPr>
+            <a:lvl3pPr marL="914400" indent="0">
+              <a:buNone/>
+              <a:defRPr sz="1800" b="1"/>
+            </a:lvl3pPr>
+            <a:lvl4pPr marL="1371600" indent="0">
+              <a:buNone/>
+              <a:defRPr sz="1600" b="1"/>
+            </a:lvl4pPr>
+            <a:lvl5pPr marL="1828800" indent="0">
+              <a:buNone/>
+              <a:defRPr sz="1600" b="1"/>
+            </a:lvl5pPr>
+            <a:lvl6pPr marL="2286000" indent="0">
+              <a:buNone/>
+              <a:defRPr sz="1600" b="1"/>
+            </a:lvl6pPr>
+            <a:lvl7pPr marL="2743200" indent="0">
+              <a:buNone/>
+              <a:defRPr sz="1600" b="1"/>
+            </a:lvl7pPr>
+            <a:lvl8pPr marL="3200400" indent="0">
+              <a:buNone/>
+              <a:defRPr sz="1600" b="1"/>
+            </a:lvl8pPr>
+            <a:lvl9pPr marL="3657600" indent="0">
+              <a:buNone/>
+              <a:defRPr sz="1600" b="1"/>
+            </a:lvl9pPr>
+          </a:lstStyle>
+          <a:p>
+            <a:pPr lvl="0"/>
+            <a:r>
+              <a:rPr lang="ja-JP" altLang="en-US"/>
+              <a:t>マスター テキストの書式設定</a:t>
+            </a:r>
+          </a:p>
+        </p:txBody>
+      </p:sp>
+      <p:sp>
+        <p:nvSpPr>
+          <p:cNvPr id="10" name="Text Placeholder 3"/>
+          <p:cNvSpPr>
+            <a:spLocks noGrp="1"/>
+          </p:cNvSpPr>
+          <p:nvPr>
+            <p:ph type="body" sz="half" idx="16"/>
+          </p:nvPr>
+        </p:nvSpPr>
+        <p:spPr>
+          <a:xfrm>
+            <a:off x="4444878" y="2911624"/>
+            <a:ext cx="3299821" cy="2879576"/>
+          </a:xfrm>
+        </p:spPr>
+        <p:txBody>
+          <a:bodyPr anchor="t">
+            <a:normAutofit/>
+          </a:bodyPr>
+          <a:lstStyle>
+            <a:lvl1pPr marL="0" indent="0" algn="ctr">
+              <a:buNone/>
+              <a:defRPr sz="1400"/>
+            </a:lvl1pPr>
+            <a:lvl2pPr marL="457200" indent="0">
+              <a:buNone/>
+              <a:defRPr sz="1200"/>
+            </a:lvl2pPr>
+            <a:lvl3pPr marL="914400" indent="0">
+              <a:buNone/>
+              <a:defRPr sz="1000"/>
+            </a:lvl3pPr>
+            <a:lvl4pPr marL="1371600" indent="0">
+              <a:buNone/>
+              <a:defRPr sz="900"/>
+            </a:lvl4pPr>
+            <a:lvl5pPr marL="1828800" indent="0">
+              <a:buNone/>
+              <a:defRPr sz="900"/>
+            </a:lvl5pPr>
+            <a:lvl6pPr marL="2286000" indent="0">
+              <a:buNone/>
+              <a:defRPr sz="900"/>
+            </a:lvl6pPr>
+            <a:lvl7pPr marL="2743200" indent="0">
+              <a:buNone/>
+              <a:defRPr sz="900"/>
+            </a:lvl7pPr>
+            <a:lvl8pPr marL="3200400" indent="0">
+              <a:buNone/>
+              <a:defRPr sz="900"/>
+            </a:lvl8pPr>
+            <a:lvl9pPr marL="3657600" indent="0">
+              <a:buNone/>
+              <a:defRPr sz="900"/>
+            </a:lvl9pPr>
+          </a:lstStyle>
+          <a:p>
+            <a:pPr lvl="0"/>
+            <a:r>
+              <a:rPr lang="ja-JP" altLang="en-US"/>
+              <a:t>マスター テキストの書式設定</a:t>
+            </a:r>
+          </a:p>
+        </p:txBody>
+      </p:sp>
+      <p:sp>
+        <p:nvSpPr>
+          <p:cNvPr id="11" name="Text Placeholder 4"/>
+          <p:cNvSpPr>
+            <a:spLocks noGrp="1"/>
+          </p:cNvSpPr>
+          <p:nvPr>
+            <p:ph type="body" sz="quarter" idx="13"/>
+          </p:nvPr>
+        </p:nvSpPr>
+        <p:spPr>
+          <a:xfrm>
+            <a:off x="7973298" y="2088320"/>
+            <a:ext cx="3291211" cy="823304"/>
+          </a:xfrm>
+        </p:spPr>
+        <p:txBody>
+          <a:bodyPr anchor="b">
+            <a:noAutofit/>
+          </a:bodyPr>
+          <a:lstStyle>
+            <a:lvl1pPr marL="0" indent="0" algn="ctr">
+              <a:lnSpc>
+                <a:spcPct val="100000"/>
+              </a:lnSpc>
+              <a:buNone/>
+              <a:defRPr sz="2400" b="0">
+                <a:solidFill>
+                  <a:schemeClr val="tx1"/>
+                </a:solidFill>
+              </a:defRPr>
+            </a:lvl1pPr>
+            <a:lvl2pPr marL="457200" indent="0">
+              <a:buNone/>
+              <a:defRPr sz="2000" b="1"/>
+            </a:lvl2pPr>
+            <a:lvl3pPr marL="914400" indent="0">
+              <a:buNone/>
+              <a:defRPr sz="1800" b="1"/>
+            </a:lvl3pPr>
+            <a:lvl4pPr marL="1371600" indent="0">
+              <a:buNone/>
+              <a:defRPr sz="1600" b="1"/>
+            </a:lvl4pPr>
+            <a:lvl5pPr marL="1828800" indent="0">
+              <a:buNone/>
+              <a:defRPr sz="1600" b="1"/>
+            </a:lvl5pPr>
+            <a:lvl6pPr marL="2286000" indent="0">
+              <a:buNone/>
+              <a:defRPr sz="1600" b="1"/>
+            </a:lvl6pPr>
+            <a:lvl7pPr marL="2743200" indent="0">
+              <a:buNone/>
+              <a:defRPr sz="1600" b="1"/>
+            </a:lvl7pPr>
+            <a:lvl8pPr marL="3200400" indent="0">
+              <a:buNone/>
+              <a:defRPr sz="1600" b="1"/>
+            </a:lvl8pPr>
+            <a:lvl9pPr marL="3657600" indent="0">
+              <a:buNone/>
+              <a:defRPr sz="1600" b="1"/>
+            </a:lvl9pPr>
+          </a:lstStyle>
+          <a:p>
+            <a:pPr lvl="0"/>
+            <a:r>
+              <a:rPr lang="ja-JP" altLang="en-US"/>
+              <a:t>マスター テキストの書式設定</a:t>
+            </a:r>
+          </a:p>
+        </p:txBody>
+      </p:sp>
+      <p:sp>
+        <p:nvSpPr>
+          <p:cNvPr id="12" name="Text Placeholder 3"/>
+          <p:cNvSpPr>
+            <a:spLocks noGrp="1"/>
+          </p:cNvSpPr>
+          <p:nvPr>
+            <p:ph type="body" sz="half" idx="17"/>
+          </p:nvPr>
+        </p:nvSpPr>
+        <p:spPr>
+          <a:xfrm>
+            <a:off x="7976346" y="2911624"/>
+            <a:ext cx="3291211" cy="2879576"/>
+          </a:xfrm>
+        </p:spPr>
+        <p:txBody>
+          <a:bodyPr anchor="t">
+            <a:normAutofit/>
+          </a:bodyPr>
+          <a:lstStyle>
+            <a:lvl1pPr marL="0" indent="0" algn="ctr">
+              <a:buNone/>
+              <a:defRPr sz="1400"/>
+            </a:lvl1pPr>
+            <a:lvl2pPr marL="457200" indent="0">
+              <a:buNone/>
+              <a:defRPr sz="1200"/>
+            </a:lvl2pPr>
+            <a:lvl3pPr marL="914400" indent="0">
+              <a:buNone/>
+              <a:defRPr sz="1000"/>
+            </a:lvl3pPr>
+            <a:lvl4pPr marL="1371600" indent="0">
+              <a:buNone/>
+              <a:defRPr sz="900"/>
+            </a:lvl4pPr>
+            <a:lvl5pPr marL="1828800" indent="0">
+              <a:buNone/>
+              <a:defRPr sz="900"/>
+            </a:lvl5pPr>
+            <a:lvl6pPr marL="2286000" indent="0">
+              <a:buNone/>
+              <a:defRPr sz="900"/>
+            </a:lvl6pPr>
+            <a:lvl7pPr marL="2743200" indent="0">
+              <a:buNone/>
+              <a:defRPr sz="900"/>
+            </a:lvl7pPr>
+            <a:lvl8pPr marL="3200400" indent="0">
+              <a:buNone/>
+              <a:defRPr sz="900"/>
+            </a:lvl8pPr>
+            <a:lvl9pPr marL="3657600" indent="0">
+              <a:buNone/>
+              <a:defRPr sz="900"/>
+            </a:lvl9pPr>
+          </a:lstStyle>
+          <a:p>
+            <a:pPr lvl="0"/>
+            <a:r>
+              <a:rPr lang="ja-JP" altLang="en-US"/>
+              <a:t>マスター テキストの書式設定</a:t>
+            </a:r>
+          </a:p>
+        </p:txBody>
+      </p:sp>
+      <p:sp>
+        <p:nvSpPr>
+          <p:cNvPr id="3" name="Date Placeholder 2"/>
+          <p:cNvSpPr>
+            <a:spLocks noGrp="1"/>
+          </p:cNvSpPr>
+          <p:nvPr>
+            <p:ph type="dt" sz="half" idx="10"/>
+          </p:nvPr>
+        </p:nvSpPr>
+        <p:spPr/>
+        <p:txBody>
+          <a:bodyPr/>
+          <a:lstStyle/>
+          <a:p>
+            <a:fld id="{8EE2664D-154C-4F8A-A3AF-BFCE5078DF3C}" type="datetimeFigureOut">
+              <a:rPr kumimoji="1" lang="ja-JP" altLang="en-US" smtClean="0"/>
+              <a:t>2021/7/26</a:t>
+            </a:fld>
+            <a:endParaRPr kumimoji="1" lang="ja-JP" altLang="en-US"/>
+          </a:p>
+        </p:txBody>
+      </p:sp>
+      <p:sp>
+        <p:nvSpPr>
+          <p:cNvPr id="4" name="Footer Placeholder 3"/>
+          <p:cNvSpPr>
+            <a:spLocks noGrp="1"/>
+          </p:cNvSpPr>
+          <p:nvPr>
+            <p:ph type="ftr" sz="quarter" idx="11"/>
+          </p:nvPr>
+        </p:nvSpPr>
+        <p:spPr/>
+        <p:txBody>
+          <a:bodyPr/>
+          <a:lstStyle/>
+          <a:p>
+            <a:endParaRPr kumimoji="1" lang="ja-JP" altLang="en-US"/>
+          </a:p>
+        </p:txBody>
+      </p:sp>
+      <p:sp>
+        <p:nvSpPr>
+          <p:cNvPr id="5" name="Slide Number Placeholder 4"/>
+          <p:cNvSpPr>
+            <a:spLocks noGrp="1"/>
+          </p:cNvSpPr>
+          <p:nvPr>
+            <p:ph type="sldNum" sz="quarter" idx="12"/>
+          </p:nvPr>
+        </p:nvSpPr>
+        <p:spPr/>
+        <p:txBody>
+          <a:bodyPr/>
+          <a:lstStyle/>
+          <a:p>
+            <a:fld id="{D2E270FA-313E-4D60-B4A1-1741AEB310F8}" type="slidenum">
+              <a:rPr kumimoji="1" lang="ja-JP" altLang="en-US" smtClean="0"/>
+              <a:t>‹#›</a:t>
+            </a:fld>
+            <a:endParaRPr kumimoji="1" lang="ja-JP" altLang="en-US"/>
+          </a:p>
+        </p:txBody>
+      </p:sp>
+    </p:spTree>
+    <p:extLst>
+      <p:ext uri="{BB962C8B-B14F-4D97-AF65-F5344CB8AC3E}">
+        <p14:creationId xmlns:p14="http://schemas.microsoft.com/office/powerpoint/2010/main" val="2455910776"/>
+      </p:ext>
+    </p:extLst>
+  </p:cSld>
+  <p:clrMapOvr>
+    <a:masterClrMapping/>
+  </p:clrMapOvr>
+</p:sldLayout>
+</file>
+
+<file path=ppt/slideLayouts/slideLayout15.xml><?xml version="1.0" encoding="utf-8"?>
+<p:sldLayout xmlns:a="http://schemas.openxmlformats.org/drawingml/2006/main" xmlns:r="http://schemas.openxmlformats.org/officeDocument/2006/relationships" xmlns:p="http://schemas.openxmlformats.org/presentationml/2006/main" preserve="1">
+  <p:cSld name="3 つの画像列">
+    <p:spTree>
+      <p:nvGrpSpPr>
+        <p:cNvPr id="1" name=""/>
+        <p:cNvGrpSpPr/>
+        <p:nvPr/>
+      </p:nvGrpSpPr>
+      <p:grpSpPr>
+        <a:xfrm>
+          <a:off x="0" y="0"/>
+          <a:ext cx="0" cy="0"/>
+          <a:chOff x="0" y="0"/>
+          <a:chExt cx="0" cy="0"/>
+        </a:xfrm>
+      </p:grpSpPr>
+      <p:sp>
+        <p:nvSpPr>
+          <p:cNvPr id="30" name="Title 1"/>
+          <p:cNvSpPr>
+            <a:spLocks noGrp="1"/>
+          </p:cNvSpPr>
+          <p:nvPr>
+            <p:ph type="title"/>
+          </p:nvPr>
+        </p:nvSpPr>
+        <p:spPr>
+          <a:xfrm>
+            <a:off x="913795" y="609600"/>
+            <a:ext cx="10353762" cy="1325563"/>
+          </a:xfrm>
+        </p:spPr>
+        <p:txBody>
+          <a:bodyPr/>
+          <a:lstStyle/>
+          <a:p>
+            <a:r>
+              <a:rPr lang="ja-JP" altLang="en-US"/>
+              <a:t>マスター タイトルの書式設定</a:t>
+            </a:r>
+            <a:endParaRPr lang="en-US" dirty="0"/>
+          </a:p>
+        </p:txBody>
+      </p:sp>
+      <p:sp>
+        <p:nvSpPr>
+          <p:cNvPr id="19" name="Text Placeholder 2"/>
+          <p:cNvSpPr>
+            <a:spLocks noGrp="1"/>
+          </p:cNvSpPr>
+          <p:nvPr>
+            <p:ph type="body" idx="1"/>
+          </p:nvPr>
+        </p:nvSpPr>
+        <p:spPr>
+          <a:xfrm>
+            <a:off x="913795" y="4195899"/>
+            <a:ext cx="3298955" cy="576262"/>
+          </a:xfrm>
+        </p:spPr>
+        <p:txBody>
+          <a:bodyPr anchor="b">
+            <a:noAutofit/>
+          </a:bodyPr>
+          <a:lstStyle>
+            <a:lvl1pPr marL="0" indent="0" algn="ctr">
+              <a:lnSpc>
+                <a:spcPct val="100000"/>
+              </a:lnSpc>
+              <a:buNone/>
+              <a:defRPr sz="2000" b="0">
+                <a:solidFill>
+                  <a:schemeClr val="tx1"/>
+                </a:solidFill>
+              </a:defRPr>
+            </a:lvl1pPr>
+            <a:lvl2pPr marL="457200" indent="0">
+              <a:buNone/>
+              <a:defRPr sz="2000" b="1"/>
+            </a:lvl2pPr>
+            <a:lvl3pPr marL="914400" indent="0">
+              <a:buNone/>
+              <a:defRPr sz="1800" b="1"/>
+            </a:lvl3pPr>
+            <a:lvl4pPr marL="1371600" indent="0">
+              <a:buNone/>
+              <a:defRPr sz="1600" b="1"/>
+            </a:lvl4pPr>
+            <a:lvl5pPr marL="1828800" indent="0">
+              <a:buNone/>
+              <a:defRPr sz="1600" b="1"/>
+            </a:lvl5pPr>
+            <a:lvl6pPr marL="2286000" indent="0">
+              <a:buNone/>
+              <a:defRPr sz="1600" b="1"/>
+            </a:lvl6pPr>
+            <a:lvl7pPr marL="2743200" indent="0">
+              <a:buNone/>
+              <a:defRPr sz="1600" b="1"/>
+            </a:lvl7pPr>
+            <a:lvl8pPr marL="3200400" indent="0">
+              <a:buNone/>
+              <a:defRPr sz="1600" b="1"/>
+            </a:lvl8pPr>
+            <a:lvl9pPr marL="3657600" indent="0">
+              <a:buNone/>
+              <a:defRPr sz="1600" b="1"/>
+            </a:lvl9pPr>
+          </a:lstStyle>
+          <a:p>
+            <a:pPr lvl="0"/>
+            <a:r>
+              <a:rPr lang="ja-JP" altLang="en-US"/>
+              <a:t>マスター テキストの書式設定</a:t>
+            </a:r>
+          </a:p>
+        </p:txBody>
+      </p:sp>
+      <p:sp>
+        <p:nvSpPr>
+          <p:cNvPr id="20" name="Picture Placeholder 2"/>
+          <p:cNvSpPr>
+            <a:spLocks noGrp="1" noChangeAspect="1"/>
+          </p:cNvSpPr>
+          <p:nvPr>
+            <p:ph type="pic" idx="15"/>
+          </p:nvPr>
+        </p:nvSpPr>
+        <p:spPr>
+          <a:xfrm>
+            <a:off x="1092020" y="2298987"/>
+            <a:ext cx="2940050" cy="1524000"/>
+          </a:xfrm>
+          <a:prstGeom prst="roundRect">
+            <a:avLst>
+              <a:gd name="adj" fmla="val 0"/>
+            </a:avLst>
+          </a:prstGeom>
+          <a:noFill/>
+          <a:ln w="146050" cap="sq">
+            <a:solidFill>
+              <a:srgbClr val="FFFFFF"/>
+            </a:solidFill>
+            <a:miter lim="800000"/>
+          </a:ln>
+          <a:effectLst>
+            <a:outerShdw blurRad="55000" dist="18000" dir="5400000" algn="tl" rotWithShape="0">
+              <a:srgbClr val="000000">
+                <a:alpha val="40000"/>
+              </a:srgbClr>
+            </a:outerShdw>
+          </a:effectLst>
+          <a:scene3d>
+            <a:camera prst="orthographicFront"/>
+            <a:lightRig rig="twoPt" dir="t">
+              <a:rot lat="0" lon="0" rev="7200000"/>
+            </a:lightRig>
+          </a:scene3d>
+          <a:sp3d>
+            <a:bevelT w="25400" h="19050"/>
+            <a:contourClr>
+              <a:srgbClr val="FFFFFF"/>
+            </a:contourClr>
+          </a:sp3d>
+        </p:spPr>
+        <p:txBody>
+          <a:bodyPr anchor="t">
+            <a:normAutofit/>
+          </a:bodyPr>
+          <a:lstStyle>
+            <a:lvl1pPr marL="0" indent="0" algn="ctr">
+              <a:buNone/>
+              <a:defRPr sz="1600"/>
+            </a:lvl1pPr>
+            <a:lvl2pPr marL="457200" indent="0">
+              <a:buNone/>
+              <a:defRPr sz="1600"/>
+            </a:lvl2pPr>
+            <a:lvl3pPr marL="914400" indent="0">
+              <a:buNone/>
+              <a:defRPr sz="1600"/>
+            </a:lvl3pPr>
+            <a:lvl4pPr marL="1371600" indent="0">
+              <a:buNone/>
+              <a:defRPr sz="1600"/>
+            </a:lvl4pPr>
+            <a:lvl5pPr marL="1828800" indent="0">
+              <a:buNone/>
+              <a:defRPr sz="1600"/>
+            </a:lvl5pPr>
+            <a:lvl6pPr marL="2286000" indent="0">
+              <a:buNone/>
+              <a:defRPr sz="1600"/>
+            </a:lvl6pPr>
+            <a:lvl7pPr marL="2743200" indent="0">
+              <a:buNone/>
+              <a:defRPr sz="1600"/>
+            </a:lvl7pPr>
+            <a:lvl8pPr marL="3200400" indent="0">
+              <a:buNone/>
+              <a:defRPr sz="1600"/>
+            </a:lvl8pPr>
+            <a:lvl9pPr marL="3657600" indent="0">
+              <a:buNone/>
+              <a:defRPr sz="1600"/>
+            </a:lvl9pPr>
+          </a:lstStyle>
+          <a:p>
+            <a:r>
+              <a:rPr lang="ja-JP" altLang="en-US"/>
+              <a:t>アイコンをクリックして図を追加</a:t>
+            </a:r>
+            <a:endParaRPr lang="en-US" dirty="0"/>
+          </a:p>
+        </p:txBody>
+      </p:sp>
+      <p:sp>
+        <p:nvSpPr>
+          <p:cNvPr id="21" name="Text Placeholder 3"/>
+          <p:cNvSpPr>
+            <a:spLocks noGrp="1"/>
+          </p:cNvSpPr>
+          <p:nvPr>
+            <p:ph type="body" sz="half" idx="18"/>
+          </p:nvPr>
+        </p:nvSpPr>
+        <p:spPr>
+          <a:xfrm>
+            <a:off x="913795" y="4772161"/>
+            <a:ext cx="3298955" cy="1019038"/>
+          </a:xfrm>
+        </p:spPr>
+        <p:txBody>
+          <a:bodyPr anchor="t">
+            <a:normAutofit/>
+          </a:bodyPr>
+          <a:lstStyle>
+            <a:lvl1pPr marL="0" indent="0" algn="ctr">
+              <a:buNone/>
+              <a:defRPr sz="1400"/>
+            </a:lvl1pPr>
+            <a:lvl2pPr marL="457200" indent="0">
+              <a:buNone/>
+              <a:defRPr sz="1200"/>
+            </a:lvl2pPr>
+            <a:lvl3pPr marL="914400" indent="0">
+              <a:buNone/>
+              <a:defRPr sz="1000"/>
+            </a:lvl3pPr>
+            <a:lvl4pPr marL="1371600" indent="0">
+              <a:buNone/>
+              <a:defRPr sz="900"/>
+            </a:lvl4pPr>
+            <a:lvl5pPr marL="1828800" indent="0">
+              <a:buNone/>
+              <a:defRPr sz="900"/>
+            </a:lvl5pPr>
+            <a:lvl6pPr marL="2286000" indent="0">
+              <a:buNone/>
+              <a:defRPr sz="900"/>
+            </a:lvl6pPr>
+            <a:lvl7pPr marL="2743200" indent="0">
+              <a:buNone/>
+              <a:defRPr sz="900"/>
+            </a:lvl7pPr>
+            <a:lvl8pPr marL="3200400" indent="0">
+              <a:buNone/>
+              <a:defRPr sz="900"/>
+            </a:lvl8pPr>
+            <a:lvl9pPr marL="3657600" indent="0">
+              <a:buNone/>
+              <a:defRPr sz="900"/>
+            </a:lvl9pPr>
+          </a:lstStyle>
+          <a:p>
+            <a:pPr lvl="0"/>
+            <a:r>
+              <a:rPr lang="ja-JP" altLang="en-US"/>
+              <a:t>マスター テキストの書式設定</a:t>
+            </a:r>
+          </a:p>
+        </p:txBody>
+      </p:sp>
+      <p:sp>
+        <p:nvSpPr>
+          <p:cNvPr id="22" name="Text Placeholder 4"/>
+          <p:cNvSpPr>
+            <a:spLocks noGrp="1"/>
+          </p:cNvSpPr>
+          <p:nvPr>
+            <p:ph type="body" sz="quarter" idx="3"/>
+          </p:nvPr>
+        </p:nvSpPr>
+        <p:spPr>
+          <a:xfrm>
+            <a:off x="4442701" y="4195899"/>
+            <a:ext cx="3298983" cy="576262"/>
+          </a:xfrm>
+        </p:spPr>
+        <p:txBody>
+          <a:bodyPr anchor="b">
+            <a:noAutofit/>
+          </a:bodyPr>
+          <a:lstStyle>
+            <a:lvl1pPr marL="0" indent="0" algn="ctr">
+              <a:lnSpc>
+                <a:spcPct val="100000"/>
+              </a:lnSpc>
+              <a:buNone/>
+              <a:defRPr sz="2000" b="0">
+                <a:solidFill>
+                  <a:schemeClr val="tx1"/>
+                </a:solidFill>
+              </a:defRPr>
+            </a:lvl1pPr>
+            <a:lvl2pPr marL="457200" indent="0">
+              <a:buNone/>
+              <a:defRPr sz="2000" b="1"/>
+            </a:lvl2pPr>
+            <a:lvl3pPr marL="914400" indent="0">
+              <a:buNone/>
+              <a:defRPr sz="1800" b="1"/>
+            </a:lvl3pPr>
+            <a:lvl4pPr marL="1371600" indent="0">
+              <a:buNone/>
+              <a:defRPr sz="1600" b="1"/>
+            </a:lvl4pPr>
+            <a:lvl5pPr marL="1828800" indent="0">
+              <a:buNone/>
+              <a:defRPr sz="1600" b="1"/>
+            </a:lvl5pPr>
+            <a:lvl6pPr marL="2286000" indent="0">
+              <a:buNone/>
+              <a:defRPr sz="1600" b="1"/>
+            </a:lvl6pPr>
+            <a:lvl7pPr marL="2743200" indent="0">
+              <a:buNone/>
+              <a:defRPr sz="1600" b="1"/>
+            </a:lvl7pPr>
+            <a:lvl8pPr marL="3200400" indent="0">
+              <a:buNone/>
+              <a:defRPr sz="1600" b="1"/>
+            </a:lvl8pPr>
+            <a:lvl9pPr marL="3657600" indent="0">
+              <a:buNone/>
+              <a:defRPr sz="1600" b="1"/>
+            </a:lvl9pPr>
+          </a:lstStyle>
+          <a:p>
+            <a:pPr lvl="0"/>
+            <a:r>
+              <a:rPr lang="ja-JP" altLang="en-US"/>
+              <a:t>マスター テキストの書式設定</a:t>
+            </a:r>
+          </a:p>
+        </p:txBody>
+      </p:sp>
+      <p:sp>
+        <p:nvSpPr>
+          <p:cNvPr id="23" name="Picture Placeholder 2"/>
+          <p:cNvSpPr>
+            <a:spLocks noGrp="1" noChangeAspect="1"/>
+          </p:cNvSpPr>
+          <p:nvPr>
+            <p:ph type="pic" idx="21"/>
+          </p:nvPr>
+        </p:nvSpPr>
+        <p:spPr>
+          <a:xfrm>
+            <a:off x="4568996" y="2298987"/>
+            <a:ext cx="2930525" cy="1524000"/>
+          </a:xfrm>
+          <a:prstGeom prst="roundRect">
+            <a:avLst>
+              <a:gd name="adj" fmla="val 0"/>
+            </a:avLst>
+          </a:prstGeom>
+          <a:noFill/>
+          <a:ln w="146050" cap="sq">
+            <a:solidFill>
+              <a:srgbClr val="FFFFFF"/>
+            </a:solidFill>
+            <a:miter lim="800000"/>
+          </a:ln>
+          <a:effectLst>
+            <a:outerShdw blurRad="55000" dist="18000" dir="5400000" algn="tl" rotWithShape="0">
+              <a:srgbClr val="000000">
+                <a:alpha val="40000"/>
+              </a:srgbClr>
+            </a:outerShdw>
+          </a:effectLst>
+          <a:scene3d>
+            <a:camera prst="orthographicFront"/>
+            <a:lightRig rig="twoPt" dir="t">
+              <a:rot lat="0" lon="0" rev="7200000"/>
+            </a:lightRig>
+          </a:scene3d>
+          <a:sp3d>
+            <a:bevelT w="25400" h="19050"/>
+            <a:contourClr>
+              <a:srgbClr val="FFFFFF"/>
+            </a:contourClr>
+          </a:sp3d>
+        </p:spPr>
+        <p:txBody>
+          <a:bodyPr anchor="t">
+            <a:normAutofit/>
+          </a:bodyPr>
+          <a:lstStyle>
+            <a:lvl1pPr marL="0" indent="0" algn="ctr">
+              <a:buNone/>
+              <a:defRPr sz="1600"/>
+            </a:lvl1pPr>
+            <a:lvl2pPr marL="457200" indent="0">
+              <a:buNone/>
+              <a:defRPr sz="1600"/>
+            </a:lvl2pPr>
+            <a:lvl3pPr marL="914400" indent="0">
+              <a:buNone/>
+              <a:defRPr sz="1600"/>
+            </a:lvl3pPr>
+            <a:lvl4pPr marL="1371600" indent="0">
+              <a:buNone/>
+              <a:defRPr sz="1600"/>
+            </a:lvl4pPr>
+            <a:lvl5pPr marL="1828800" indent="0">
+              <a:buNone/>
+              <a:defRPr sz="1600"/>
+            </a:lvl5pPr>
+            <a:lvl6pPr marL="2286000" indent="0">
+              <a:buNone/>
+              <a:defRPr sz="1600"/>
+            </a:lvl6pPr>
+            <a:lvl7pPr marL="2743200" indent="0">
+              <a:buNone/>
+              <a:defRPr sz="1600"/>
+            </a:lvl7pPr>
+            <a:lvl8pPr marL="3200400" indent="0">
+              <a:buNone/>
+              <a:defRPr sz="1600"/>
+            </a:lvl8pPr>
+            <a:lvl9pPr marL="3657600" indent="0">
+              <a:buNone/>
+              <a:defRPr sz="1600"/>
+            </a:lvl9pPr>
+          </a:lstStyle>
+          <a:p>
+            <a:r>
+              <a:rPr lang="ja-JP" altLang="en-US"/>
+              <a:t>アイコンをクリックして図を追加</a:t>
+            </a:r>
+            <a:endParaRPr lang="en-US" dirty="0"/>
+          </a:p>
+        </p:txBody>
+      </p:sp>
+      <p:sp>
+        <p:nvSpPr>
+          <p:cNvPr id="24" name="Text Placeholder 3"/>
+          <p:cNvSpPr>
+            <a:spLocks noGrp="1"/>
+          </p:cNvSpPr>
+          <p:nvPr>
+            <p:ph type="body" sz="half" idx="19"/>
+          </p:nvPr>
+        </p:nvSpPr>
+        <p:spPr>
+          <a:xfrm>
+            <a:off x="4441348" y="4772160"/>
+            <a:ext cx="3300336" cy="1019038"/>
+          </a:xfrm>
+        </p:spPr>
+        <p:txBody>
+          <a:bodyPr anchor="t">
+            <a:normAutofit/>
+          </a:bodyPr>
+          <a:lstStyle>
+            <a:lvl1pPr marL="0" indent="0" algn="ctr">
+              <a:buNone/>
+              <a:defRPr sz="1400"/>
+            </a:lvl1pPr>
+            <a:lvl2pPr marL="457200" indent="0">
+              <a:buNone/>
+              <a:defRPr sz="1200"/>
+            </a:lvl2pPr>
+            <a:lvl3pPr marL="914400" indent="0">
+              <a:buNone/>
+              <a:defRPr sz="1000"/>
+            </a:lvl3pPr>
+            <a:lvl4pPr marL="1371600" indent="0">
+              <a:buNone/>
+              <a:defRPr sz="900"/>
+            </a:lvl4pPr>
+            <a:lvl5pPr marL="1828800" indent="0">
+              <a:buNone/>
+              <a:defRPr sz="900"/>
+            </a:lvl5pPr>
+            <a:lvl6pPr marL="2286000" indent="0">
+              <a:buNone/>
+              <a:defRPr sz="900"/>
+            </a:lvl6pPr>
+            <a:lvl7pPr marL="2743200" indent="0">
+              <a:buNone/>
+              <a:defRPr sz="900"/>
+            </a:lvl7pPr>
+            <a:lvl8pPr marL="3200400" indent="0">
+              <a:buNone/>
+              <a:defRPr sz="900"/>
+            </a:lvl8pPr>
+            <a:lvl9pPr marL="3657600" indent="0">
+              <a:buNone/>
+              <a:defRPr sz="900"/>
+            </a:lvl9pPr>
+          </a:lstStyle>
+          <a:p>
+            <a:pPr lvl="0"/>
+            <a:r>
+              <a:rPr lang="ja-JP" altLang="en-US"/>
+              <a:t>マスター テキストの書式設定</a:t>
+            </a:r>
+          </a:p>
+        </p:txBody>
+      </p:sp>
+      <p:sp>
+        <p:nvSpPr>
+          <p:cNvPr id="25" name="Text Placeholder 4"/>
+          <p:cNvSpPr>
+            <a:spLocks noGrp="1"/>
+          </p:cNvSpPr>
+          <p:nvPr>
+            <p:ph type="body" sz="quarter" idx="13"/>
+          </p:nvPr>
+        </p:nvSpPr>
+        <p:spPr>
+          <a:xfrm>
+            <a:off x="7973423" y="4195899"/>
+            <a:ext cx="3289900" cy="576262"/>
+          </a:xfrm>
+        </p:spPr>
+        <p:txBody>
+          <a:bodyPr anchor="b">
+            <a:noAutofit/>
+          </a:bodyPr>
+          <a:lstStyle>
+            <a:lvl1pPr marL="0" indent="0" algn="ctr">
+              <a:lnSpc>
+                <a:spcPct val="100000"/>
+              </a:lnSpc>
+              <a:buNone/>
+              <a:defRPr sz="2000" b="0">
+                <a:solidFill>
+                  <a:schemeClr val="tx1"/>
+                </a:solidFill>
+              </a:defRPr>
+            </a:lvl1pPr>
+            <a:lvl2pPr marL="457200" indent="0">
+              <a:buNone/>
+              <a:defRPr sz="2000" b="1"/>
+            </a:lvl2pPr>
+            <a:lvl3pPr marL="914400" indent="0">
+              <a:buNone/>
+              <a:defRPr sz="1800" b="1"/>
+            </a:lvl3pPr>
+            <a:lvl4pPr marL="1371600" indent="0">
+              <a:buNone/>
+              <a:defRPr sz="1600" b="1"/>
+            </a:lvl4pPr>
+            <a:lvl5pPr marL="1828800" indent="0">
+              <a:buNone/>
+              <a:defRPr sz="1600" b="1"/>
+            </a:lvl5pPr>
+            <a:lvl6pPr marL="2286000" indent="0">
+              <a:buNone/>
+              <a:defRPr sz="1600" b="1"/>
+            </a:lvl6pPr>
+            <a:lvl7pPr marL="2743200" indent="0">
+              <a:buNone/>
+              <a:defRPr sz="1600" b="1"/>
+            </a:lvl7pPr>
+            <a:lvl8pPr marL="3200400" indent="0">
+              <a:buNone/>
+              <a:defRPr sz="1600" b="1"/>
+            </a:lvl8pPr>
+            <a:lvl9pPr marL="3657600" indent="0">
+              <a:buNone/>
+              <a:defRPr sz="1600" b="1"/>
+            </a:lvl9pPr>
+          </a:lstStyle>
+          <a:p>
+            <a:pPr lvl="0"/>
+            <a:r>
+              <a:rPr lang="ja-JP" altLang="en-US"/>
+              <a:t>マスター テキストの書式設定</a:t>
+            </a:r>
+          </a:p>
+        </p:txBody>
+      </p:sp>
+      <p:sp>
+        <p:nvSpPr>
+          <p:cNvPr id="26" name="Picture Placeholder 2"/>
+          <p:cNvSpPr>
+            <a:spLocks noGrp="1" noChangeAspect="1"/>
+          </p:cNvSpPr>
+          <p:nvPr>
+            <p:ph type="pic" idx="22"/>
+          </p:nvPr>
+        </p:nvSpPr>
+        <p:spPr>
+          <a:xfrm>
+            <a:off x="8152803" y="2298987"/>
+            <a:ext cx="2932113" cy="1524000"/>
+          </a:xfrm>
+          <a:prstGeom prst="roundRect">
+            <a:avLst>
+              <a:gd name="adj" fmla="val 0"/>
+            </a:avLst>
+          </a:prstGeom>
+          <a:noFill/>
+          <a:ln w="146050" cap="sq">
+            <a:solidFill>
+              <a:srgbClr val="FFFFFF"/>
+            </a:solidFill>
+            <a:miter lim="800000"/>
+          </a:ln>
+          <a:effectLst>
+            <a:outerShdw blurRad="55000" dist="18000" dir="5400000" algn="tl" rotWithShape="0">
+              <a:srgbClr val="000000">
+                <a:alpha val="40000"/>
+              </a:srgbClr>
+            </a:outerShdw>
+          </a:effectLst>
+          <a:scene3d>
+            <a:camera prst="orthographicFront"/>
+            <a:lightRig rig="twoPt" dir="t">
+              <a:rot lat="0" lon="0" rev="7200000"/>
+            </a:lightRig>
+          </a:scene3d>
+          <a:sp3d>
+            <a:bevelT w="25400" h="19050"/>
+            <a:contourClr>
+              <a:srgbClr val="FFFFFF"/>
+            </a:contourClr>
+          </a:sp3d>
+        </p:spPr>
+        <p:txBody>
+          <a:bodyPr anchor="t">
+            <a:normAutofit/>
+          </a:bodyPr>
+          <a:lstStyle>
+            <a:lvl1pPr marL="0" indent="0" algn="ctr">
+              <a:buNone/>
+              <a:defRPr sz="1600"/>
+            </a:lvl1pPr>
+            <a:lvl2pPr marL="457200" indent="0">
+              <a:buNone/>
+              <a:defRPr sz="1600"/>
+            </a:lvl2pPr>
+            <a:lvl3pPr marL="914400" indent="0">
+              <a:buNone/>
+              <a:defRPr sz="1600"/>
+            </a:lvl3pPr>
+            <a:lvl4pPr marL="1371600" indent="0">
+              <a:buNone/>
+              <a:defRPr sz="1600"/>
+            </a:lvl4pPr>
+            <a:lvl5pPr marL="1828800" indent="0">
+              <a:buNone/>
+              <a:defRPr sz="1600"/>
+            </a:lvl5pPr>
+            <a:lvl6pPr marL="2286000" indent="0">
+              <a:buNone/>
+              <a:defRPr sz="1600"/>
+            </a:lvl6pPr>
+            <a:lvl7pPr marL="2743200" indent="0">
+              <a:buNone/>
+              <a:defRPr sz="1600"/>
+            </a:lvl7pPr>
+            <a:lvl8pPr marL="3200400" indent="0">
+              <a:buNone/>
+              <a:defRPr sz="1600"/>
+            </a:lvl8pPr>
+            <a:lvl9pPr marL="3657600" indent="0">
+              <a:buNone/>
+              <a:defRPr sz="1600"/>
+            </a:lvl9pPr>
+          </a:lstStyle>
+          <a:p>
+            <a:r>
+              <a:rPr lang="ja-JP" altLang="en-US"/>
+              <a:t>アイコンをクリックして図を追加</a:t>
+            </a:r>
+            <a:endParaRPr lang="en-US" dirty="0"/>
+          </a:p>
+        </p:txBody>
+      </p:sp>
+      <p:sp>
+        <p:nvSpPr>
+          <p:cNvPr id="27" name="Text Placeholder 3"/>
+          <p:cNvSpPr>
+            <a:spLocks noGrp="1"/>
+          </p:cNvSpPr>
+          <p:nvPr>
+            <p:ph type="body" sz="half" idx="20"/>
+          </p:nvPr>
+        </p:nvSpPr>
+        <p:spPr>
+          <a:xfrm>
+            <a:off x="7973298" y="4772161"/>
+            <a:ext cx="3294258" cy="1019037"/>
+          </a:xfrm>
+        </p:spPr>
+        <p:txBody>
+          <a:bodyPr anchor="t">
+            <a:normAutofit/>
+          </a:bodyPr>
+          <a:lstStyle>
+            <a:lvl1pPr marL="0" indent="0" algn="ctr">
+              <a:buNone/>
+              <a:defRPr sz="1400"/>
+            </a:lvl1pPr>
+            <a:lvl2pPr marL="457200" indent="0">
+              <a:buNone/>
+              <a:defRPr sz="1200"/>
+            </a:lvl2pPr>
+            <a:lvl3pPr marL="914400" indent="0">
+              <a:buNone/>
+              <a:defRPr sz="1000"/>
+            </a:lvl3pPr>
+            <a:lvl4pPr marL="1371600" indent="0">
+              <a:buNone/>
+              <a:defRPr sz="900"/>
+            </a:lvl4pPr>
+            <a:lvl5pPr marL="1828800" indent="0">
+              <a:buNone/>
+              <a:defRPr sz="900"/>
+            </a:lvl5pPr>
+            <a:lvl6pPr marL="2286000" indent="0">
+              <a:buNone/>
+              <a:defRPr sz="900"/>
+            </a:lvl6pPr>
+            <a:lvl7pPr marL="2743200" indent="0">
+              <a:buNone/>
+              <a:defRPr sz="900"/>
+            </a:lvl7pPr>
+            <a:lvl8pPr marL="3200400" indent="0">
+              <a:buNone/>
+              <a:defRPr sz="900"/>
+            </a:lvl8pPr>
+            <a:lvl9pPr marL="3657600" indent="0">
+              <a:buNone/>
+              <a:defRPr sz="900"/>
+            </a:lvl9pPr>
+          </a:lstStyle>
+          <a:p>
+            <a:pPr lvl="0"/>
+            <a:r>
+              <a:rPr lang="ja-JP" altLang="en-US"/>
+              <a:t>マスター テキストの書式設定</a:t>
+            </a:r>
+          </a:p>
+        </p:txBody>
+      </p:sp>
+      <p:sp>
+        <p:nvSpPr>
+          <p:cNvPr id="3" name="Date Placeholder 2"/>
+          <p:cNvSpPr>
+            <a:spLocks noGrp="1"/>
+          </p:cNvSpPr>
+          <p:nvPr>
+            <p:ph type="dt" sz="half" idx="10"/>
+          </p:nvPr>
+        </p:nvSpPr>
+        <p:spPr/>
+        <p:txBody>
+          <a:bodyPr/>
+          <a:lstStyle/>
+          <a:p>
+            <a:fld id="{8EE2664D-154C-4F8A-A3AF-BFCE5078DF3C}" type="datetimeFigureOut">
+              <a:rPr kumimoji="1" lang="ja-JP" altLang="en-US" smtClean="0"/>
+              <a:t>2021/7/26</a:t>
+            </a:fld>
+            <a:endParaRPr kumimoji="1" lang="ja-JP" altLang="en-US"/>
+          </a:p>
+        </p:txBody>
+      </p:sp>
+      <p:sp>
+        <p:nvSpPr>
+          <p:cNvPr id="4" name="Footer Placeholder 3"/>
+          <p:cNvSpPr>
+            <a:spLocks noGrp="1"/>
+          </p:cNvSpPr>
+          <p:nvPr>
+            <p:ph type="ftr" sz="quarter" idx="11"/>
+          </p:nvPr>
+        </p:nvSpPr>
+        <p:spPr/>
+        <p:txBody>
+          <a:bodyPr/>
+          <a:lstStyle/>
+          <a:p>
+            <a:endParaRPr kumimoji="1" lang="ja-JP" altLang="en-US"/>
+          </a:p>
+        </p:txBody>
+      </p:sp>
+      <p:sp>
+        <p:nvSpPr>
+          <p:cNvPr id="5" name="Slide Number Placeholder 4"/>
+          <p:cNvSpPr>
+            <a:spLocks noGrp="1"/>
+          </p:cNvSpPr>
+          <p:nvPr>
+            <p:ph type="sldNum" sz="quarter" idx="12"/>
+          </p:nvPr>
+        </p:nvSpPr>
+        <p:spPr/>
+        <p:txBody>
+          <a:bodyPr/>
+          <a:lstStyle/>
+          <a:p>
+            <a:fld id="{D2E270FA-313E-4D60-B4A1-1741AEB310F8}" type="slidenum">
+              <a:rPr kumimoji="1" lang="ja-JP" altLang="en-US" smtClean="0"/>
+              <a:t>‹#›</a:t>
+            </a:fld>
+            <a:endParaRPr kumimoji="1" lang="ja-JP" altLang="en-US"/>
+          </a:p>
+        </p:txBody>
+      </p:sp>
+    </p:spTree>
+    <p:extLst>
+      <p:ext uri="{BB962C8B-B14F-4D97-AF65-F5344CB8AC3E}">
+        <p14:creationId xmlns:p14="http://schemas.microsoft.com/office/powerpoint/2010/main" val="993514956"/>
+      </p:ext>
+    </p:extLst>
+  </p:cSld>
+  <p:clrMapOvr>
+    <a:masterClrMapping/>
+  </p:clrMapOvr>
+</p:sldLayout>
+</file>
+
+<file path=ppt/slideLayouts/slideLayout16.xml><?xml version="1.0" encoding="utf-8"?>
 <p:sldLayout xmlns:a="http://schemas.openxmlformats.org/drawingml/2006/main" xmlns:r="http://schemas.openxmlformats.org/officeDocument/2006/relationships" xmlns:p="http://schemas.openxmlformats.org/presentationml/2006/main" type="vertTx" preserve="1">
   <p:cSld name="タイトルと縦書きテキスト">
     <p:spTree>
@@ -348,13 +2882,7 @@
       </p:grpSpPr>
       <p:sp>
         <p:nvSpPr>
-          <p:cNvPr id="2" name="タイトル 1">
-            <a:extLst>
-              <a:ext uri="{FF2B5EF4-FFF2-40B4-BE49-F238E27FC236}">
-                <a16:creationId xmlns:a16="http://schemas.microsoft.com/office/drawing/2014/main" id="{913B2889-0999-4194-9870-7521D0ECEA2F}"/>
-              </a:ext>
-            </a:extLst>
-          </p:cNvPr>
+          <p:cNvPr id="2" name="Title 1"/>
           <p:cNvSpPr>
             <a:spLocks noGrp="1"/>
           </p:cNvSpPr>
@@ -368,21 +2896,16 @@
           <a:lstStyle/>
           <a:p>
             <a:r>
-              <a:rPr kumimoji="1" lang="ja-JP" altLang="en-US"/>
+              <a:rPr lang="ja-JP" altLang="en-US"/>
               <a:t>マスター タイトルの書式設定</a:t>
             </a:r>
-          </a:p>
-        </p:txBody>
-      </p:sp>
-      <p:sp>
-        <p:nvSpPr>
-          <p:cNvPr id="3" name="縦書きテキスト プレースホルダー 2">
-            <a:extLst>
-              <a:ext uri="{FF2B5EF4-FFF2-40B4-BE49-F238E27FC236}">
-                <a16:creationId xmlns:a16="http://schemas.microsoft.com/office/drawing/2014/main" id="{62258FD5-A332-43D2-BA3F-E3F63199E25C}"/>
-              </a:ext>
-            </a:extLst>
-          </p:cNvPr>
+            <a:endParaRPr lang="en-US" dirty="0"/>
+          </a:p>
+        </p:txBody>
+      </p:sp>
+      <p:sp>
+        <p:nvSpPr>
+          <p:cNvPr id="3" name="Vertical Text Placeholder 2"/>
           <p:cNvSpPr>
             <a:spLocks noGrp="1"/>
           </p:cNvSpPr>
@@ -397,81 +2920,76 @@
           <a:p>
             <a:pPr lvl="0"/>
             <a:r>
-              <a:rPr kumimoji="1" lang="ja-JP" altLang="en-US"/>
+              <a:rPr lang="ja-JP" altLang="en-US"/>
               <a:t>マスター テキストの書式設定</a:t>
             </a:r>
           </a:p>
           <a:p>
             <a:pPr lvl="1"/>
             <a:r>
-              <a:rPr kumimoji="1" lang="ja-JP" altLang="en-US"/>
+              <a:rPr lang="ja-JP" altLang="en-US"/>
               <a:t>第 </a:t>
             </a:r>
             <a:r>
-              <a:rPr kumimoji="1" lang="en-US" altLang="ja-JP"/>
+              <a:rPr lang="en-US" altLang="ja-JP"/>
               <a:t>2 </a:t>
             </a:r>
             <a:r>
-              <a:rPr kumimoji="1" lang="ja-JP" altLang="en-US"/>
+              <a:rPr lang="ja-JP" altLang="en-US"/>
               <a:t>レベル</a:t>
             </a:r>
           </a:p>
           <a:p>
             <a:pPr lvl="2"/>
             <a:r>
-              <a:rPr kumimoji="1" lang="ja-JP" altLang="en-US"/>
+              <a:rPr lang="ja-JP" altLang="en-US"/>
               <a:t>第 </a:t>
             </a:r>
             <a:r>
-              <a:rPr kumimoji="1" lang="en-US" altLang="ja-JP"/>
+              <a:rPr lang="en-US" altLang="ja-JP"/>
               <a:t>3 </a:t>
             </a:r>
             <a:r>
-              <a:rPr kumimoji="1" lang="ja-JP" altLang="en-US"/>
+              <a:rPr lang="ja-JP" altLang="en-US"/>
               <a:t>レベル</a:t>
             </a:r>
           </a:p>
           <a:p>
             <a:pPr lvl="3"/>
             <a:r>
-              <a:rPr kumimoji="1" lang="ja-JP" altLang="en-US"/>
+              <a:rPr lang="ja-JP" altLang="en-US"/>
               <a:t>第 </a:t>
             </a:r>
             <a:r>
-              <a:rPr kumimoji="1" lang="en-US" altLang="ja-JP"/>
+              <a:rPr lang="en-US" altLang="ja-JP"/>
               <a:t>4 </a:t>
             </a:r>
             <a:r>
-              <a:rPr kumimoji="1" lang="ja-JP" altLang="en-US"/>
+              <a:rPr lang="ja-JP" altLang="en-US"/>
               <a:t>レベル</a:t>
             </a:r>
           </a:p>
           <a:p>
             <a:pPr lvl="4"/>
             <a:r>
-              <a:rPr kumimoji="1" lang="ja-JP" altLang="en-US"/>
+              <a:rPr lang="ja-JP" altLang="en-US"/>
               <a:t>第 </a:t>
             </a:r>
             <a:r>
-              <a:rPr kumimoji="1" lang="en-US" altLang="ja-JP"/>
+              <a:rPr lang="en-US" altLang="ja-JP"/>
               <a:t>5 </a:t>
             </a:r>
             <a:r>
-              <a:rPr kumimoji="1" lang="ja-JP" altLang="en-US"/>
+              <a:rPr lang="ja-JP" altLang="en-US"/>
               <a:t>レベル</a:t>
             </a:r>
-          </a:p>
-        </p:txBody>
-      </p:sp>
-      <p:sp>
-        <p:nvSpPr>
-          <p:cNvPr id="4" name="日付プレースホルダー 3">
-            <a:extLst>
-              <a:ext uri="{FF2B5EF4-FFF2-40B4-BE49-F238E27FC236}">
-                <a16:creationId xmlns:a16="http://schemas.microsoft.com/office/drawing/2014/main" id="{686D26AF-A972-4ED1-8348-27501CE62D1C}"/>
-              </a:ext>
-            </a:extLst>
-          </p:cNvPr>
+            <a:endParaRPr lang="en-US" dirty="0"/>
+          </a:p>
+        </p:txBody>
+      </p:sp>
+      <p:sp>
+        <p:nvSpPr>
+          <p:cNvPr id="4" name="Date Placeholder 3"/>
           <p:cNvSpPr>
             <a:spLocks noGrp="1"/>
           </p:cNvSpPr>
@@ -486,7 +3004,7 @@
           <a:p>
             <a:fld id="{8EE2664D-154C-4F8A-A3AF-BFCE5078DF3C}" type="datetimeFigureOut">
               <a:rPr kumimoji="1" lang="ja-JP" altLang="en-US" smtClean="0"/>
-              <a:t>2021/7/23</a:t>
+              <a:t>2021/7/26</a:t>
             </a:fld>
             <a:endParaRPr kumimoji="1" lang="ja-JP" altLang="en-US"/>
           </a:p>
@@ -494,13 +3012,7 @@
       </p:sp>
       <p:sp>
         <p:nvSpPr>
-          <p:cNvPr id="5" name="フッター プレースホルダー 4">
-            <a:extLst>
-              <a:ext uri="{FF2B5EF4-FFF2-40B4-BE49-F238E27FC236}">
-                <a16:creationId xmlns:a16="http://schemas.microsoft.com/office/drawing/2014/main" id="{711F3F67-A0A2-4A26-A861-5F5A5ED45998}"/>
-              </a:ext>
-            </a:extLst>
-          </p:cNvPr>
+          <p:cNvPr id="5" name="Footer Placeholder 4"/>
           <p:cNvSpPr>
             <a:spLocks noGrp="1"/>
           </p:cNvSpPr>
@@ -519,13 +3031,7 @@
       </p:sp>
       <p:sp>
         <p:nvSpPr>
-          <p:cNvPr id="6" name="スライド番号プレースホルダー 5">
-            <a:extLst>
-              <a:ext uri="{FF2B5EF4-FFF2-40B4-BE49-F238E27FC236}">
-                <a16:creationId xmlns:a16="http://schemas.microsoft.com/office/drawing/2014/main" id="{92533CC8-EA77-4692-A601-225E4D550C80}"/>
-              </a:ext>
-            </a:extLst>
-          </p:cNvPr>
+          <p:cNvPr id="6" name="Slide Number Placeholder 5"/>
           <p:cNvSpPr>
             <a:spLocks noGrp="1"/>
           </p:cNvSpPr>
@@ -549,7 +3055,7 @@
     </p:spTree>
     <p:extLst>
       <p:ext uri="{BB962C8B-B14F-4D97-AF65-F5344CB8AC3E}">
-        <p14:creationId xmlns:p14="http://schemas.microsoft.com/office/powerpoint/2010/main" val="3407952180"/>
+        <p14:creationId xmlns:p14="http://schemas.microsoft.com/office/powerpoint/2010/main" val="2716451340"/>
       </p:ext>
     </p:extLst>
   </p:cSld>
@@ -559,7 +3065,7 @@
 </p:sldLayout>
 </file>
 
-<file path=ppt/slideLayouts/slideLayout11.xml><?xml version="1.0" encoding="utf-8"?>
+<file path=ppt/slideLayouts/slideLayout17.xml><?xml version="1.0" encoding="utf-8"?>
 <p:sldLayout xmlns:a="http://schemas.openxmlformats.org/drawingml/2006/main" xmlns:r="http://schemas.openxmlformats.org/officeDocument/2006/relationships" xmlns:p="http://schemas.openxmlformats.org/presentationml/2006/main" type="vertTitleAndTx" preserve="1">
   <p:cSld name="縦書きタイトルと&#10;縦書きテキスト">
     <p:spTree>
@@ -578,13 +3084,7 @@
       </p:grpSpPr>
       <p:sp>
         <p:nvSpPr>
-          <p:cNvPr id="2" name="縦書きタイトル 1">
-            <a:extLst>
-              <a:ext uri="{FF2B5EF4-FFF2-40B4-BE49-F238E27FC236}">
-                <a16:creationId xmlns:a16="http://schemas.microsoft.com/office/drawing/2014/main" id="{8DEF0670-B66B-45C7-B610-7BA040A905C3}"/>
-              </a:ext>
-            </a:extLst>
-          </p:cNvPr>
+          <p:cNvPr id="2" name="Vertical Title 1"/>
           <p:cNvSpPr>
             <a:spLocks noGrp="1"/>
           </p:cNvSpPr>
@@ -594,30 +3094,29 @@
         </p:nvSpPr>
         <p:spPr>
           <a:xfrm>
-            <a:off x="8724900" y="365125"/>
-            <a:ext cx="2628900" cy="5811838"/>
+            <a:off x="8724900" y="609599"/>
+            <a:ext cx="2542657" cy="5181601"/>
           </a:xfrm>
         </p:spPr>
         <p:txBody>
           <a:bodyPr vert="eaVert"/>
-          <a:lstStyle/>
-          <a:p>
-            <a:r>
-              <a:rPr kumimoji="1" lang="ja-JP" altLang="en-US"/>
+          <a:lstStyle>
+            <a:lvl1pPr algn="l">
+              <a:defRPr/>
+            </a:lvl1pPr>
+          </a:lstStyle>
+          <a:p>
+            <a:r>
+              <a:rPr lang="ja-JP" altLang="en-US"/>
               <a:t>マスター タイトルの書式設定</a:t>
             </a:r>
-          </a:p>
-        </p:txBody>
-      </p:sp>
-      <p:sp>
-        <p:nvSpPr>
-          <p:cNvPr id="3" name="縦書きテキスト プレースホルダー 2">
-            <a:extLst>
-              <a:ext uri="{FF2B5EF4-FFF2-40B4-BE49-F238E27FC236}">
-                <a16:creationId xmlns:a16="http://schemas.microsoft.com/office/drawing/2014/main" id="{FC798951-A0DB-4399-ABAD-54578A704BAF}"/>
-              </a:ext>
-            </a:extLst>
-          </p:cNvPr>
+            <a:endParaRPr lang="en-US" dirty="0"/>
+          </a:p>
+        </p:txBody>
+      </p:sp>
+      <p:sp>
+        <p:nvSpPr>
+          <p:cNvPr id="3" name="Vertical Text Placeholder 2"/>
           <p:cNvSpPr>
             <a:spLocks noGrp="1"/>
           </p:cNvSpPr>
@@ -627,8 +3126,8 @@
         </p:nvSpPr>
         <p:spPr>
           <a:xfrm>
-            <a:off x="838200" y="365125"/>
-            <a:ext cx="7734300" cy="5811838"/>
+            <a:off x="913794" y="609599"/>
+            <a:ext cx="7658705" cy="5181601"/>
           </a:xfrm>
         </p:spPr>
         <p:txBody>
@@ -637,81 +3136,76 @@
           <a:p>
             <a:pPr lvl="0"/>
             <a:r>
-              <a:rPr kumimoji="1" lang="ja-JP" altLang="en-US"/>
+              <a:rPr lang="ja-JP" altLang="en-US"/>
               <a:t>マスター テキストの書式設定</a:t>
             </a:r>
           </a:p>
           <a:p>
             <a:pPr lvl="1"/>
             <a:r>
-              <a:rPr kumimoji="1" lang="ja-JP" altLang="en-US"/>
+              <a:rPr lang="ja-JP" altLang="en-US"/>
               <a:t>第 </a:t>
             </a:r>
             <a:r>
-              <a:rPr kumimoji="1" lang="en-US" altLang="ja-JP"/>
+              <a:rPr lang="en-US" altLang="ja-JP"/>
               <a:t>2 </a:t>
             </a:r>
             <a:r>
-              <a:rPr kumimoji="1" lang="ja-JP" altLang="en-US"/>
+              <a:rPr lang="ja-JP" altLang="en-US"/>
               <a:t>レベル</a:t>
             </a:r>
           </a:p>
           <a:p>
             <a:pPr lvl="2"/>
             <a:r>
-              <a:rPr kumimoji="1" lang="ja-JP" altLang="en-US"/>
+              <a:rPr lang="ja-JP" altLang="en-US"/>
               <a:t>第 </a:t>
             </a:r>
             <a:r>
-              <a:rPr kumimoji="1" lang="en-US" altLang="ja-JP"/>
+              <a:rPr lang="en-US" altLang="ja-JP"/>
               <a:t>3 </a:t>
             </a:r>
             <a:r>
-              <a:rPr kumimoji="1" lang="ja-JP" altLang="en-US"/>
+              <a:rPr lang="ja-JP" altLang="en-US"/>
               <a:t>レベル</a:t>
             </a:r>
           </a:p>
           <a:p>
             <a:pPr lvl="3"/>
             <a:r>
-              <a:rPr kumimoji="1" lang="ja-JP" altLang="en-US"/>
+              <a:rPr lang="ja-JP" altLang="en-US"/>
               <a:t>第 </a:t>
             </a:r>
             <a:r>
-              <a:rPr kumimoji="1" lang="en-US" altLang="ja-JP"/>
+              <a:rPr lang="en-US" altLang="ja-JP"/>
               <a:t>4 </a:t>
             </a:r>
             <a:r>
-              <a:rPr kumimoji="1" lang="ja-JP" altLang="en-US"/>
+              <a:rPr lang="ja-JP" altLang="en-US"/>
               <a:t>レベル</a:t>
             </a:r>
           </a:p>
           <a:p>
             <a:pPr lvl="4"/>
             <a:r>
-              <a:rPr kumimoji="1" lang="ja-JP" altLang="en-US"/>
+              <a:rPr lang="ja-JP" altLang="en-US"/>
               <a:t>第 </a:t>
             </a:r>
             <a:r>
-              <a:rPr kumimoji="1" lang="en-US" altLang="ja-JP"/>
+              <a:rPr lang="en-US" altLang="ja-JP"/>
               <a:t>5 </a:t>
             </a:r>
             <a:r>
-              <a:rPr kumimoji="1" lang="ja-JP" altLang="en-US"/>
+              <a:rPr lang="ja-JP" altLang="en-US"/>
               <a:t>レベル</a:t>
             </a:r>
-          </a:p>
-        </p:txBody>
-      </p:sp>
-      <p:sp>
-        <p:nvSpPr>
-          <p:cNvPr id="4" name="日付プレースホルダー 3">
-            <a:extLst>
-              <a:ext uri="{FF2B5EF4-FFF2-40B4-BE49-F238E27FC236}">
-                <a16:creationId xmlns:a16="http://schemas.microsoft.com/office/drawing/2014/main" id="{94E16789-89FD-4C55-A302-85DDF915A24D}"/>
-              </a:ext>
-            </a:extLst>
-          </p:cNvPr>
+            <a:endParaRPr lang="en-US" dirty="0"/>
+          </a:p>
+        </p:txBody>
+      </p:sp>
+      <p:sp>
+        <p:nvSpPr>
+          <p:cNvPr id="4" name="Date Placeholder 3"/>
           <p:cNvSpPr>
             <a:spLocks noGrp="1"/>
           </p:cNvSpPr>
@@ -726,7 +3220,7 @@
           <a:p>
             <a:fld id="{8EE2664D-154C-4F8A-A3AF-BFCE5078DF3C}" type="datetimeFigureOut">
               <a:rPr kumimoji="1" lang="ja-JP" altLang="en-US" smtClean="0"/>
-              <a:t>2021/7/23</a:t>
+              <a:t>2021/7/26</a:t>
             </a:fld>
             <a:endParaRPr kumimoji="1" lang="ja-JP" altLang="en-US"/>
           </a:p>
@@ -734,13 +3228,7 @@
       </p:sp>
       <p:sp>
         <p:nvSpPr>
-          <p:cNvPr id="5" name="フッター プレースホルダー 4">
-            <a:extLst>
-              <a:ext uri="{FF2B5EF4-FFF2-40B4-BE49-F238E27FC236}">
-                <a16:creationId xmlns:a16="http://schemas.microsoft.com/office/drawing/2014/main" id="{AE141F8C-6BF8-441D-B6D4-CEAE73CF05E3}"/>
-              </a:ext>
-            </a:extLst>
-          </p:cNvPr>
+          <p:cNvPr id="5" name="Footer Placeholder 4"/>
           <p:cNvSpPr>
             <a:spLocks noGrp="1"/>
           </p:cNvSpPr>
@@ -759,13 +3247,7 @@
       </p:sp>
       <p:sp>
         <p:nvSpPr>
-          <p:cNvPr id="6" name="スライド番号プレースホルダー 5">
-            <a:extLst>
-              <a:ext uri="{FF2B5EF4-FFF2-40B4-BE49-F238E27FC236}">
-                <a16:creationId xmlns:a16="http://schemas.microsoft.com/office/drawing/2014/main" id="{8806F53E-3C3E-4724-A64A-64D25CBE5D30}"/>
-              </a:ext>
-            </a:extLst>
-          </p:cNvPr>
+          <p:cNvPr id="6" name="Slide Number Placeholder 5"/>
           <p:cNvSpPr>
             <a:spLocks noGrp="1"/>
           </p:cNvSpPr>
@@ -789,7 +3271,7 @@
     </p:spTree>
     <p:extLst>
       <p:ext uri="{BB962C8B-B14F-4D97-AF65-F5344CB8AC3E}">
-        <p14:creationId xmlns:p14="http://schemas.microsoft.com/office/powerpoint/2010/main" val="191621538"/>
+        <p14:creationId xmlns:p14="http://schemas.microsoft.com/office/powerpoint/2010/main" val="3626584017"/>
       </p:ext>
     </p:extLst>
   </p:cSld>
@@ -818,13 +3300,7 @@
       </p:grpSpPr>
       <p:sp>
         <p:nvSpPr>
-          <p:cNvPr id="2" name="タイトル 1">
-            <a:extLst>
-              <a:ext uri="{FF2B5EF4-FFF2-40B4-BE49-F238E27FC236}">
-                <a16:creationId xmlns:a16="http://schemas.microsoft.com/office/drawing/2014/main" id="{CC6A886D-AC05-4BAD-98E6-D288B8126BDF}"/>
-              </a:ext>
-            </a:extLst>
-          </p:cNvPr>
+          <p:cNvPr id="2" name="Title 1"/>
           <p:cNvSpPr>
             <a:spLocks noGrp="1"/>
           </p:cNvSpPr>
@@ -838,21 +3314,16 @@
           <a:lstStyle/>
           <a:p>
             <a:r>
-              <a:rPr kumimoji="1" lang="ja-JP" altLang="en-US"/>
+              <a:rPr lang="ja-JP" altLang="en-US"/>
               <a:t>マスター タイトルの書式設定</a:t>
             </a:r>
-          </a:p>
-        </p:txBody>
-      </p:sp>
-      <p:sp>
-        <p:nvSpPr>
-          <p:cNvPr id="3" name="コンテンツ プレースホルダー 2">
-            <a:extLst>
-              <a:ext uri="{FF2B5EF4-FFF2-40B4-BE49-F238E27FC236}">
-                <a16:creationId xmlns:a16="http://schemas.microsoft.com/office/drawing/2014/main" id="{A87BFEDC-2C37-441D-9C76-F8C3F92FBDD5}"/>
-              </a:ext>
-            </a:extLst>
-          </p:cNvPr>
+            <a:endParaRPr lang="en-US" dirty="0"/>
+          </a:p>
+        </p:txBody>
+      </p:sp>
+      <p:sp>
+        <p:nvSpPr>
+          <p:cNvPr id="3" name="Content Placeholder 2"/>
           <p:cNvSpPr>
             <a:spLocks noGrp="1"/>
           </p:cNvSpPr>
@@ -867,81 +3338,76 @@
           <a:p>
             <a:pPr lvl="0"/>
             <a:r>
-              <a:rPr kumimoji="1" lang="ja-JP" altLang="en-US"/>
+              <a:rPr lang="ja-JP" altLang="en-US"/>
               <a:t>マスター テキストの書式設定</a:t>
             </a:r>
           </a:p>
           <a:p>
             <a:pPr lvl="1"/>
             <a:r>
-              <a:rPr kumimoji="1" lang="ja-JP" altLang="en-US"/>
+              <a:rPr lang="ja-JP" altLang="en-US"/>
               <a:t>第 </a:t>
             </a:r>
             <a:r>
-              <a:rPr kumimoji="1" lang="en-US" altLang="ja-JP"/>
+              <a:rPr lang="en-US" altLang="ja-JP"/>
               <a:t>2 </a:t>
             </a:r>
             <a:r>
-              <a:rPr kumimoji="1" lang="ja-JP" altLang="en-US"/>
+              <a:rPr lang="ja-JP" altLang="en-US"/>
               <a:t>レベル</a:t>
             </a:r>
           </a:p>
           <a:p>
             <a:pPr lvl="2"/>
             <a:r>
-              <a:rPr kumimoji="1" lang="ja-JP" altLang="en-US"/>
+              <a:rPr lang="ja-JP" altLang="en-US"/>
               <a:t>第 </a:t>
             </a:r>
             <a:r>
-              <a:rPr kumimoji="1" lang="en-US" altLang="ja-JP"/>
+              <a:rPr lang="en-US" altLang="ja-JP"/>
               <a:t>3 </a:t>
             </a:r>
             <a:r>
-              <a:rPr kumimoji="1" lang="ja-JP" altLang="en-US"/>
+              <a:rPr lang="ja-JP" altLang="en-US"/>
               <a:t>レベル</a:t>
             </a:r>
           </a:p>
           <a:p>
             <a:pPr lvl="3"/>
             <a:r>
-              <a:rPr kumimoji="1" lang="ja-JP" altLang="en-US"/>
+              <a:rPr lang="ja-JP" altLang="en-US"/>
               <a:t>第 </a:t>
             </a:r>
             <a:r>
-              <a:rPr kumimoji="1" lang="en-US" altLang="ja-JP"/>
+              <a:rPr lang="en-US" altLang="ja-JP"/>
               <a:t>4 </a:t>
             </a:r>
             <a:r>
-              <a:rPr kumimoji="1" lang="ja-JP" altLang="en-US"/>
+              <a:rPr lang="ja-JP" altLang="en-US"/>
               <a:t>レベル</a:t>
             </a:r>
           </a:p>
           <a:p>
             <a:pPr lvl="4"/>
             <a:r>
-              <a:rPr kumimoji="1" lang="ja-JP" altLang="en-US"/>
+              <a:rPr lang="ja-JP" altLang="en-US"/>
               <a:t>第 </a:t>
             </a:r>
             <a:r>
-              <a:rPr kumimoji="1" lang="en-US" altLang="ja-JP"/>
+              <a:rPr lang="en-US" altLang="ja-JP"/>
               <a:t>5 </a:t>
             </a:r>
             <a:r>
-              <a:rPr kumimoji="1" lang="ja-JP" altLang="en-US"/>
+              <a:rPr lang="ja-JP" altLang="en-US"/>
               <a:t>レベル</a:t>
             </a:r>
-          </a:p>
-        </p:txBody>
-      </p:sp>
-      <p:sp>
-        <p:nvSpPr>
-          <p:cNvPr id="4" name="日付プレースホルダー 3">
-            <a:extLst>
-              <a:ext uri="{FF2B5EF4-FFF2-40B4-BE49-F238E27FC236}">
-                <a16:creationId xmlns:a16="http://schemas.microsoft.com/office/drawing/2014/main" id="{3D17BA1B-EF29-4CD2-93F7-09D382F40F90}"/>
-              </a:ext>
-            </a:extLst>
-          </p:cNvPr>
+            <a:endParaRPr lang="en-US" dirty="0"/>
+          </a:p>
+        </p:txBody>
+      </p:sp>
+      <p:sp>
+        <p:nvSpPr>
+          <p:cNvPr id="4" name="Date Placeholder 3"/>
           <p:cNvSpPr>
             <a:spLocks noGrp="1"/>
           </p:cNvSpPr>
@@ -956,7 +3422,7 @@
           <a:p>
             <a:fld id="{8EE2664D-154C-4F8A-A3AF-BFCE5078DF3C}" type="datetimeFigureOut">
               <a:rPr kumimoji="1" lang="ja-JP" altLang="en-US" smtClean="0"/>
-              <a:t>2021/7/23</a:t>
+              <a:t>2021/7/26</a:t>
             </a:fld>
             <a:endParaRPr kumimoji="1" lang="ja-JP" altLang="en-US"/>
           </a:p>
@@ -964,13 +3430,7 @@
       </p:sp>
       <p:sp>
         <p:nvSpPr>
-          <p:cNvPr id="5" name="フッター プレースホルダー 4">
-            <a:extLst>
-              <a:ext uri="{FF2B5EF4-FFF2-40B4-BE49-F238E27FC236}">
-                <a16:creationId xmlns:a16="http://schemas.microsoft.com/office/drawing/2014/main" id="{5F31B738-862A-46CE-9A58-09CE7870BFCB}"/>
-              </a:ext>
-            </a:extLst>
-          </p:cNvPr>
+          <p:cNvPr id="5" name="Footer Placeholder 4"/>
           <p:cNvSpPr>
             <a:spLocks noGrp="1"/>
           </p:cNvSpPr>
@@ -989,13 +3449,7 @@
       </p:sp>
       <p:sp>
         <p:nvSpPr>
-          <p:cNvPr id="6" name="スライド番号プレースホルダー 5">
-            <a:extLst>
-              <a:ext uri="{FF2B5EF4-FFF2-40B4-BE49-F238E27FC236}">
-                <a16:creationId xmlns:a16="http://schemas.microsoft.com/office/drawing/2014/main" id="{8AB5B029-692E-4571-8CF0-AEC8CB51C8D6}"/>
-              </a:ext>
-            </a:extLst>
-          </p:cNvPr>
+          <p:cNvPr id="6" name="Slide Number Placeholder 5"/>
           <p:cNvSpPr>
             <a:spLocks noGrp="1"/>
           </p:cNvSpPr>
@@ -1019,7 +3473,7 @@
     </p:spTree>
     <p:extLst>
       <p:ext uri="{BB962C8B-B14F-4D97-AF65-F5344CB8AC3E}">
-        <p14:creationId xmlns:p14="http://schemas.microsoft.com/office/powerpoint/2010/main" val="1487205038"/>
+        <p14:creationId xmlns:p14="http://schemas.microsoft.com/office/powerpoint/2010/main" val="131191151"/>
       </p:ext>
     </p:extLst>
   </p:cSld>
@@ -1048,13 +3502,7 @@
       </p:grpSpPr>
       <p:sp>
         <p:nvSpPr>
-          <p:cNvPr id="2" name="タイトル 1">
-            <a:extLst>
-              <a:ext uri="{FF2B5EF4-FFF2-40B4-BE49-F238E27FC236}">
-                <a16:creationId xmlns:a16="http://schemas.microsoft.com/office/drawing/2014/main" id="{675713D5-2AF9-4AD1-91C0-5C27727713D0}"/>
-              </a:ext>
-            </a:extLst>
-          </p:cNvPr>
+          <p:cNvPr id="2" name="Title 1"/>
           <p:cNvSpPr>
             <a:spLocks noGrp="1"/>
           </p:cNvSpPr>
@@ -1064,34 +3512,31 @@
         </p:nvSpPr>
         <p:spPr>
           <a:xfrm>
-            <a:off x="831850" y="1709738"/>
-            <a:ext cx="10515600" cy="2852737"/>
+            <a:off x="1229244" y="657226"/>
+            <a:ext cx="9733512" cy="2852737"/>
           </a:xfrm>
         </p:spPr>
         <p:txBody>
-          <a:bodyPr anchor="b"/>
+          <a:bodyPr anchor="b">
+            <a:normAutofit/>
+          </a:bodyPr>
           <a:lstStyle>
             <a:lvl1pPr>
-              <a:defRPr sz="6000"/>
+              <a:defRPr sz="3400"/>
             </a:lvl1pPr>
           </a:lstStyle>
           <a:p>
             <a:r>
-              <a:rPr kumimoji="1" lang="ja-JP" altLang="en-US"/>
+              <a:rPr lang="ja-JP" altLang="en-US"/>
               <a:t>マスター タイトルの書式設定</a:t>
             </a:r>
-          </a:p>
-        </p:txBody>
-      </p:sp>
-      <p:sp>
-        <p:nvSpPr>
-          <p:cNvPr id="3" name="テキスト プレースホルダー 2">
-            <a:extLst>
-              <a:ext uri="{FF2B5EF4-FFF2-40B4-BE49-F238E27FC236}">
-                <a16:creationId xmlns:a16="http://schemas.microsoft.com/office/drawing/2014/main" id="{F68E3363-B677-4A0C-B648-B4814B232D35}"/>
-              </a:ext>
-            </a:extLst>
-          </p:cNvPr>
+            <a:endParaRPr lang="en-US" dirty="0"/>
+          </a:p>
+        </p:txBody>
+      </p:sp>
+      <p:sp>
+        <p:nvSpPr>
+          <p:cNvPr id="3" name="Text Placeholder 2"/>
           <p:cNvSpPr>
             <a:spLocks noGrp="1"/>
           </p:cNvSpPr>
@@ -1101,14 +3546,14 @@
         </p:nvSpPr>
         <p:spPr>
           <a:xfrm>
-            <a:off x="831850" y="4589463"/>
-            <a:ext cx="10515600" cy="1500187"/>
+            <a:off x="1229244" y="3602038"/>
+            <a:ext cx="9733512" cy="1500187"/>
           </a:xfrm>
         </p:spPr>
         <p:txBody>
           <a:bodyPr/>
           <a:lstStyle>
-            <a:lvl1pPr marL="0" indent="0">
+            <a:lvl1pPr marL="0" indent="0" algn="ctr">
               <a:buNone/>
               <a:defRPr sz="2400">
                 <a:solidFill>
@@ -1202,7 +3647,7 @@
           <a:p>
             <a:pPr lvl="0"/>
             <a:r>
-              <a:rPr kumimoji="1" lang="ja-JP" altLang="en-US"/>
+              <a:rPr lang="ja-JP" altLang="en-US"/>
               <a:t>マスター テキストの書式設定</a:t>
             </a:r>
           </a:p>
@@ -1210,13 +3655,7 @@
       </p:sp>
       <p:sp>
         <p:nvSpPr>
-          <p:cNvPr id="4" name="日付プレースホルダー 3">
-            <a:extLst>
-              <a:ext uri="{FF2B5EF4-FFF2-40B4-BE49-F238E27FC236}">
-                <a16:creationId xmlns:a16="http://schemas.microsoft.com/office/drawing/2014/main" id="{8E335150-CE43-4C87-BC8C-F94B197459CC}"/>
-              </a:ext>
-            </a:extLst>
-          </p:cNvPr>
+          <p:cNvPr id="4" name="Date Placeholder 3"/>
           <p:cNvSpPr>
             <a:spLocks noGrp="1"/>
           </p:cNvSpPr>
@@ -1231,7 +3670,7 @@
           <a:p>
             <a:fld id="{8EE2664D-154C-4F8A-A3AF-BFCE5078DF3C}" type="datetimeFigureOut">
               <a:rPr kumimoji="1" lang="ja-JP" altLang="en-US" smtClean="0"/>
-              <a:t>2021/7/23</a:t>
+              <a:t>2021/7/26</a:t>
             </a:fld>
             <a:endParaRPr kumimoji="1" lang="ja-JP" altLang="en-US"/>
           </a:p>
@@ -1239,13 +3678,7 @@
       </p:sp>
       <p:sp>
         <p:nvSpPr>
-          <p:cNvPr id="5" name="フッター プレースホルダー 4">
-            <a:extLst>
-              <a:ext uri="{FF2B5EF4-FFF2-40B4-BE49-F238E27FC236}">
-                <a16:creationId xmlns:a16="http://schemas.microsoft.com/office/drawing/2014/main" id="{5444A03C-7EFA-484C-BD49-6A9E59077687}"/>
-              </a:ext>
-            </a:extLst>
-          </p:cNvPr>
+          <p:cNvPr id="5" name="Footer Placeholder 4"/>
           <p:cNvSpPr>
             <a:spLocks noGrp="1"/>
           </p:cNvSpPr>
@@ -1264,13 +3697,7 @@
       </p:sp>
       <p:sp>
         <p:nvSpPr>
-          <p:cNvPr id="6" name="スライド番号プレースホルダー 5">
-            <a:extLst>
-              <a:ext uri="{FF2B5EF4-FFF2-40B4-BE49-F238E27FC236}">
-                <a16:creationId xmlns:a16="http://schemas.microsoft.com/office/drawing/2014/main" id="{292C428F-DEF0-4709-9447-132CEEAAA372}"/>
-              </a:ext>
-            </a:extLst>
-          </p:cNvPr>
+          <p:cNvPr id="6" name="Slide Number Placeholder 5"/>
           <p:cNvSpPr>
             <a:spLocks noGrp="1"/>
           </p:cNvSpPr>
@@ -1294,7 +3721,7 @@
     </p:spTree>
     <p:extLst>
       <p:ext uri="{BB962C8B-B14F-4D97-AF65-F5344CB8AC3E}">
-        <p14:creationId xmlns:p14="http://schemas.microsoft.com/office/powerpoint/2010/main" val="3157358505"/>
+        <p14:creationId xmlns:p14="http://schemas.microsoft.com/office/powerpoint/2010/main" val="1915323859"/>
       </p:ext>
     </p:extLst>
   </p:cSld>
@@ -1323,146 +3750,46 @@
       </p:grpSpPr>
       <p:sp>
         <p:nvSpPr>
-          <p:cNvPr id="2" name="タイトル 1">
-            <a:extLst>
-              <a:ext uri="{FF2B5EF4-FFF2-40B4-BE49-F238E27FC236}">
-                <a16:creationId xmlns:a16="http://schemas.microsoft.com/office/drawing/2014/main" id="{1263A7E5-8288-4A7F-A8A3-0F763E0F7547}"/>
-              </a:ext>
-            </a:extLst>
-          </p:cNvPr>
+          <p:cNvPr id="2" name="Title 1"/>
           <p:cNvSpPr>
             <a:spLocks noGrp="1"/>
           </p:cNvSpPr>
           <p:nvPr>
             <p:ph type="title"/>
-          </p:nvPr>
-        </p:nvSpPr>
-        <p:spPr/>
-        <p:txBody>
-          <a:bodyPr/>
-          <a:lstStyle/>
-          <a:p>
-            <a:r>
-              <a:rPr kumimoji="1" lang="ja-JP" altLang="en-US"/>
-              <a:t>マスター タイトルの書式設定</a:t>
-            </a:r>
-          </a:p>
-        </p:txBody>
-      </p:sp>
-      <p:sp>
-        <p:nvSpPr>
-          <p:cNvPr id="3" name="コンテンツ プレースホルダー 2">
-            <a:extLst>
-              <a:ext uri="{FF2B5EF4-FFF2-40B4-BE49-F238E27FC236}">
-                <a16:creationId xmlns:a16="http://schemas.microsoft.com/office/drawing/2014/main" id="{2D0DA534-D70E-4184-9CB2-9B37A847A3BA}"/>
-              </a:ext>
-            </a:extLst>
-          </p:cNvPr>
-          <p:cNvSpPr>
-            <a:spLocks noGrp="1"/>
-          </p:cNvSpPr>
-          <p:nvPr>
-            <p:ph sz="half" idx="1"/>
           </p:nvPr>
         </p:nvSpPr>
         <p:spPr>
           <a:xfrm>
-            <a:off x="838200" y="1825625"/>
-            <a:ext cx="5181600" cy="4351338"/>
+            <a:off x="913795" y="609600"/>
+            <a:ext cx="10353761" cy="1326321"/>
           </a:xfrm>
         </p:spPr>
         <p:txBody>
           <a:bodyPr/>
           <a:lstStyle/>
           <a:p>
-            <a:pPr lvl="0"/>
-            <a:r>
-              <a:rPr kumimoji="1" lang="ja-JP" altLang="en-US"/>
-              <a:t>マスター テキストの書式設定</a:t>
-            </a:r>
-          </a:p>
-          <a:p>
-            <a:pPr lvl="1"/>
-            <a:r>
-              <a:rPr kumimoji="1" lang="ja-JP" altLang="en-US"/>
-              <a:t>第 </a:t>
-            </a:r>
-            <a:r>
-              <a:rPr kumimoji="1" lang="en-US" altLang="ja-JP"/>
-              <a:t>2 </a:t>
-            </a:r>
-            <a:r>
-              <a:rPr kumimoji="1" lang="ja-JP" altLang="en-US"/>
-              <a:t>レベル</a:t>
-            </a:r>
-          </a:p>
-          <a:p>
-            <a:pPr lvl="2"/>
-            <a:r>
-              <a:rPr kumimoji="1" lang="ja-JP" altLang="en-US"/>
-              <a:t>第 </a:t>
-            </a:r>
-            <a:r>
-              <a:rPr kumimoji="1" lang="en-US" altLang="ja-JP"/>
-              <a:t>3 </a:t>
-            </a:r>
-            <a:r>
-              <a:rPr kumimoji="1" lang="ja-JP" altLang="en-US"/>
-              <a:t>レベル</a:t>
-            </a:r>
-          </a:p>
-          <a:p>
-            <a:pPr lvl="3"/>
-            <a:r>
-              <a:rPr kumimoji="1" lang="ja-JP" altLang="en-US"/>
-              <a:t>第 </a:t>
-            </a:r>
-            <a:r>
-              <a:rPr kumimoji="1" lang="en-US" altLang="ja-JP"/>
-              <a:t>4 </a:t>
-            </a:r>
-            <a:r>
-              <a:rPr kumimoji="1" lang="ja-JP" altLang="en-US"/>
-              <a:t>レベル</a:t>
-            </a:r>
-          </a:p>
-          <a:p>
-            <a:pPr lvl="4"/>
-            <a:r>
-              <a:rPr kumimoji="1" lang="ja-JP" altLang="en-US"/>
-              <a:t>第 </a:t>
-            </a:r>
-            <a:r>
-              <a:rPr kumimoji="1" lang="en-US" altLang="ja-JP"/>
-              <a:t>5 </a:t>
-            </a:r>
-            <a:r>
-              <a:rPr kumimoji="1" lang="ja-JP" altLang="en-US"/>
-              <a:t>レベル</a:t>
-            </a:r>
-          </a:p>
-        </p:txBody>
-      </p:sp>
-      <p:sp>
-        <p:nvSpPr>
-          <p:cNvPr id="4" name="コンテンツ プレースホルダー 3">
-            <a:extLst>
-              <a:ext uri="{FF2B5EF4-FFF2-40B4-BE49-F238E27FC236}">
-                <a16:creationId xmlns:a16="http://schemas.microsoft.com/office/drawing/2014/main" id="{52566E9B-A0D2-49B3-BC3F-B62B14F50B39}"/>
-              </a:ext>
-            </a:extLst>
-          </p:cNvPr>
-          <p:cNvSpPr>
-            <a:spLocks noGrp="1"/>
-          </p:cNvSpPr>
-          <p:nvPr>
-            <p:ph sz="half" idx="2"/>
+            <a:r>
+              <a:rPr lang="ja-JP" altLang="en-US"/>
+              <a:t>マスター タイトルの書式設定</a:t>
+            </a:r>
+            <a:endParaRPr lang="en-US" dirty="0"/>
+          </a:p>
+        </p:txBody>
+      </p:sp>
+      <p:sp>
+        <p:nvSpPr>
+          <p:cNvPr id="3" name="Content Placeholder 2"/>
+          <p:cNvSpPr>
+            <a:spLocks noGrp="1"/>
+          </p:cNvSpPr>
+          <p:nvPr>
+            <p:ph sz="half" idx="1"/>
           </p:nvPr>
         </p:nvSpPr>
         <p:spPr>
           <a:xfrm>
-            <a:off x="6172200" y="1825625"/>
-            <a:ext cx="5181600" cy="4351338"/>
+            <a:off x="913795" y="2088319"/>
+            <a:ext cx="5106004" cy="3702881"/>
           </a:xfrm>
         </p:spPr>
         <p:txBody>
@@ -1471,81 +3798,165 @@
           <a:p>
             <a:pPr lvl="0"/>
             <a:r>
-              <a:rPr kumimoji="1" lang="ja-JP" altLang="en-US"/>
+              <a:rPr lang="ja-JP" altLang="en-US"/>
               <a:t>マスター テキストの書式設定</a:t>
             </a:r>
           </a:p>
           <a:p>
             <a:pPr lvl="1"/>
             <a:r>
-              <a:rPr kumimoji="1" lang="ja-JP" altLang="en-US"/>
+              <a:rPr lang="ja-JP" altLang="en-US"/>
               <a:t>第 </a:t>
             </a:r>
             <a:r>
-              <a:rPr kumimoji="1" lang="en-US" altLang="ja-JP"/>
+              <a:rPr lang="en-US" altLang="ja-JP"/>
               <a:t>2 </a:t>
             </a:r>
             <a:r>
-              <a:rPr kumimoji="1" lang="ja-JP" altLang="en-US"/>
+              <a:rPr lang="ja-JP" altLang="en-US"/>
               <a:t>レベル</a:t>
             </a:r>
           </a:p>
           <a:p>
             <a:pPr lvl="2"/>
             <a:r>
-              <a:rPr kumimoji="1" lang="ja-JP" altLang="en-US"/>
+              <a:rPr lang="ja-JP" altLang="en-US"/>
               <a:t>第 </a:t>
             </a:r>
             <a:r>
-              <a:rPr kumimoji="1" lang="en-US" altLang="ja-JP"/>
+              <a:rPr lang="en-US" altLang="ja-JP"/>
               <a:t>3 </a:t>
             </a:r>
             <a:r>
-              <a:rPr kumimoji="1" lang="ja-JP" altLang="en-US"/>
+              <a:rPr lang="ja-JP" altLang="en-US"/>
               <a:t>レベル</a:t>
             </a:r>
           </a:p>
           <a:p>
             <a:pPr lvl="3"/>
             <a:r>
-              <a:rPr kumimoji="1" lang="ja-JP" altLang="en-US"/>
+              <a:rPr lang="ja-JP" altLang="en-US"/>
               <a:t>第 </a:t>
             </a:r>
             <a:r>
-              <a:rPr kumimoji="1" lang="en-US" altLang="ja-JP"/>
+              <a:rPr lang="en-US" altLang="ja-JP"/>
               <a:t>4 </a:t>
             </a:r>
             <a:r>
-              <a:rPr kumimoji="1" lang="ja-JP" altLang="en-US"/>
+              <a:rPr lang="ja-JP" altLang="en-US"/>
               <a:t>レベル</a:t>
             </a:r>
           </a:p>
           <a:p>
             <a:pPr lvl="4"/>
             <a:r>
-              <a:rPr kumimoji="1" lang="ja-JP" altLang="en-US"/>
+              <a:rPr lang="ja-JP" altLang="en-US"/>
               <a:t>第 </a:t>
             </a:r>
             <a:r>
-              <a:rPr kumimoji="1" lang="en-US" altLang="ja-JP"/>
+              <a:rPr lang="en-US" altLang="ja-JP"/>
               <a:t>5 </a:t>
             </a:r>
             <a:r>
-              <a:rPr kumimoji="1" lang="ja-JP" altLang="en-US"/>
+              <a:rPr lang="ja-JP" altLang="en-US"/>
               <a:t>レベル</a:t>
             </a:r>
-          </a:p>
-        </p:txBody>
-      </p:sp>
-      <p:sp>
-        <p:nvSpPr>
-          <p:cNvPr id="5" name="日付プレースホルダー 4">
-            <a:extLst>
-              <a:ext uri="{FF2B5EF4-FFF2-40B4-BE49-F238E27FC236}">
-                <a16:creationId xmlns:a16="http://schemas.microsoft.com/office/drawing/2014/main" id="{D5069FEF-5430-48DA-86D0-61A2950E6DD5}"/>
-              </a:ext>
-            </a:extLst>
-          </p:cNvPr>
+            <a:endParaRPr lang="en-US" dirty="0"/>
+          </a:p>
+        </p:txBody>
+      </p:sp>
+      <p:sp>
+        <p:nvSpPr>
+          <p:cNvPr id="4" name="Content Placeholder 3"/>
+          <p:cNvSpPr>
+            <a:spLocks noGrp="1"/>
+          </p:cNvSpPr>
+          <p:nvPr>
+            <p:ph sz="half" idx="2"/>
+          </p:nvPr>
+        </p:nvSpPr>
+        <p:spPr>
+          <a:xfrm>
+            <a:off x="6173403" y="2088319"/>
+            <a:ext cx="5094154" cy="3702881"/>
+          </a:xfrm>
+        </p:spPr>
+        <p:txBody>
+          <a:bodyPr/>
+          <a:lstStyle/>
+          <a:p>
+            <a:pPr lvl="0"/>
+            <a:r>
+              <a:rPr lang="ja-JP" altLang="en-US"/>
+              <a:t>マスター テキストの書式設定</a:t>
+            </a:r>
+          </a:p>
+          <a:p>
+            <a:pPr lvl="1"/>
+            <a:r>
+              <a:rPr lang="ja-JP" altLang="en-US"/>
+              <a:t>第 </a:t>
+            </a:r>
+            <a:r>
+              <a:rPr lang="en-US" altLang="ja-JP"/>
+              <a:t>2 </a:t>
+            </a:r>
+            <a:r>
+              <a:rPr lang="ja-JP" altLang="en-US"/>
+              <a:t>レベル</a:t>
+            </a:r>
+          </a:p>
+          <a:p>
+            <a:pPr lvl="2"/>
+            <a:r>
+              <a:rPr lang="ja-JP" altLang="en-US"/>
+              <a:t>第 </a:t>
+            </a:r>
+            <a:r>
+              <a:rPr lang="en-US" altLang="ja-JP"/>
+              <a:t>3 </a:t>
+            </a:r>
+            <a:r>
+              <a:rPr lang="ja-JP" altLang="en-US"/>
+              <a:t>レベル</a:t>
+            </a:r>
+          </a:p>
+          <a:p>
+            <a:pPr lvl="3"/>
+            <a:r>
+              <a:rPr lang="ja-JP" altLang="en-US"/>
+              <a:t>第 </a:t>
+            </a:r>
+            <a:r>
+              <a:rPr lang="en-US" altLang="ja-JP"/>
+              <a:t>4 </a:t>
+            </a:r>
+            <a:r>
+              <a:rPr lang="ja-JP" altLang="en-US"/>
+              <a:t>レベル</a:t>
+            </a:r>
+          </a:p>
+          <a:p>
+            <a:pPr lvl="4"/>
+            <a:r>
+              <a:rPr lang="ja-JP" altLang="en-US"/>
+              <a:t>第 </a:t>
+            </a:r>
+            <a:r>
+              <a:rPr lang="en-US" altLang="ja-JP"/>
+              <a:t>5 </a:t>
+            </a:r>
+            <a:r>
+              <a:rPr lang="ja-JP" altLang="en-US"/>
+              <a:t>レベル</a:t>
+            </a:r>
+            <a:endParaRPr lang="en-US" dirty="0"/>
+          </a:p>
+        </p:txBody>
+      </p:sp>
+      <p:sp>
+        <p:nvSpPr>
+          <p:cNvPr id="5" name="Date Placeholder 4"/>
           <p:cNvSpPr>
             <a:spLocks noGrp="1"/>
           </p:cNvSpPr>
@@ -1560,7 +3971,7 @@
           <a:p>
             <a:fld id="{8EE2664D-154C-4F8A-A3AF-BFCE5078DF3C}" type="datetimeFigureOut">
               <a:rPr kumimoji="1" lang="ja-JP" altLang="en-US" smtClean="0"/>
-              <a:t>2021/7/23</a:t>
+              <a:t>2021/7/26</a:t>
             </a:fld>
             <a:endParaRPr kumimoji="1" lang="ja-JP" altLang="en-US"/>
           </a:p>
@@ -1568,13 +3979,7 @@
       </p:sp>
       <p:sp>
         <p:nvSpPr>
-          <p:cNvPr id="6" name="フッター プレースホルダー 5">
-            <a:extLst>
-              <a:ext uri="{FF2B5EF4-FFF2-40B4-BE49-F238E27FC236}">
-                <a16:creationId xmlns:a16="http://schemas.microsoft.com/office/drawing/2014/main" id="{A309820C-A04B-4C79-8CD9-0BFA4D6867F5}"/>
-              </a:ext>
-            </a:extLst>
-          </p:cNvPr>
+          <p:cNvPr id="6" name="Footer Placeholder 5"/>
           <p:cNvSpPr>
             <a:spLocks noGrp="1"/>
           </p:cNvSpPr>
@@ -1593,13 +3998,7 @@
       </p:sp>
       <p:sp>
         <p:nvSpPr>
-          <p:cNvPr id="7" name="スライド番号プレースホルダー 6">
-            <a:extLst>
-              <a:ext uri="{FF2B5EF4-FFF2-40B4-BE49-F238E27FC236}">
-                <a16:creationId xmlns:a16="http://schemas.microsoft.com/office/drawing/2014/main" id="{14B25609-7490-4DD8-84C9-A45E880C681C}"/>
-              </a:ext>
-            </a:extLst>
-          </p:cNvPr>
+          <p:cNvPr id="7" name="Slide Number Placeholder 6"/>
           <p:cNvSpPr>
             <a:spLocks noGrp="1"/>
           </p:cNvSpPr>
@@ -1623,13 +4022,18 @@
     </p:spTree>
     <p:extLst>
       <p:ext uri="{BB962C8B-B14F-4D97-AF65-F5344CB8AC3E}">
-        <p14:creationId xmlns:p14="http://schemas.microsoft.com/office/powerpoint/2010/main" val="3074187148"/>
+        <p14:creationId xmlns:p14="http://schemas.microsoft.com/office/powerpoint/2010/main" val="34743001"/>
       </p:ext>
     </p:extLst>
   </p:cSld>
   <p:clrMapOvr>
     <a:masterClrMapping/>
   </p:clrMapOvr>
+  <p:extLst>
+    <p:ext uri="{DCECCB84-F9BA-43D5-87BE-67443E8EF086}">
+      <p15:sldGuideLst xmlns:p15="http://schemas.microsoft.com/office/powerpoint/2012/main"/>
+    </p:ext>
+  </p:extLst>
 </p:sldLayout>
 </file>
 
@@ -1652,13 +4056,7 @@
       </p:grpSpPr>
       <p:sp>
         <p:nvSpPr>
-          <p:cNvPr id="2" name="タイトル 1">
-            <a:extLst>
-              <a:ext uri="{FF2B5EF4-FFF2-40B4-BE49-F238E27FC236}">
-                <a16:creationId xmlns:a16="http://schemas.microsoft.com/office/drawing/2014/main" id="{E9FB29EF-BF4E-4F4B-BC5D-76150A97F284}"/>
-              </a:ext>
-            </a:extLst>
-          </p:cNvPr>
+          <p:cNvPr id="2" name="Title 1"/>
           <p:cNvSpPr>
             <a:spLocks noGrp="1"/>
           </p:cNvSpPr>
@@ -1668,8 +4066,8 @@
         </p:nvSpPr>
         <p:spPr>
           <a:xfrm>
-            <a:off x="839788" y="365125"/>
-            <a:ext cx="10515600" cy="1325563"/>
+            <a:off x="913795" y="609600"/>
+            <a:ext cx="10353761" cy="1325563"/>
           </a:xfrm>
         </p:spPr>
         <p:txBody>
@@ -1677,21 +4075,16 @@
           <a:lstStyle/>
           <a:p>
             <a:r>
-              <a:rPr kumimoji="1" lang="ja-JP" altLang="en-US"/>
+              <a:rPr lang="ja-JP" altLang="en-US"/>
               <a:t>マスター タイトルの書式設定</a:t>
             </a:r>
-          </a:p>
-        </p:txBody>
-      </p:sp>
-      <p:sp>
-        <p:nvSpPr>
-          <p:cNvPr id="3" name="テキスト プレースホルダー 2">
-            <a:extLst>
-              <a:ext uri="{FF2B5EF4-FFF2-40B4-BE49-F238E27FC236}">
-                <a16:creationId xmlns:a16="http://schemas.microsoft.com/office/drawing/2014/main" id="{45AEC9B0-BCBF-4792-94D7-7837A8D7AD8D}"/>
-              </a:ext>
-            </a:extLst>
-          </p:cNvPr>
+            <a:endParaRPr lang="en-US" dirty="0"/>
+          </a:p>
+        </p:txBody>
+      </p:sp>
+      <p:sp>
+        <p:nvSpPr>
+          <p:cNvPr id="3" name="Text Placeholder 2"/>
           <p:cNvSpPr>
             <a:spLocks noGrp="1"/>
           </p:cNvSpPr>
@@ -1701,14 +4094,17 @@
         </p:nvSpPr>
         <p:spPr>
           <a:xfrm>
-            <a:off x="839788" y="1681163"/>
-            <a:ext cx="5157787" cy="823912"/>
+            <a:off x="1141804" y="2088320"/>
+            <a:ext cx="4879199" cy="823912"/>
           </a:xfrm>
         </p:spPr>
         <p:txBody>
           <a:bodyPr anchor="b"/>
           <a:lstStyle>
             <a:lvl1pPr marL="0" indent="0">
+              <a:lnSpc>
+                <a:spcPct val="100000"/>
+              </a:lnSpc>
               <a:buNone/>
               <a:defRPr sz="2400" b="1"/>
             </a:lvl1pPr>
@@ -1748,7 +4144,7 @@
           <a:p>
             <a:pPr lvl="0"/>
             <a:r>
-              <a:rPr kumimoji="1" lang="ja-JP" altLang="en-US"/>
+              <a:rPr lang="ja-JP" altLang="en-US"/>
               <a:t>マスター テキストの書式設定</a:t>
             </a:r>
           </a:p>
@@ -1756,13 +4152,7 @@
       </p:sp>
       <p:sp>
         <p:nvSpPr>
-          <p:cNvPr id="4" name="コンテンツ プレースホルダー 3">
-            <a:extLst>
-              <a:ext uri="{FF2B5EF4-FFF2-40B4-BE49-F238E27FC236}">
-                <a16:creationId xmlns:a16="http://schemas.microsoft.com/office/drawing/2014/main" id="{D8993DE4-432C-4B22-B833-F5A262141BBA}"/>
-              </a:ext>
-            </a:extLst>
-          </p:cNvPr>
+          <p:cNvPr id="4" name="Content Placeholder 3"/>
           <p:cNvSpPr>
             <a:spLocks noGrp="1"/>
           </p:cNvSpPr>
@@ -1772,8 +4162,8 @@
         </p:nvSpPr>
         <p:spPr>
           <a:xfrm>
-            <a:off x="839788" y="2505075"/>
-            <a:ext cx="5157787" cy="3684588"/>
+            <a:off x="913795" y="2912232"/>
+            <a:ext cx="5107208" cy="2878968"/>
           </a:xfrm>
         </p:spPr>
         <p:txBody>
@@ -1782,81 +4172,76 @@
           <a:p>
             <a:pPr lvl="0"/>
             <a:r>
-              <a:rPr kumimoji="1" lang="ja-JP" altLang="en-US"/>
+              <a:rPr lang="ja-JP" altLang="en-US"/>
               <a:t>マスター テキストの書式設定</a:t>
             </a:r>
           </a:p>
           <a:p>
             <a:pPr lvl="1"/>
             <a:r>
-              <a:rPr kumimoji="1" lang="ja-JP" altLang="en-US"/>
+              <a:rPr lang="ja-JP" altLang="en-US"/>
               <a:t>第 </a:t>
             </a:r>
             <a:r>
-              <a:rPr kumimoji="1" lang="en-US" altLang="ja-JP"/>
+              <a:rPr lang="en-US" altLang="ja-JP"/>
               <a:t>2 </a:t>
             </a:r>
             <a:r>
-              <a:rPr kumimoji="1" lang="ja-JP" altLang="en-US"/>
+              <a:rPr lang="ja-JP" altLang="en-US"/>
               <a:t>レベル</a:t>
             </a:r>
           </a:p>
           <a:p>
             <a:pPr lvl="2"/>
             <a:r>
-              <a:rPr kumimoji="1" lang="ja-JP" altLang="en-US"/>
+              <a:rPr lang="ja-JP" altLang="en-US"/>
               <a:t>第 </a:t>
             </a:r>
             <a:r>
-              <a:rPr kumimoji="1" lang="en-US" altLang="ja-JP"/>
+              <a:rPr lang="en-US" altLang="ja-JP"/>
               <a:t>3 </a:t>
             </a:r>
             <a:r>
-              <a:rPr kumimoji="1" lang="ja-JP" altLang="en-US"/>
+              <a:rPr lang="ja-JP" altLang="en-US"/>
               <a:t>レベル</a:t>
             </a:r>
           </a:p>
           <a:p>
             <a:pPr lvl="3"/>
             <a:r>
-              <a:rPr kumimoji="1" lang="ja-JP" altLang="en-US"/>
+              <a:rPr lang="ja-JP" altLang="en-US"/>
               <a:t>第 </a:t>
             </a:r>
             <a:r>
-              <a:rPr kumimoji="1" lang="en-US" altLang="ja-JP"/>
+              <a:rPr lang="en-US" altLang="ja-JP"/>
               <a:t>4 </a:t>
             </a:r>
             <a:r>
-              <a:rPr kumimoji="1" lang="ja-JP" altLang="en-US"/>
+              <a:rPr lang="ja-JP" altLang="en-US"/>
               <a:t>レベル</a:t>
             </a:r>
           </a:p>
           <a:p>
             <a:pPr lvl="4"/>
             <a:r>
-              <a:rPr kumimoji="1" lang="ja-JP" altLang="en-US"/>
+              <a:rPr lang="ja-JP" altLang="en-US"/>
               <a:t>第 </a:t>
             </a:r>
             <a:r>
-              <a:rPr kumimoji="1" lang="en-US" altLang="ja-JP"/>
+              <a:rPr lang="en-US" altLang="ja-JP"/>
               <a:t>5 </a:t>
             </a:r>
             <a:r>
-              <a:rPr kumimoji="1" lang="ja-JP" altLang="en-US"/>
+              <a:rPr lang="ja-JP" altLang="en-US"/>
               <a:t>レベル</a:t>
             </a:r>
-          </a:p>
-        </p:txBody>
-      </p:sp>
-      <p:sp>
-        <p:nvSpPr>
-          <p:cNvPr id="5" name="テキスト プレースホルダー 4">
-            <a:extLst>
-              <a:ext uri="{FF2B5EF4-FFF2-40B4-BE49-F238E27FC236}">
-                <a16:creationId xmlns:a16="http://schemas.microsoft.com/office/drawing/2014/main" id="{D74A86BD-9256-49E8-BBA4-CA2CD877E1E9}"/>
-              </a:ext>
-            </a:extLst>
-          </p:cNvPr>
+            <a:endParaRPr lang="en-US" dirty="0"/>
+          </a:p>
+        </p:txBody>
+      </p:sp>
+      <p:sp>
+        <p:nvSpPr>
+          <p:cNvPr id="5" name="Text Placeholder 4"/>
           <p:cNvSpPr>
             <a:spLocks noGrp="1"/>
           </p:cNvSpPr>
@@ -1866,14 +4251,17 @@
         </p:nvSpPr>
         <p:spPr>
           <a:xfrm>
-            <a:off x="6172200" y="1681163"/>
-            <a:ext cx="5183188" cy="823912"/>
+            <a:off x="6402003" y="2088320"/>
+            <a:ext cx="4865554" cy="823912"/>
           </a:xfrm>
         </p:spPr>
         <p:txBody>
           <a:bodyPr anchor="b"/>
           <a:lstStyle>
             <a:lvl1pPr marL="0" indent="0">
+              <a:lnSpc>
+                <a:spcPct val="100000"/>
+              </a:lnSpc>
               <a:buNone/>
               <a:defRPr sz="2400" b="1"/>
             </a:lvl1pPr>
@@ -1913,7 +4301,7 @@
           <a:p>
             <a:pPr lvl="0"/>
             <a:r>
-              <a:rPr kumimoji="1" lang="ja-JP" altLang="en-US"/>
+              <a:rPr lang="ja-JP" altLang="en-US"/>
               <a:t>マスター テキストの書式設定</a:t>
             </a:r>
           </a:p>
@@ -1921,13 +4309,7 @@
       </p:sp>
       <p:sp>
         <p:nvSpPr>
-          <p:cNvPr id="6" name="コンテンツ プレースホルダー 5">
-            <a:extLst>
-              <a:ext uri="{FF2B5EF4-FFF2-40B4-BE49-F238E27FC236}">
-                <a16:creationId xmlns:a16="http://schemas.microsoft.com/office/drawing/2014/main" id="{2153EF4B-AD31-4C9B-9AB6-8094F3EB48AB}"/>
-              </a:ext>
-            </a:extLst>
-          </p:cNvPr>
+          <p:cNvPr id="6" name="Content Placeholder 5"/>
           <p:cNvSpPr>
             <a:spLocks noGrp="1"/>
           </p:cNvSpPr>
@@ -1937,8 +4319,8 @@
         </p:nvSpPr>
         <p:spPr>
           <a:xfrm>
-            <a:off x="6172200" y="2505075"/>
-            <a:ext cx="5183188" cy="3684588"/>
+            <a:off x="6172200" y="2912232"/>
+            <a:ext cx="5095357" cy="2878968"/>
           </a:xfrm>
         </p:spPr>
         <p:txBody>
@@ -1947,81 +4329,76 @@
           <a:p>
             <a:pPr lvl="0"/>
             <a:r>
-              <a:rPr kumimoji="1" lang="ja-JP" altLang="en-US"/>
+              <a:rPr lang="ja-JP" altLang="en-US"/>
               <a:t>マスター テキストの書式設定</a:t>
             </a:r>
           </a:p>
           <a:p>
             <a:pPr lvl="1"/>
             <a:r>
-              <a:rPr kumimoji="1" lang="ja-JP" altLang="en-US"/>
+              <a:rPr lang="ja-JP" altLang="en-US"/>
               <a:t>第 </a:t>
             </a:r>
             <a:r>
-              <a:rPr kumimoji="1" lang="en-US" altLang="ja-JP"/>
+              <a:rPr lang="en-US" altLang="ja-JP"/>
               <a:t>2 </a:t>
             </a:r>
             <a:r>
-              <a:rPr kumimoji="1" lang="ja-JP" altLang="en-US"/>
+              <a:rPr lang="ja-JP" altLang="en-US"/>
               <a:t>レベル</a:t>
             </a:r>
           </a:p>
           <a:p>
             <a:pPr lvl="2"/>
             <a:r>
-              <a:rPr kumimoji="1" lang="ja-JP" altLang="en-US"/>
+              <a:rPr lang="ja-JP" altLang="en-US"/>
               <a:t>第 </a:t>
             </a:r>
             <a:r>
-              <a:rPr kumimoji="1" lang="en-US" altLang="ja-JP"/>
+              <a:rPr lang="en-US" altLang="ja-JP"/>
               <a:t>3 </a:t>
             </a:r>
             <a:r>
-              <a:rPr kumimoji="1" lang="ja-JP" altLang="en-US"/>
+              <a:rPr lang="ja-JP" altLang="en-US"/>
               <a:t>レベル</a:t>
             </a:r>
           </a:p>
           <a:p>
             <a:pPr lvl="3"/>
             <a:r>
-              <a:rPr kumimoji="1" lang="ja-JP" altLang="en-US"/>
+              <a:rPr lang="ja-JP" altLang="en-US"/>
               <a:t>第 </a:t>
             </a:r>
             <a:r>
-              <a:rPr kumimoji="1" lang="en-US" altLang="ja-JP"/>
+              <a:rPr lang="en-US" altLang="ja-JP"/>
               <a:t>4 </a:t>
             </a:r>
             <a:r>
-              <a:rPr kumimoji="1" lang="ja-JP" altLang="en-US"/>
+              <a:rPr lang="ja-JP" altLang="en-US"/>
               <a:t>レベル</a:t>
             </a:r>
           </a:p>
           <a:p>
             <a:pPr lvl="4"/>
             <a:r>
-              <a:rPr kumimoji="1" lang="ja-JP" altLang="en-US"/>
+              <a:rPr lang="ja-JP" altLang="en-US"/>
               <a:t>第 </a:t>
             </a:r>
             <a:r>
-              <a:rPr kumimoji="1" lang="en-US" altLang="ja-JP"/>
+              <a:rPr lang="en-US" altLang="ja-JP"/>
               <a:t>5 </a:t>
             </a:r>
             <a:r>
-              <a:rPr kumimoji="1" lang="ja-JP" altLang="en-US"/>
+              <a:rPr lang="ja-JP" altLang="en-US"/>
               <a:t>レベル</a:t>
             </a:r>
-          </a:p>
-        </p:txBody>
-      </p:sp>
-      <p:sp>
-        <p:nvSpPr>
-          <p:cNvPr id="7" name="日付プレースホルダー 6">
-            <a:extLst>
-              <a:ext uri="{FF2B5EF4-FFF2-40B4-BE49-F238E27FC236}">
-                <a16:creationId xmlns:a16="http://schemas.microsoft.com/office/drawing/2014/main" id="{14C7CF3F-EC67-4B4B-B28D-04C9F533BC47}"/>
-              </a:ext>
-            </a:extLst>
-          </p:cNvPr>
+            <a:endParaRPr lang="en-US" dirty="0"/>
+          </a:p>
+        </p:txBody>
+      </p:sp>
+      <p:sp>
+        <p:nvSpPr>
+          <p:cNvPr id="7" name="Date Placeholder 6"/>
           <p:cNvSpPr>
             <a:spLocks noGrp="1"/>
           </p:cNvSpPr>
@@ -2036,7 +4413,7 @@
           <a:p>
             <a:fld id="{8EE2664D-154C-4F8A-A3AF-BFCE5078DF3C}" type="datetimeFigureOut">
               <a:rPr kumimoji="1" lang="ja-JP" altLang="en-US" smtClean="0"/>
-              <a:t>2021/7/23</a:t>
+              <a:t>2021/7/26</a:t>
             </a:fld>
             <a:endParaRPr kumimoji="1" lang="ja-JP" altLang="en-US"/>
           </a:p>
@@ -2044,13 +4421,7 @@
       </p:sp>
       <p:sp>
         <p:nvSpPr>
-          <p:cNvPr id="8" name="フッター プレースホルダー 7">
-            <a:extLst>
-              <a:ext uri="{FF2B5EF4-FFF2-40B4-BE49-F238E27FC236}">
-                <a16:creationId xmlns:a16="http://schemas.microsoft.com/office/drawing/2014/main" id="{28FB0757-C89C-47D8-BE1C-8D675FE775AD}"/>
-              </a:ext>
-            </a:extLst>
-          </p:cNvPr>
+          <p:cNvPr id="8" name="Footer Placeholder 7"/>
           <p:cNvSpPr>
             <a:spLocks noGrp="1"/>
           </p:cNvSpPr>
@@ -2069,13 +4440,7 @@
       </p:sp>
       <p:sp>
         <p:nvSpPr>
-          <p:cNvPr id="9" name="スライド番号プレースホルダー 8">
-            <a:extLst>
-              <a:ext uri="{FF2B5EF4-FFF2-40B4-BE49-F238E27FC236}">
-                <a16:creationId xmlns:a16="http://schemas.microsoft.com/office/drawing/2014/main" id="{4C77A47B-4A21-4100-8526-6DA6C58A299F}"/>
-              </a:ext>
-            </a:extLst>
-          </p:cNvPr>
+          <p:cNvPr id="9" name="Slide Number Placeholder 8"/>
           <p:cNvSpPr>
             <a:spLocks noGrp="1"/>
           </p:cNvSpPr>
@@ -2099,13 +4464,18 @@
     </p:spTree>
     <p:extLst>
       <p:ext uri="{BB962C8B-B14F-4D97-AF65-F5344CB8AC3E}">
-        <p14:creationId xmlns:p14="http://schemas.microsoft.com/office/powerpoint/2010/main" val="1814750730"/>
+        <p14:creationId xmlns:p14="http://schemas.microsoft.com/office/powerpoint/2010/main" val="2379824849"/>
       </p:ext>
     </p:extLst>
   </p:cSld>
   <p:clrMapOvr>
     <a:masterClrMapping/>
   </p:clrMapOvr>
+  <p:extLst>
+    <p:ext uri="{DCECCB84-F9BA-43D5-87BE-67443E8EF086}">
+      <p15:sldGuideLst xmlns:p15="http://schemas.microsoft.com/office/powerpoint/2012/main"/>
+    </p:ext>
+  </p:extLst>
 </p:sldLayout>
 </file>
 
@@ -2128,13 +4498,7 @@
       </p:grpSpPr>
       <p:sp>
         <p:nvSpPr>
-          <p:cNvPr id="2" name="タイトル 1">
-            <a:extLst>
-              <a:ext uri="{FF2B5EF4-FFF2-40B4-BE49-F238E27FC236}">
-                <a16:creationId xmlns:a16="http://schemas.microsoft.com/office/drawing/2014/main" id="{0DB46F62-AC5A-4397-8212-5B6029EA98CC}"/>
-              </a:ext>
-            </a:extLst>
-          </p:cNvPr>
+          <p:cNvPr id="2" name="Title 1"/>
           <p:cNvSpPr>
             <a:spLocks noGrp="1"/>
           </p:cNvSpPr>
@@ -2148,21 +4512,16 @@
           <a:lstStyle/>
           <a:p>
             <a:r>
-              <a:rPr kumimoji="1" lang="ja-JP" altLang="en-US"/>
+              <a:rPr lang="ja-JP" altLang="en-US"/>
               <a:t>マスター タイトルの書式設定</a:t>
             </a:r>
-          </a:p>
-        </p:txBody>
-      </p:sp>
-      <p:sp>
-        <p:nvSpPr>
-          <p:cNvPr id="3" name="日付プレースホルダー 2">
-            <a:extLst>
-              <a:ext uri="{FF2B5EF4-FFF2-40B4-BE49-F238E27FC236}">
-                <a16:creationId xmlns:a16="http://schemas.microsoft.com/office/drawing/2014/main" id="{872217A1-FCAD-4F12-B7C7-9BB2B41B2D92}"/>
-              </a:ext>
-            </a:extLst>
-          </p:cNvPr>
+            <a:endParaRPr lang="en-US" dirty="0"/>
+          </a:p>
+        </p:txBody>
+      </p:sp>
+      <p:sp>
+        <p:nvSpPr>
+          <p:cNvPr id="3" name="Date Placeholder 2"/>
           <p:cNvSpPr>
             <a:spLocks noGrp="1"/>
           </p:cNvSpPr>
@@ -2177,7 +4536,7 @@
           <a:p>
             <a:fld id="{8EE2664D-154C-4F8A-A3AF-BFCE5078DF3C}" type="datetimeFigureOut">
               <a:rPr kumimoji="1" lang="ja-JP" altLang="en-US" smtClean="0"/>
-              <a:t>2021/7/23</a:t>
+              <a:t>2021/7/26</a:t>
             </a:fld>
             <a:endParaRPr kumimoji="1" lang="ja-JP" altLang="en-US"/>
           </a:p>
@@ -2185,13 +4544,7 @@
       </p:sp>
       <p:sp>
         <p:nvSpPr>
-          <p:cNvPr id="4" name="フッター プレースホルダー 3">
-            <a:extLst>
-              <a:ext uri="{FF2B5EF4-FFF2-40B4-BE49-F238E27FC236}">
-                <a16:creationId xmlns:a16="http://schemas.microsoft.com/office/drawing/2014/main" id="{1E7E652A-F9F7-4FE3-8CA5-2155144319EF}"/>
-              </a:ext>
-            </a:extLst>
-          </p:cNvPr>
+          <p:cNvPr id="4" name="Footer Placeholder 3"/>
           <p:cNvSpPr>
             <a:spLocks noGrp="1"/>
           </p:cNvSpPr>
@@ -2210,13 +4563,7 @@
       </p:sp>
       <p:sp>
         <p:nvSpPr>
-          <p:cNvPr id="5" name="スライド番号プレースホルダー 4">
-            <a:extLst>
-              <a:ext uri="{FF2B5EF4-FFF2-40B4-BE49-F238E27FC236}">
-                <a16:creationId xmlns:a16="http://schemas.microsoft.com/office/drawing/2014/main" id="{3C23A24A-B0F4-4BE0-B650-10FB22C26005}"/>
-              </a:ext>
-            </a:extLst>
-          </p:cNvPr>
+          <p:cNvPr id="5" name="Slide Number Placeholder 4"/>
           <p:cNvSpPr>
             <a:spLocks noGrp="1"/>
           </p:cNvSpPr>
@@ -2240,7 +4587,7 @@
     </p:spTree>
     <p:extLst>
       <p:ext uri="{BB962C8B-B14F-4D97-AF65-F5344CB8AC3E}">
-        <p14:creationId xmlns:p14="http://schemas.microsoft.com/office/powerpoint/2010/main" val="1147033463"/>
+        <p14:creationId xmlns:p14="http://schemas.microsoft.com/office/powerpoint/2010/main" val="2183995874"/>
       </p:ext>
     </p:extLst>
   </p:cSld>
@@ -2269,13 +4616,7 @@
       </p:grpSpPr>
       <p:sp>
         <p:nvSpPr>
-          <p:cNvPr id="2" name="日付プレースホルダー 1">
-            <a:extLst>
-              <a:ext uri="{FF2B5EF4-FFF2-40B4-BE49-F238E27FC236}">
-                <a16:creationId xmlns:a16="http://schemas.microsoft.com/office/drawing/2014/main" id="{47F9F87F-841F-4781-B656-0CC5C1697842}"/>
-              </a:ext>
-            </a:extLst>
-          </p:cNvPr>
+          <p:cNvPr id="2" name="Date Placeholder 1"/>
           <p:cNvSpPr>
             <a:spLocks noGrp="1"/>
           </p:cNvSpPr>
@@ -2290,7 +4631,7 @@
           <a:p>
             <a:fld id="{8EE2664D-154C-4F8A-A3AF-BFCE5078DF3C}" type="datetimeFigureOut">
               <a:rPr kumimoji="1" lang="ja-JP" altLang="en-US" smtClean="0"/>
-              <a:t>2021/7/23</a:t>
+              <a:t>2021/7/26</a:t>
             </a:fld>
             <a:endParaRPr kumimoji="1" lang="ja-JP" altLang="en-US"/>
           </a:p>
@@ -2298,13 +4639,7 @@
       </p:sp>
       <p:sp>
         <p:nvSpPr>
-          <p:cNvPr id="3" name="フッター プレースホルダー 2">
-            <a:extLst>
-              <a:ext uri="{FF2B5EF4-FFF2-40B4-BE49-F238E27FC236}">
-                <a16:creationId xmlns:a16="http://schemas.microsoft.com/office/drawing/2014/main" id="{2A609D00-B55A-4259-855D-E369BB1FAD26}"/>
-              </a:ext>
-            </a:extLst>
-          </p:cNvPr>
+          <p:cNvPr id="3" name="Footer Placeholder 2"/>
           <p:cNvSpPr>
             <a:spLocks noGrp="1"/>
           </p:cNvSpPr>
@@ -2323,13 +4658,7 @@
       </p:sp>
       <p:sp>
         <p:nvSpPr>
-          <p:cNvPr id="4" name="スライド番号プレースホルダー 3">
-            <a:extLst>
-              <a:ext uri="{FF2B5EF4-FFF2-40B4-BE49-F238E27FC236}">
-                <a16:creationId xmlns:a16="http://schemas.microsoft.com/office/drawing/2014/main" id="{3F3AEDD1-4DC8-4D73-8E49-57F6D85DE6F7}"/>
-              </a:ext>
-            </a:extLst>
-          </p:cNvPr>
+          <p:cNvPr id="4" name="Slide Number Placeholder 3"/>
           <p:cNvSpPr>
             <a:spLocks noGrp="1"/>
           </p:cNvSpPr>
@@ -2353,7 +4682,7 @@
     </p:spTree>
     <p:extLst>
       <p:ext uri="{BB962C8B-B14F-4D97-AF65-F5344CB8AC3E}">
-        <p14:creationId xmlns:p14="http://schemas.microsoft.com/office/powerpoint/2010/main" val="2092416585"/>
+        <p14:creationId xmlns:p14="http://schemas.microsoft.com/office/powerpoint/2010/main" val="3324635016"/>
       </p:ext>
     </p:extLst>
   </p:cSld>
@@ -2382,13 +4711,7 @@
       </p:grpSpPr>
       <p:sp>
         <p:nvSpPr>
-          <p:cNvPr id="2" name="タイトル 1">
-            <a:extLst>
-              <a:ext uri="{FF2B5EF4-FFF2-40B4-BE49-F238E27FC236}">
-                <a16:creationId xmlns:a16="http://schemas.microsoft.com/office/drawing/2014/main" id="{8E082268-6591-4780-A105-7D7DC9783944}"/>
-              </a:ext>
-            </a:extLst>
-          </p:cNvPr>
+          <p:cNvPr id="2" name="Title 1"/>
           <p:cNvSpPr>
             <a:spLocks noGrp="1"/>
           </p:cNvSpPr>
@@ -2398,34 +4721,31 @@
         </p:nvSpPr>
         <p:spPr>
           <a:xfrm>
-            <a:off x="839788" y="457200"/>
-            <a:ext cx="3932237" cy="1600200"/>
+            <a:off x="917228" y="609600"/>
+            <a:ext cx="3932237" cy="2362200"/>
           </a:xfrm>
         </p:spPr>
         <p:txBody>
-          <a:bodyPr anchor="b"/>
+          <a:bodyPr anchor="b">
+            <a:normAutofit/>
+          </a:bodyPr>
           <a:lstStyle>
             <a:lvl1pPr>
-              <a:defRPr sz="3200"/>
+              <a:defRPr sz="2800"/>
             </a:lvl1pPr>
           </a:lstStyle>
           <a:p>
             <a:r>
-              <a:rPr kumimoji="1" lang="ja-JP" altLang="en-US"/>
+              <a:rPr lang="ja-JP" altLang="en-US"/>
               <a:t>マスター タイトルの書式設定</a:t>
             </a:r>
-          </a:p>
-        </p:txBody>
-      </p:sp>
-      <p:sp>
-        <p:nvSpPr>
-          <p:cNvPr id="3" name="コンテンツ プレースホルダー 2">
-            <a:extLst>
-              <a:ext uri="{FF2B5EF4-FFF2-40B4-BE49-F238E27FC236}">
-                <a16:creationId xmlns:a16="http://schemas.microsoft.com/office/drawing/2014/main" id="{F66786C7-64A6-4814-9F1D-903D250F01BE}"/>
-              </a:ext>
-            </a:extLst>
-          </p:cNvPr>
+            <a:endParaRPr lang="en-US" dirty="0"/>
+          </a:p>
+        </p:txBody>
+      </p:sp>
+      <p:sp>
+        <p:nvSpPr>
+          <p:cNvPr id="3" name="Content Placeholder 2"/>
           <p:cNvSpPr>
             <a:spLocks noGrp="1"/>
           </p:cNvSpPr>
@@ -2435,136 +4755,103 @@
         </p:nvSpPr>
         <p:spPr>
           <a:xfrm>
-            <a:off x="5183188" y="987425"/>
-            <a:ext cx="6172200" cy="4873625"/>
+            <a:off x="5078064" y="609600"/>
+            <a:ext cx="6189492" cy="5181600"/>
           </a:xfrm>
         </p:spPr>
         <p:txBody>
+          <a:bodyPr anchor="ctr"/>
+          <a:lstStyle/>
+          <a:p>
+            <a:pPr lvl="0"/>
+            <a:r>
+              <a:rPr lang="ja-JP" altLang="en-US"/>
+              <a:t>マスター テキストの書式設定</a:t>
+            </a:r>
+          </a:p>
+          <a:p>
+            <a:pPr lvl="1"/>
+            <a:r>
+              <a:rPr lang="ja-JP" altLang="en-US"/>
+              <a:t>第 </a:t>
+            </a:r>
+            <a:r>
+              <a:rPr lang="en-US" altLang="ja-JP"/>
+              <a:t>2 </a:t>
+            </a:r>
+            <a:r>
+              <a:rPr lang="ja-JP" altLang="en-US"/>
+              <a:t>レベル</a:t>
+            </a:r>
+          </a:p>
+          <a:p>
+            <a:pPr lvl="2"/>
+            <a:r>
+              <a:rPr lang="ja-JP" altLang="en-US"/>
+              <a:t>第 </a:t>
+            </a:r>
+            <a:r>
+              <a:rPr lang="en-US" altLang="ja-JP"/>
+              <a:t>3 </a:t>
+            </a:r>
+            <a:r>
+              <a:rPr lang="ja-JP" altLang="en-US"/>
+              <a:t>レベル</a:t>
+            </a:r>
+          </a:p>
+          <a:p>
+            <a:pPr lvl="3"/>
+            <a:r>
+              <a:rPr lang="ja-JP" altLang="en-US"/>
+              <a:t>第 </a:t>
+            </a:r>
+            <a:r>
+              <a:rPr lang="en-US" altLang="ja-JP"/>
+              <a:t>4 </a:t>
+            </a:r>
+            <a:r>
+              <a:rPr lang="ja-JP" altLang="en-US"/>
+              <a:t>レベル</a:t>
+            </a:r>
+          </a:p>
+          <a:p>
+            <a:pPr lvl="4"/>
+            <a:r>
+              <a:rPr lang="ja-JP" altLang="en-US"/>
+              <a:t>第 </a:t>
+            </a:r>
+            <a:r>
+              <a:rPr lang="en-US" altLang="ja-JP"/>
+              <a:t>5 </a:t>
+            </a:r>
+            <a:r>
+              <a:rPr lang="ja-JP" altLang="en-US"/>
+              <a:t>レベル</a:t>
+            </a:r>
+            <a:endParaRPr lang="en-US" dirty="0"/>
+          </a:p>
+        </p:txBody>
+      </p:sp>
+      <p:sp>
+        <p:nvSpPr>
+          <p:cNvPr id="4" name="Text Placeholder 3"/>
+          <p:cNvSpPr>
+            <a:spLocks noGrp="1"/>
+          </p:cNvSpPr>
+          <p:nvPr>
+            <p:ph type="body" sz="half" idx="2"/>
+          </p:nvPr>
+        </p:nvSpPr>
+        <p:spPr>
+          <a:xfrm>
+            <a:off x="917228" y="2971800"/>
+            <a:ext cx="3932237" cy="2819399"/>
+          </a:xfrm>
+        </p:spPr>
+        <p:txBody>
           <a:bodyPr/>
           <a:lstStyle>
-            <a:lvl1pPr>
-              <a:defRPr sz="3200"/>
-            </a:lvl1pPr>
-            <a:lvl2pPr>
-              <a:defRPr sz="2800"/>
-            </a:lvl2pPr>
-            <a:lvl3pPr>
-              <a:defRPr sz="2400"/>
-            </a:lvl3pPr>
-            <a:lvl4pPr>
-              <a:defRPr sz="2000"/>
-            </a:lvl4pPr>
-            <a:lvl5pPr>
-              <a:defRPr sz="2000"/>
-            </a:lvl5pPr>
-            <a:lvl6pPr>
-              <a:defRPr sz="2000"/>
-            </a:lvl6pPr>
-            <a:lvl7pPr>
-              <a:defRPr sz="2000"/>
-            </a:lvl7pPr>
-            <a:lvl8pPr>
-              <a:defRPr sz="2000"/>
-            </a:lvl8pPr>
-            <a:lvl9pPr>
-              <a:defRPr sz="2000"/>
-            </a:lvl9pPr>
-          </a:lstStyle>
-          <a:p>
-            <a:pPr lvl="0"/>
-            <a:r>
-              <a:rPr kumimoji="1" lang="ja-JP" altLang="en-US"/>
-              <a:t>マスター テキストの書式設定</a:t>
-            </a:r>
-          </a:p>
-          <a:p>
-            <a:pPr lvl="1"/>
-            <a:r>
-              <a:rPr kumimoji="1" lang="ja-JP" altLang="en-US"/>
-              <a:t>第 </a:t>
-            </a:r>
-            <a:r>
-              <a:rPr kumimoji="1" lang="en-US" altLang="ja-JP"/>
-              <a:t>2 </a:t>
-            </a:r>
-            <a:r>
-              <a:rPr kumimoji="1" lang="ja-JP" altLang="en-US"/>
-              <a:t>レベル</a:t>
-            </a:r>
-          </a:p>
-          <a:p>
-            <a:pPr lvl="2"/>
-            <a:r>
-              <a:rPr kumimoji="1" lang="ja-JP" altLang="en-US"/>
-              <a:t>第 </a:t>
-            </a:r>
-            <a:r>
-              <a:rPr kumimoji="1" lang="en-US" altLang="ja-JP"/>
-              <a:t>3 </a:t>
-            </a:r>
-            <a:r>
-              <a:rPr kumimoji="1" lang="ja-JP" altLang="en-US"/>
-              <a:t>レベル</a:t>
-            </a:r>
-          </a:p>
-          <a:p>
-            <a:pPr lvl="3"/>
-            <a:r>
-              <a:rPr kumimoji="1" lang="ja-JP" altLang="en-US"/>
-              <a:t>第 </a:t>
-            </a:r>
-            <a:r>
-              <a:rPr kumimoji="1" lang="en-US" altLang="ja-JP"/>
-              <a:t>4 </a:t>
-            </a:r>
-            <a:r>
-              <a:rPr kumimoji="1" lang="ja-JP" altLang="en-US"/>
-              <a:t>レベル</a:t>
-            </a:r>
-          </a:p>
-          <a:p>
-            <a:pPr lvl="4"/>
-            <a:r>
-              <a:rPr kumimoji="1" lang="ja-JP" altLang="en-US"/>
-              <a:t>第 </a:t>
-            </a:r>
-            <a:r>
-              <a:rPr kumimoji="1" lang="en-US" altLang="ja-JP"/>
-              <a:t>5 </a:t>
-            </a:r>
-            <a:r>
-              <a:rPr kumimoji="1" lang="ja-JP" altLang="en-US"/>
-              <a:t>レベル</a:t>
-            </a:r>
-          </a:p>
-        </p:txBody>
-      </p:sp>
-      <p:sp>
-        <p:nvSpPr>
-          <p:cNvPr id="4" name="テキスト プレースホルダー 3">
-            <a:extLst>
-              <a:ext uri="{FF2B5EF4-FFF2-40B4-BE49-F238E27FC236}">
-                <a16:creationId xmlns:a16="http://schemas.microsoft.com/office/drawing/2014/main" id="{081FC3D4-F2A6-44CF-B19C-30F50A2ED7AC}"/>
-              </a:ext>
-            </a:extLst>
-          </p:cNvPr>
-          <p:cNvSpPr>
-            <a:spLocks noGrp="1"/>
-          </p:cNvSpPr>
-          <p:nvPr>
-            <p:ph type="body" sz="half" idx="2"/>
-          </p:nvPr>
-        </p:nvSpPr>
-        <p:spPr>
-          <a:xfrm>
-            <a:off x="839788" y="2057400"/>
-            <a:ext cx="3932237" cy="3811588"/>
-          </a:xfrm>
-        </p:spPr>
-        <p:txBody>
-          <a:bodyPr/>
-          <a:lstStyle>
-            <a:lvl1pPr marL="0" indent="0">
+            <a:lvl1pPr marL="0" indent="0" algn="ctr">
               <a:buNone/>
               <a:defRPr sz="1600"/>
             </a:lvl1pPr>
@@ -2604,7 +4891,7 @@
           <a:p>
             <a:pPr lvl="0"/>
             <a:r>
-              <a:rPr kumimoji="1" lang="ja-JP" altLang="en-US"/>
+              <a:rPr lang="ja-JP" altLang="en-US"/>
               <a:t>マスター テキストの書式設定</a:t>
             </a:r>
           </a:p>
@@ -2612,13 +4899,7 @@
       </p:sp>
       <p:sp>
         <p:nvSpPr>
-          <p:cNvPr id="5" name="日付プレースホルダー 4">
-            <a:extLst>
-              <a:ext uri="{FF2B5EF4-FFF2-40B4-BE49-F238E27FC236}">
-                <a16:creationId xmlns:a16="http://schemas.microsoft.com/office/drawing/2014/main" id="{3C12ED44-05B2-41C1-A718-B85FFCFA77A5}"/>
-              </a:ext>
-            </a:extLst>
-          </p:cNvPr>
+          <p:cNvPr id="5" name="Date Placeholder 4"/>
           <p:cNvSpPr>
             <a:spLocks noGrp="1"/>
           </p:cNvSpPr>
@@ -2633,7 +4914,7 @@
           <a:p>
             <a:fld id="{8EE2664D-154C-4F8A-A3AF-BFCE5078DF3C}" type="datetimeFigureOut">
               <a:rPr kumimoji="1" lang="ja-JP" altLang="en-US" smtClean="0"/>
-              <a:t>2021/7/23</a:t>
+              <a:t>2021/7/26</a:t>
             </a:fld>
             <a:endParaRPr kumimoji="1" lang="ja-JP" altLang="en-US"/>
           </a:p>
@@ -2641,13 +4922,7 @@
       </p:sp>
       <p:sp>
         <p:nvSpPr>
-          <p:cNvPr id="6" name="フッター プレースホルダー 5">
-            <a:extLst>
-              <a:ext uri="{FF2B5EF4-FFF2-40B4-BE49-F238E27FC236}">
-                <a16:creationId xmlns:a16="http://schemas.microsoft.com/office/drawing/2014/main" id="{88980726-180E-43EE-82A5-1694A528D48C}"/>
-              </a:ext>
-            </a:extLst>
-          </p:cNvPr>
+          <p:cNvPr id="6" name="Footer Placeholder 5"/>
           <p:cNvSpPr>
             <a:spLocks noGrp="1"/>
           </p:cNvSpPr>
@@ -2666,13 +4941,7 @@
       </p:sp>
       <p:sp>
         <p:nvSpPr>
-          <p:cNvPr id="7" name="スライド番号プレースホルダー 6">
-            <a:extLst>
-              <a:ext uri="{FF2B5EF4-FFF2-40B4-BE49-F238E27FC236}">
-                <a16:creationId xmlns:a16="http://schemas.microsoft.com/office/drawing/2014/main" id="{0AACB32A-3F46-4BC7-9975-9AF597776F02}"/>
-              </a:ext>
-            </a:extLst>
-          </p:cNvPr>
+          <p:cNvPr id="7" name="Slide Number Placeholder 6"/>
           <p:cNvSpPr>
             <a:spLocks noGrp="1"/>
           </p:cNvSpPr>
@@ -2696,13 +4965,18 @@
     </p:spTree>
     <p:extLst>
       <p:ext uri="{BB962C8B-B14F-4D97-AF65-F5344CB8AC3E}">
-        <p14:creationId xmlns:p14="http://schemas.microsoft.com/office/powerpoint/2010/main" val="2647295812"/>
+        <p14:creationId xmlns:p14="http://schemas.microsoft.com/office/powerpoint/2010/main" val="1732297336"/>
       </p:ext>
     </p:extLst>
   </p:cSld>
   <p:clrMapOvr>
     <a:masterClrMapping/>
   </p:clrMapOvr>
+  <p:extLst>
+    <p:ext uri="{DCECCB84-F9BA-43D5-87BE-67443E8EF086}">
+      <p15:sldGuideLst xmlns:p15="http://schemas.microsoft.com/office/powerpoint/2012/main"/>
+    </p:ext>
+  </p:extLst>
 </p:sldLayout>
 </file>
 
@@ -2725,13 +4999,7 @@
       </p:grpSpPr>
       <p:sp>
         <p:nvSpPr>
-          <p:cNvPr id="2" name="タイトル 1">
-            <a:extLst>
-              <a:ext uri="{FF2B5EF4-FFF2-40B4-BE49-F238E27FC236}">
-                <a16:creationId xmlns:a16="http://schemas.microsoft.com/office/drawing/2014/main" id="{94011D52-8658-40B3-A5D8-CD4A9DBA079F}"/>
-              </a:ext>
-            </a:extLst>
-          </p:cNvPr>
+          <p:cNvPr id="2" name="Title 1"/>
           <p:cNvSpPr>
             <a:spLocks noGrp="1"/>
           </p:cNvSpPr>
@@ -2741,12 +5009,14 @@
         </p:nvSpPr>
         <p:spPr>
           <a:xfrm>
-            <a:off x="839788" y="457200"/>
-            <a:ext cx="3932237" cy="1600200"/>
+            <a:off x="917227" y="609600"/>
+            <a:ext cx="5929773" cy="2362200"/>
           </a:xfrm>
         </p:spPr>
         <p:txBody>
-          <a:bodyPr anchor="b"/>
+          <a:bodyPr anchor="b">
+            <a:normAutofit/>
+          </a:bodyPr>
           <a:lstStyle>
             <a:lvl1pPr>
               <a:defRPr sz="3200"/>
@@ -2754,23 +5024,18 @@
           </a:lstStyle>
           <a:p>
             <a:r>
-              <a:rPr kumimoji="1" lang="ja-JP" altLang="en-US"/>
+              <a:rPr lang="ja-JP" altLang="en-US"/>
               <a:t>マスター タイトルの書式設定</a:t>
             </a:r>
-          </a:p>
-        </p:txBody>
-      </p:sp>
-      <p:sp>
-        <p:nvSpPr>
-          <p:cNvPr id="3" name="図プレースホルダー 2">
-            <a:extLst>
-              <a:ext uri="{FF2B5EF4-FFF2-40B4-BE49-F238E27FC236}">
-                <a16:creationId xmlns:a16="http://schemas.microsoft.com/office/drawing/2014/main" id="{76DB7073-9C8B-43A5-81CA-60E229FDE263}"/>
-              </a:ext>
-            </a:extLst>
-          </p:cNvPr>
-          <p:cNvSpPr>
-            <a:spLocks noGrp="1"/>
+            <a:endParaRPr lang="en-US" dirty="0"/>
+          </a:p>
+        </p:txBody>
+      </p:sp>
+      <p:sp>
+        <p:nvSpPr>
+          <p:cNvPr id="3" name="Picture Placeholder 2"/>
+          <p:cNvSpPr>
+            <a:spLocks noGrp="1" noChangeAspect="1"/>
           </p:cNvSpPr>
           <p:nvPr>
             <p:ph type="pic" idx="1"/>
@@ -2778,14 +5043,40 @@
         </p:nvSpPr>
         <p:spPr>
           <a:xfrm>
-            <a:off x="5183188" y="987425"/>
-            <a:ext cx="6172200" cy="4873625"/>
+            <a:off x="7424804" y="758881"/>
+            <a:ext cx="3255356" cy="4883038"/>
           </a:xfrm>
+          <a:noFill/>
+          <a:ln w="190500" cap="sq">
+            <a:solidFill>
+              <a:srgbClr val="FFFFFF"/>
+            </a:solidFill>
+            <a:miter lim="800000"/>
+          </a:ln>
+          <a:effectLst>
+            <a:outerShdw blurRad="55000" dist="18000" dir="5400000" algn="tl" rotWithShape="0">
+              <a:srgbClr val="000000">
+                <a:alpha val="40000"/>
+              </a:srgbClr>
+            </a:outerShdw>
+          </a:effectLst>
+          <a:scene3d>
+            <a:camera prst="orthographicFront"/>
+            <a:lightRig rig="twoPt" dir="t">
+              <a:rot lat="0" lon="0" rev="7200000"/>
+            </a:lightRig>
+          </a:scene3d>
+          <a:sp3d>
+            <a:bevelT w="25400" h="19050"/>
+            <a:contourClr>
+              <a:srgbClr val="FFFFFF"/>
+            </a:contourClr>
+          </a:sp3d>
         </p:spPr>
         <p:txBody>
-          <a:bodyPr/>
+          <a:bodyPr anchor="t"/>
           <a:lstStyle>
-            <a:lvl1pPr marL="0" indent="0">
+            <a:lvl1pPr marL="0" indent="0" algn="ctr">
               <a:buNone/>
               <a:defRPr sz="3200"/>
             </a:lvl1pPr>
@@ -2823,19 +5114,17 @@
             </a:lvl9pPr>
           </a:lstStyle>
           <a:p>
-            <a:endParaRPr kumimoji="1" lang="ja-JP" altLang="en-US"/>
-          </a:p>
-        </p:txBody>
-      </p:sp>
-      <p:sp>
-        <p:nvSpPr>
-          <p:cNvPr id="4" name="テキスト プレースホルダー 3">
-            <a:extLst>
-              <a:ext uri="{FF2B5EF4-FFF2-40B4-BE49-F238E27FC236}">
-                <a16:creationId xmlns:a16="http://schemas.microsoft.com/office/drawing/2014/main" id="{F849E613-469D-49E3-9B61-E41C358B1BB6}"/>
-              </a:ext>
-            </a:extLst>
-          </p:cNvPr>
+            <a:r>
+              <a:rPr lang="ja-JP" altLang="en-US"/>
+              <a:t>アイコンをクリックして図を追加</a:t>
+            </a:r>
+            <a:endParaRPr lang="en-US" dirty="0"/>
+          </a:p>
+        </p:txBody>
+      </p:sp>
+      <p:sp>
+        <p:nvSpPr>
+          <p:cNvPr id="4" name="Text Placeholder 3"/>
           <p:cNvSpPr>
             <a:spLocks noGrp="1"/>
           </p:cNvSpPr>
@@ -2845,16 +5134,18 @@
         </p:nvSpPr>
         <p:spPr>
           <a:xfrm>
-            <a:off x="839788" y="2057400"/>
-            <a:ext cx="3932237" cy="3811588"/>
+            <a:off x="913794" y="2971800"/>
+            <a:ext cx="5934950" cy="2819400"/>
           </a:xfrm>
         </p:spPr>
         <p:txBody>
-          <a:bodyPr/>
+          <a:bodyPr>
+            <a:normAutofit/>
+          </a:bodyPr>
           <a:lstStyle>
-            <a:lvl1pPr marL="0" indent="0">
-              <a:buNone/>
-              <a:defRPr sz="1600"/>
+            <a:lvl1pPr marL="0" indent="0" algn="ctr">
+              <a:buNone/>
+              <a:defRPr sz="1800"/>
             </a:lvl1pPr>
             <a:lvl2pPr marL="457200" indent="0">
               <a:buNone/>
@@ -2892,7 +5183,7 @@
           <a:p>
             <a:pPr lvl="0"/>
             <a:r>
-              <a:rPr kumimoji="1" lang="ja-JP" altLang="en-US"/>
+              <a:rPr lang="ja-JP" altLang="en-US"/>
               <a:t>マスター テキストの書式設定</a:t>
             </a:r>
           </a:p>
@@ -2900,13 +5191,7 @@
       </p:sp>
       <p:sp>
         <p:nvSpPr>
-          <p:cNvPr id="5" name="日付プレースホルダー 4">
-            <a:extLst>
-              <a:ext uri="{FF2B5EF4-FFF2-40B4-BE49-F238E27FC236}">
-                <a16:creationId xmlns:a16="http://schemas.microsoft.com/office/drawing/2014/main" id="{1DD3B6BC-D76E-4666-8EF9-FB1974025A2E}"/>
-              </a:ext>
-            </a:extLst>
-          </p:cNvPr>
+          <p:cNvPr id="5" name="Date Placeholder 4"/>
           <p:cNvSpPr>
             <a:spLocks noGrp="1"/>
           </p:cNvSpPr>
@@ -2921,7 +5206,7 @@
           <a:p>
             <a:fld id="{8EE2664D-154C-4F8A-A3AF-BFCE5078DF3C}" type="datetimeFigureOut">
               <a:rPr kumimoji="1" lang="ja-JP" altLang="en-US" smtClean="0"/>
-              <a:t>2021/7/23</a:t>
+              <a:t>2021/7/26</a:t>
             </a:fld>
             <a:endParaRPr kumimoji="1" lang="ja-JP" altLang="en-US"/>
           </a:p>
@@ -2929,13 +5214,7 @@
       </p:sp>
       <p:sp>
         <p:nvSpPr>
-          <p:cNvPr id="6" name="フッター プレースホルダー 5">
-            <a:extLst>
-              <a:ext uri="{FF2B5EF4-FFF2-40B4-BE49-F238E27FC236}">
-                <a16:creationId xmlns:a16="http://schemas.microsoft.com/office/drawing/2014/main" id="{F79DF346-CFCA-4DD8-B10A-635FC886BEFE}"/>
-              </a:ext>
-            </a:extLst>
-          </p:cNvPr>
+          <p:cNvPr id="6" name="Footer Placeholder 5"/>
           <p:cNvSpPr>
             <a:spLocks noGrp="1"/>
           </p:cNvSpPr>
@@ -2954,13 +5233,7 @@
       </p:sp>
       <p:sp>
         <p:nvSpPr>
-          <p:cNvPr id="7" name="スライド番号プレースホルダー 6">
-            <a:extLst>
-              <a:ext uri="{FF2B5EF4-FFF2-40B4-BE49-F238E27FC236}">
-                <a16:creationId xmlns:a16="http://schemas.microsoft.com/office/drawing/2014/main" id="{C0891571-8921-4E5C-A4D8-DAA03E242D55}"/>
-              </a:ext>
-            </a:extLst>
-          </p:cNvPr>
+          <p:cNvPr id="7" name="Slide Number Placeholder 6"/>
           <p:cNvSpPr>
             <a:spLocks noGrp="1"/>
           </p:cNvSpPr>
@@ -2984,7 +5257,7 @@
     </p:spTree>
     <p:extLst>
       <p:ext uri="{BB962C8B-B14F-4D97-AF65-F5344CB8AC3E}">
-        <p14:creationId xmlns:p14="http://schemas.microsoft.com/office/powerpoint/2010/main" val="2404520222"/>
+        <p14:creationId xmlns:p14="http://schemas.microsoft.com/office/powerpoint/2010/main" val="2582168860"/>
       </p:ext>
     </p:extLst>
   </p:cSld>
@@ -2998,8 +5271,8 @@
 <p:sldMaster xmlns:a="http://schemas.openxmlformats.org/drawingml/2006/main" xmlns:r="http://schemas.openxmlformats.org/officeDocument/2006/relationships" xmlns:p="http://schemas.openxmlformats.org/presentationml/2006/main">
   <p:cSld>
     <p:bg>
-      <p:bgRef idx="1001">
-        <a:schemeClr val="bg1"/>
+      <p:bgRef idx="1003">
+        <a:schemeClr val="bg2"/>
       </p:bgRef>
     </p:bg>
     <p:spTree>
@@ -3018,13 +5291,7 @@
       </p:grpSpPr>
       <p:sp>
         <p:nvSpPr>
-          <p:cNvPr id="2" name="タイトル プレースホルダー 1">
-            <a:extLst>
-              <a:ext uri="{FF2B5EF4-FFF2-40B4-BE49-F238E27FC236}">
-                <a16:creationId xmlns:a16="http://schemas.microsoft.com/office/drawing/2014/main" id="{6A5191BD-870D-4357-AF6E-5A48A13C1C2C}"/>
-              </a:ext>
-            </a:extLst>
-          </p:cNvPr>
+          <p:cNvPr id="2" name="Title Placeholder 1"/>
           <p:cNvSpPr>
             <a:spLocks noGrp="1"/>
           </p:cNvSpPr>
@@ -3034,8 +5301,8 @@
         </p:nvSpPr>
         <p:spPr>
           <a:xfrm>
-            <a:off x="838200" y="365125"/>
-            <a:ext cx="10515600" cy="1325563"/>
+            <a:off x="913795" y="609600"/>
+            <a:ext cx="10353761" cy="1326321"/>
           </a:xfrm>
           <a:prstGeom prst="rect">
             <a:avLst/>
@@ -3048,21 +5315,16 @@
           <a:lstStyle/>
           <a:p>
             <a:r>
-              <a:rPr kumimoji="1" lang="ja-JP" altLang="en-US"/>
+              <a:rPr lang="ja-JP" altLang="en-US"/>
               <a:t>マスター タイトルの書式設定</a:t>
             </a:r>
-          </a:p>
-        </p:txBody>
-      </p:sp>
-      <p:sp>
-        <p:nvSpPr>
-          <p:cNvPr id="3" name="テキスト プレースホルダー 2">
-            <a:extLst>
-              <a:ext uri="{FF2B5EF4-FFF2-40B4-BE49-F238E27FC236}">
-                <a16:creationId xmlns:a16="http://schemas.microsoft.com/office/drawing/2014/main" id="{2D5F6731-0DFE-4150-9538-F09314C37071}"/>
-              </a:ext>
-            </a:extLst>
-          </p:cNvPr>
+            <a:endParaRPr lang="en-US" dirty="0"/>
+          </a:p>
+        </p:txBody>
+      </p:sp>
+      <p:sp>
+        <p:nvSpPr>
+          <p:cNvPr id="3" name="Text Placeholder 2"/>
           <p:cNvSpPr>
             <a:spLocks noGrp="1"/>
           </p:cNvSpPr>
@@ -3072,8 +5334,8 @@
         </p:nvSpPr>
         <p:spPr>
           <a:xfrm>
-            <a:off x="838200" y="1825625"/>
-            <a:ext cx="10515600" cy="4351338"/>
+            <a:off x="913795" y="2096064"/>
+            <a:ext cx="10353762" cy="3695136"/>
           </a:xfrm>
           <a:prstGeom prst="rect">
             <a:avLst/>
@@ -3087,81 +5349,76 @@
           <a:p>
             <a:pPr lvl="0"/>
             <a:r>
-              <a:rPr kumimoji="1" lang="ja-JP" altLang="en-US"/>
+              <a:rPr lang="ja-JP" altLang="en-US"/>
               <a:t>マスター テキストの書式設定</a:t>
             </a:r>
           </a:p>
           <a:p>
             <a:pPr lvl="1"/>
             <a:r>
-              <a:rPr kumimoji="1" lang="ja-JP" altLang="en-US"/>
+              <a:rPr lang="ja-JP" altLang="en-US"/>
               <a:t>第 </a:t>
             </a:r>
             <a:r>
-              <a:rPr kumimoji="1" lang="en-US" altLang="ja-JP"/>
+              <a:rPr lang="en-US" altLang="ja-JP"/>
               <a:t>2 </a:t>
             </a:r>
             <a:r>
-              <a:rPr kumimoji="1" lang="ja-JP" altLang="en-US"/>
+              <a:rPr lang="ja-JP" altLang="en-US"/>
               <a:t>レベル</a:t>
             </a:r>
           </a:p>
           <a:p>
             <a:pPr lvl="2"/>
             <a:r>
-              <a:rPr kumimoji="1" lang="ja-JP" altLang="en-US"/>
+              <a:rPr lang="ja-JP" altLang="en-US"/>
               <a:t>第 </a:t>
             </a:r>
             <a:r>
-              <a:rPr kumimoji="1" lang="en-US" altLang="ja-JP"/>
+              <a:rPr lang="en-US" altLang="ja-JP"/>
               <a:t>3 </a:t>
             </a:r>
             <a:r>
-              <a:rPr kumimoji="1" lang="ja-JP" altLang="en-US"/>
+              <a:rPr lang="ja-JP" altLang="en-US"/>
               <a:t>レベル</a:t>
             </a:r>
           </a:p>
           <a:p>
             <a:pPr lvl="3"/>
             <a:r>
-              <a:rPr kumimoji="1" lang="ja-JP" altLang="en-US"/>
+              <a:rPr lang="ja-JP" altLang="en-US"/>
               <a:t>第 </a:t>
             </a:r>
             <a:r>
-              <a:rPr kumimoji="1" lang="en-US" altLang="ja-JP"/>
+              <a:rPr lang="en-US" altLang="ja-JP"/>
               <a:t>4 </a:t>
             </a:r>
             <a:r>
-              <a:rPr kumimoji="1" lang="ja-JP" altLang="en-US"/>
+              <a:rPr lang="ja-JP" altLang="en-US"/>
               <a:t>レベル</a:t>
             </a:r>
           </a:p>
           <a:p>
             <a:pPr lvl="4"/>
             <a:r>
-              <a:rPr kumimoji="1" lang="ja-JP" altLang="en-US"/>
+              <a:rPr lang="ja-JP" altLang="en-US"/>
               <a:t>第 </a:t>
             </a:r>
             <a:r>
-              <a:rPr kumimoji="1" lang="en-US" altLang="ja-JP"/>
+              <a:rPr lang="en-US" altLang="ja-JP"/>
               <a:t>5 </a:t>
             </a:r>
             <a:r>
-              <a:rPr kumimoji="1" lang="ja-JP" altLang="en-US"/>
+              <a:rPr lang="ja-JP" altLang="en-US"/>
               <a:t>レベル</a:t>
             </a:r>
-          </a:p>
-        </p:txBody>
-      </p:sp>
-      <p:sp>
-        <p:nvSpPr>
-          <p:cNvPr id="4" name="日付プレースホルダー 3">
-            <a:extLst>
-              <a:ext uri="{FF2B5EF4-FFF2-40B4-BE49-F238E27FC236}">
-                <a16:creationId xmlns:a16="http://schemas.microsoft.com/office/drawing/2014/main" id="{B9683B3F-7430-4380-9221-F8F46E32804D}"/>
-              </a:ext>
-            </a:extLst>
-          </p:cNvPr>
+            <a:endParaRPr lang="en-US" dirty="0"/>
+          </a:p>
+        </p:txBody>
+      </p:sp>
+      <p:sp>
+        <p:nvSpPr>
+          <p:cNvPr id="4" name="Date Placeholder 3"/>
           <p:cNvSpPr>
             <a:spLocks noGrp="1"/>
           </p:cNvSpPr>
@@ -3171,7 +5428,7 @@
         </p:nvSpPr>
         <p:spPr>
           <a:xfrm>
-            <a:off x="838200" y="6356350"/>
+            <a:off x="7678736" y="5883275"/>
             <a:ext cx="2743200" cy="365125"/>
           </a:xfrm>
           <a:prstGeom prst="rect">
@@ -3181,8 +5438,8 @@
         <p:txBody>
           <a:bodyPr vert="horz" lIns="91440" tIns="45720" rIns="91440" bIns="45720" rtlCol="0" anchor="ctr"/>
           <a:lstStyle>
-            <a:lvl1pPr algn="l">
-              <a:defRPr sz="1200">
+            <a:lvl1pPr algn="r">
+              <a:defRPr sz="1000">
                 <a:solidFill>
                   <a:schemeClr val="tx1">
                     <a:tint val="75000"/>
@@ -3194,7 +5451,7 @@
           <a:p>
             <a:fld id="{8EE2664D-154C-4F8A-A3AF-BFCE5078DF3C}" type="datetimeFigureOut">
               <a:rPr kumimoji="1" lang="ja-JP" altLang="en-US" smtClean="0"/>
-              <a:t>2021/7/23</a:t>
+              <a:t>2021/7/26</a:t>
             </a:fld>
             <a:endParaRPr kumimoji="1" lang="ja-JP" altLang="en-US"/>
           </a:p>
@@ -3202,13 +5459,7 @@
       </p:sp>
       <p:sp>
         <p:nvSpPr>
-          <p:cNvPr id="5" name="フッター プレースホルダー 4">
-            <a:extLst>
-              <a:ext uri="{FF2B5EF4-FFF2-40B4-BE49-F238E27FC236}">
-                <a16:creationId xmlns:a16="http://schemas.microsoft.com/office/drawing/2014/main" id="{784C81AE-62A0-4815-A5E7-CC851DCA7C38}"/>
-              </a:ext>
-            </a:extLst>
-          </p:cNvPr>
+          <p:cNvPr id="5" name="Footer Placeholder 4"/>
           <p:cNvSpPr>
             <a:spLocks noGrp="1"/>
           </p:cNvSpPr>
@@ -3218,8 +5469,8 @@
         </p:nvSpPr>
         <p:spPr>
           <a:xfrm>
-            <a:off x="4038600" y="6356350"/>
-            <a:ext cx="4114800" cy="365125"/>
+            <a:off x="913794" y="5883275"/>
+            <a:ext cx="6672865" cy="365125"/>
           </a:xfrm>
           <a:prstGeom prst="rect">
             <a:avLst/>
@@ -3228,8 +5479,8 @@
         <p:txBody>
           <a:bodyPr vert="horz" lIns="91440" tIns="45720" rIns="91440" bIns="45720" rtlCol="0" anchor="ctr"/>
           <a:lstStyle>
-            <a:lvl1pPr algn="ctr">
-              <a:defRPr sz="1200">
+            <a:lvl1pPr algn="l">
+              <a:defRPr sz="1000">
                 <a:solidFill>
                   <a:schemeClr val="tx1">
                     <a:tint val="75000"/>
@@ -3245,13 +5496,7 @@
       </p:sp>
       <p:sp>
         <p:nvSpPr>
-          <p:cNvPr id="6" name="スライド番号プレースホルダー 5">
-            <a:extLst>
-              <a:ext uri="{FF2B5EF4-FFF2-40B4-BE49-F238E27FC236}">
-                <a16:creationId xmlns:a16="http://schemas.microsoft.com/office/drawing/2014/main" id="{A234A55A-5311-47E5-AE68-A74BA3BF3E4D}"/>
-              </a:ext>
-            </a:extLst>
-          </p:cNvPr>
+          <p:cNvPr id="6" name="Slide Number Placeholder 5"/>
           <p:cNvSpPr>
             <a:spLocks noGrp="1"/>
           </p:cNvSpPr>
@@ -3261,8 +5506,8 @@
         </p:nvSpPr>
         <p:spPr>
           <a:xfrm>
-            <a:off x="8610600" y="6356350"/>
-            <a:ext cx="2743200" cy="365125"/>
+            <a:off x="10514011" y="5883275"/>
+            <a:ext cx="753545" cy="365125"/>
           </a:xfrm>
           <a:prstGeom prst="rect">
             <a:avLst/>
@@ -3272,7 +5517,7 @@
           <a:bodyPr vert="horz" lIns="91440" tIns="45720" rIns="91440" bIns="45720" rtlCol="0" anchor="ctr"/>
           <a:lstStyle>
             <a:lvl1pPr algn="r">
-              <a:defRPr sz="1200">
+              <a:defRPr sz="1000">
                 <a:solidFill>
                   <a:schemeClr val="tx1">
                     <a:tint val="75000"/>
@@ -3293,27 +5538,33 @@
     </p:spTree>
     <p:extLst>
       <p:ext uri="{BB962C8B-B14F-4D97-AF65-F5344CB8AC3E}">
-        <p14:creationId xmlns:p14="http://schemas.microsoft.com/office/powerpoint/2010/main" val="720999033"/>
+        <p14:creationId xmlns:p14="http://schemas.microsoft.com/office/powerpoint/2010/main" val="2559272113"/>
       </p:ext>
     </p:extLst>
   </p:cSld>
-  <p:clrMap bg1="lt1" tx1="dk1" bg2="lt2" tx2="dk2" accent1="accent1" accent2="accent2" accent3="accent3" accent4="accent4" accent5="accent5" accent6="accent6" hlink="hlink" folHlink="folHlink"/>
+  <p:clrMap bg1="dk1" tx1="lt1" bg2="dk2" tx2="lt2" accent1="accent1" accent2="accent2" accent3="accent3" accent4="accent4" accent5="accent5" accent6="accent6" hlink="hlink" folHlink="folHlink"/>
   <p:sldLayoutIdLst>
-    <p:sldLayoutId id="2147483649" r:id="rId1"/>
-    <p:sldLayoutId id="2147483650" r:id="rId2"/>
-    <p:sldLayoutId id="2147483651" r:id="rId3"/>
-    <p:sldLayoutId id="2147483652" r:id="rId4"/>
-    <p:sldLayoutId id="2147483653" r:id="rId5"/>
-    <p:sldLayoutId id="2147483654" r:id="rId6"/>
-    <p:sldLayoutId id="2147483655" r:id="rId7"/>
-    <p:sldLayoutId id="2147483656" r:id="rId8"/>
-    <p:sldLayoutId id="2147483657" r:id="rId9"/>
-    <p:sldLayoutId id="2147483658" r:id="rId10"/>
-    <p:sldLayoutId id="2147483659" r:id="rId11"/>
+    <p:sldLayoutId id="2147484013" r:id="rId1"/>
+    <p:sldLayoutId id="2147484014" r:id="rId2"/>
+    <p:sldLayoutId id="2147484015" r:id="rId3"/>
+    <p:sldLayoutId id="2147484016" r:id="rId4"/>
+    <p:sldLayoutId id="2147484017" r:id="rId5"/>
+    <p:sldLayoutId id="2147484018" r:id="rId6"/>
+    <p:sldLayoutId id="2147484019" r:id="rId7"/>
+    <p:sldLayoutId id="2147484020" r:id="rId8"/>
+    <p:sldLayoutId id="2147484021" r:id="rId9"/>
+    <p:sldLayoutId id="2147484022" r:id="rId10"/>
+    <p:sldLayoutId id="2147484023" r:id="rId11"/>
+    <p:sldLayoutId id="2147484024" r:id="rId12"/>
+    <p:sldLayoutId id="2147484025" r:id="rId13"/>
+    <p:sldLayoutId id="2147484026" r:id="rId14"/>
+    <p:sldLayoutId id="2147484027" r:id="rId15"/>
+    <p:sldLayoutId id="2147484028" r:id="rId16"/>
+    <p:sldLayoutId id="2147484029" r:id="rId17"/>
   </p:sldLayoutIdLst>
   <p:txStyles>
     <p:titleStyle>
-      <a:lvl1pPr algn="l" defTabSz="914400" rtl="0" eaLnBrk="1" latinLnBrk="0" hangingPunct="1">
+      <a:lvl1pPr algn="ctr" defTabSz="914400" rtl="0" eaLnBrk="1" latinLnBrk="0" hangingPunct="1">
         <a:lnSpc>
           <a:spcPct val="90000"/>
         </a:lnSpc>
@@ -3321,10 +5572,17 @@
           <a:spcPct val="0"/>
         </a:spcBef>
         <a:buNone/>
-        <a:defRPr kumimoji="1" sz="4400" kern="1200">
+        <a:defRPr kumimoji="1" sz="3400" b="1" i="0" kern="1200" cap="all">
           <a:solidFill>
             <a:schemeClr val="tx1"/>
           </a:solidFill>
+          <a:effectLst>
+            <a:outerShdw blurRad="50800" dist="63500" dir="2700000" algn="tl" rotWithShape="0">
+              <a:srgbClr val="000000">
+                <a:alpha val="48000"/>
+              </a:srgbClr>
+            </a:outerShdw>
+          </a:effectLst>
           <a:latin typeface="+mj-lt"/>
           <a:ea typeface="+mj-ea"/>
           <a:cs typeface="+mj-cs"/>
@@ -3334,17 +5592,24 @@
     <p:bodyStyle>
       <a:lvl1pPr marL="228600" indent="-228600" algn="l" defTabSz="914400" rtl="0" eaLnBrk="1" latinLnBrk="0" hangingPunct="1">
         <a:lnSpc>
-          <a:spcPct val="90000"/>
+          <a:spcPct val="120000"/>
         </a:lnSpc>
         <a:spcBef>
           <a:spcPts val="1000"/>
         </a:spcBef>
         <a:buFont typeface="Arial" panose="020B0604020202020204" pitchFamily="34" charset="0"/>
         <a:buChar char="•"/>
-        <a:defRPr kumimoji="1" sz="2800" kern="1200">
+        <a:defRPr kumimoji="1" sz="2000" kern="1200">
           <a:solidFill>
             <a:schemeClr val="tx1"/>
           </a:solidFill>
+          <a:effectLst>
+            <a:outerShdw blurRad="50800" dist="38100" dir="2700000" algn="tl" rotWithShape="0">
+              <a:srgbClr val="000000">
+                <a:alpha val="48000"/>
+              </a:srgbClr>
+            </a:outerShdw>
+          </a:effectLst>
           <a:latin typeface="+mn-lt"/>
           <a:ea typeface="+mn-ea"/>
           <a:cs typeface="+mn-cs"/>
@@ -3352,43 +5617,7 @@
       </a:lvl1pPr>
       <a:lvl2pPr marL="685800" indent="-228600" algn="l" defTabSz="914400" rtl="0" eaLnBrk="1" latinLnBrk="0" hangingPunct="1">
         <a:lnSpc>
-          <a:spcPct val="90000"/>
-        </a:lnSpc>
-        <a:spcBef>
-          <a:spcPts val="500"/>
-        </a:spcBef>
-        <a:buFont typeface="Arial" panose="020B0604020202020204" pitchFamily="34" charset="0"/>
-        <a:buChar char="•"/>
-        <a:defRPr kumimoji="1" sz="2400" kern="1200">
-          <a:solidFill>
-            <a:schemeClr val="tx1"/>
-          </a:solidFill>
-          <a:latin typeface="+mn-lt"/>
-          <a:ea typeface="+mn-ea"/>
-          <a:cs typeface="+mn-cs"/>
-        </a:defRPr>
-      </a:lvl2pPr>
-      <a:lvl3pPr marL="1143000" indent="-228600" algn="l" defTabSz="914400" rtl="0" eaLnBrk="1" latinLnBrk="0" hangingPunct="1">
-        <a:lnSpc>
-          <a:spcPct val="90000"/>
-        </a:lnSpc>
-        <a:spcBef>
-          <a:spcPts val="500"/>
-        </a:spcBef>
-        <a:buFont typeface="Arial" panose="020B0604020202020204" pitchFamily="34" charset="0"/>
-        <a:buChar char="•"/>
-        <a:defRPr kumimoji="1" sz="2000" kern="1200">
-          <a:solidFill>
-            <a:schemeClr val="tx1"/>
-          </a:solidFill>
-          <a:latin typeface="+mn-lt"/>
-          <a:ea typeface="+mn-ea"/>
-          <a:cs typeface="+mn-cs"/>
-        </a:defRPr>
-      </a:lvl3pPr>
-      <a:lvl4pPr marL="1600200" indent="-228600" algn="l" defTabSz="914400" rtl="0" eaLnBrk="1" latinLnBrk="0" hangingPunct="1">
-        <a:lnSpc>
-          <a:spcPct val="90000"/>
+          <a:spcPct val="120000"/>
         </a:lnSpc>
         <a:spcBef>
           <a:spcPts val="500"/>
@@ -3399,6 +5628,63 @@
           <a:solidFill>
             <a:schemeClr val="tx1"/>
           </a:solidFill>
+          <a:effectLst>
+            <a:outerShdw blurRad="50800" dist="38100" dir="2700000" algn="tl" rotWithShape="0">
+              <a:srgbClr val="000000">
+                <a:alpha val="48000"/>
+              </a:srgbClr>
+            </a:outerShdw>
+          </a:effectLst>
+          <a:latin typeface="+mn-lt"/>
+          <a:ea typeface="+mn-ea"/>
+          <a:cs typeface="+mn-cs"/>
+        </a:defRPr>
+      </a:lvl2pPr>
+      <a:lvl3pPr marL="1143000" indent="-228600" algn="l" defTabSz="914400" rtl="0" eaLnBrk="1" latinLnBrk="0" hangingPunct="1">
+        <a:lnSpc>
+          <a:spcPct val="120000"/>
+        </a:lnSpc>
+        <a:spcBef>
+          <a:spcPts val="500"/>
+        </a:spcBef>
+        <a:buFont typeface="Arial" panose="020B0604020202020204" pitchFamily="34" charset="0"/>
+        <a:buChar char="•"/>
+        <a:defRPr kumimoji="1" sz="1600" kern="1200">
+          <a:solidFill>
+            <a:schemeClr val="tx1"/>
+          </a:solidFill>
+          <a:effectLst>
+            <a:outerShdw blurRad="50800" dist="38100" dir="2700000" algn="tl" rotWithShape="0">
+              <a:srgbClr val="000000">
+                <a:alpha val="48000"/>
+              </a:srgbClr>
+            </a:outerShdw>
+          </a:effectLst>
+          <a:latin typeface="+mn-lt"/>
+          <a:ea typeface="+mn-ea"/>
+          <a:cs typeface="+mn-cs"/>
+        </a:defRPr>
+      </a:lvl3pPr>
+      <a:lvl4pPr marL="1600200" indent="-228600" algn="l" defTabSz="914400" rtl="0" eaLnBrk="1" latinLnBrk="0" hangingPunct="1">
+        <a:lnSpc>
+          <a:spcPct val="120000"/>
+        </a:lnSpc>
+        <a:spcBef>
+          <a:spcPts val="500"/>
+        </a:spcBef>
+        <a:buFont typeface="Arial" panose="020B0604020202020204" pitchFamily="34" charset="0"/>
+        <a:buChar char="•"/>
+        <a:defRPr kumimoji="1" sz="1400" kern="1200">
+          <a:solidFill>
+            <a:schemeClr val="tx1"/>
+          </a:solidFill>
+          <a:effectLst>
+            <a:outerShdw blurRad="50800" dist="38100" dir="2700000" algn="tl" rotWithShape="0">
+              <a:srgbClr val="000000">
+                <a:alpha val="48000"/>
+              </a:srgbClr>
+            </a:outerShdw>
+          </a:effectLst>
           <a:latin typeface="+mn-lt"/>
           <a:ea typeface="+mn-ea"/>
           <a:cs typeface="+mn-cs"/>
@@ -3406,17 +5692,24 @@
       </a:lvl4pPr>
       <a:lvl5pPr marL="2057400" indent="-228600" algn="l" defTabSz="914400" rtl="0" eaLnBrk="1" latinLnBrk="0" hangingPunct="1">
         <a:lnSpc>
-          <a:spcPct val="90000"/>
+          <a:spcPct val="120000"/>
         </a:lnSpc>
         <a:spcBef>
           <a:spcPts val="500"/>
         </a:spcBef>
         <a:buFont typeface="Arial" panose="020B0604020202020204" pitchFamily="34" charset="0"/>
         <a:buChar char="•"/>
-        <a:defRPr kumimoji="1" sz="1800" kern="1200">
+        <a:defRPr kumimoji="1" sz="1200" kern="1200">
           <a:solidFill>
             <a:schemeClr val="tx1"/>
           </a:solidFill>
+          <a:effectLst>
+            <a:outerShdw blurRad="50800" dist="38100" dir="2700000" algn="tl" rotWithShape="0">
+              <a:srgbClr val="000000">
+                <a:alpha val="48000"/>
+              </a:srgbClr>
+            </a:outerShdw>
+          </a:effectLst>
           <a:latin typeface="+mn-lt"/>
           <a:ea typeface="+mn-ea"/>
           <a:cs typeface="+mn-cs"/>
@@ -3424,17 +5717,24 @@
       </a:lvl5pPr>
       <a:lvl6pPr marL="2514600" indent="-228600" algn="l" defTabSz="914400" rtl="0" eaLnBrk="1" latinLnBrk="0" hangingPunct="1">
         <a:lnSpc>
-          <a:spcPct val="90000"/>
+          <a:spcPct val="120000"/>
         </a:lnSpc>
         <a:spcBef>
           <a:spcPts val="500"/>
         </a:spcBef>
         <a:buFont typeface="Arial" panose="020B0604020202020204" pitchFamily="34" charset="0"/>
         <a:buChar char="•"/>
-        <a:defRPr kumimoji="1" sz="1800" kern="1200">
+        <a:defRPr kumimoji="1" sz="1200" kern="1200">
           <a:solidFill>
             <a:schemeClr val="tx1"/>
           </a:solidFill>
+          <a:effectLst>
+            <a:outerShdw blurRad="50800" dist="38100" dir="2700000" algn="tl" rotWithShape="0">
+              <a:srgbClr val="000000">
+                <a:alpha val="48000"/>
+              </a:srgbClr>
+            </a:outerShdw>
+          </a:effectLst>
           <a:latin typeface="+mn-lt"/>
           <a:ea typeface="+mn-ea"/>
           <a:cs typeface="+mn-cs"/>
@@ -3442,17 +5742,24 @@
       </a:lvl6pPr>
       <a:lvl7pPr marL="2971800" indent="-228600" algn="l" defTabSz="914400" rtl="0" eaLnBrk="1" latinLnBrk="0" hangingPunct="1">
         <a:lnSpc>
-          <a:spcPct val="90000"/>
+          <a:spcPct val="120000"/>
         </a:lnSpc>
         <a:spcBef>
           <a:spcPts val="500"/>
         </a:spcBef>
         <a:buFont typeface="Arial" panose="020B0604020202020204" pitchFamily="34" charset="0"/>
         <a:buChar char="•"/>
-        <a:defRPr kumimoji="1" sz="1800" kern="1200">
+        <a:defRPr kumimoji="1" sz="1200" kern="1200">
           <a:solidFill>
             <a:schemeClr val="tx1"/>
           </a:solidFill>
+          <a:effectLst>
+            <a:outerShdw blurRad="50800" dist="38100" dir="2700000" algn="tl" rotWithShape="0">
+              <a:srgbClr val="000000">
+                <a:alpha val="48000"/>
+              </a:srgbClr>
+            </a:outerShdw>
+          </a:effectLst>
           <a:latin typeface="+mn-lt"/>
           <a:ea typeface="+mn-ea"/>
           <a:cs typeface="+mn-cs"/>
@@ -3460,17 +5767,24 @@
       </a:lvl7pPr>
       <a:lvl8pPr marL="3429000" indent="-228600" algn="l" defTabSz="914400" rtl="0" eaLnBrk="1" latinLnBrk="0" hangingPunct="1">
         <a:lnSpc>
-          <a:spcPct val="90000"/>
+          <a:spcPct val="120000"/>
         </a:lnSpc>
         <a:spcBef>
           <a:spcPts val="500"/>
         </a:spcBef>
         <a:buFont typeface="Arial" panose="020B0604020202020204" pitchFamily="34" charset="0"/>
         <a:buChar char="•"/>
-        <a:defRPr kumimoji="1" sz="1800" kern="1200">
+        <a:defRPr kumimoji="1" sz="1200" kern="1200">
           <a:solidFill>
             <a:schemeClr val="tx1"/>
           </a:solidFill>
+          <a:effectLst>
+            <a:outerShdw blurRad="50800" dist="38100" dir="2700000" algn="tl" rotWithShape="0">
+              <a:srgbClr val="000000">
+                <a:alpha val="48000"/>
+              </a:srgbClr>
+            </a:outerShdw>
+          </a:effectLst>
           <a:latin typeface="+mn-lt"/>
           <a:ea typeface="+mn-ea"/>
           <a:cs typeface="+mn-cs"/>
@@ -3478,17 +5792,24 @@
       </a:lvl8pPr>
       <a:lvl9pPr marL="3886200" indent="-228600" algn="l" defTabSz="914400" rtl="0" eaLnBrk="1" latinLnBrk="0" hangingPunct="1">
         <a:lnSpc>
-          <a:spcPct val="90000"/>
+          <a:spcPct val="120000"/>
         </a:lnSpc>
         <a:spcBef>
           <a:spcPts val="500"/>
         </a:spcBef>
         <a:buFont typeface="Arial" panose="020B0604020202020204" pitchFamily="34" charset="0"/>
         <a:buChar char="•"/>
-        <a:defRPr kumimoji="1" sz="1800" kern="1200">
+        <a:defRPr kumimoji="1" sz="1200" kern="1200">
           <a:solidFill>
             <a:schemeClr val="tx1"/>
           </a:solidFill>
+          <a:effectLst>
+            <a:outerShdw blurRad="50800" dist="38100" dir="2700000" algn="tl" rotWithShape="0">
+              <a:srgbClr val="000000">
+                <a:alpha val="48000"/>
+              </a:srgbClr>
+            </a:outerShdw>
+          </a:effectLst>
           <a:latin typeface="+mn-lt"/>
           <a:ea typeface="+mn-ea"/>
           <a:cs typeface="+mn-cs"/>
@@ -3497,7 +5818,7 @@
     </p:bodyStyle>
     <p:otherStyle>
       <a:defPPr>
-        <a:defRPr lang="ja-JP"/>
+        <a:defRPr lang="en-US"/>
       </a:defPPr>
       <a:lvl1pPr marL="0" algn="l" defTabSz="914400" rtl="0" eaLnBrk="1" latinLnBrk="0" hangingPunct="1">
         <a:defRPr kumimoji="1" sz="1800" kern="1200">
@@ -3591,6 +5912,11 @@
       </a:lvl9pPr>
     </p:otherStyle>
   </p:txStyles>
+  <p:extLst>
+    <p:ext uri="{27BBF7A9-308A-43DC-89C8-2F10F3537804}">
+      <p15:sldGuideLst xmlns:p15="http://schemas.microsoft.com/office/powerpoint/2012/main"/>
+    </p:ext>
+  </p:extLst>
 </p:sldMaster>
 </file>
 
@@ -3629,23 +5955,25 @@
         </p:nvSpPr>
         <p:spPr/>
         <p:txBody>
-          <a:bodyPr/>
-          <a:lstStyle/>
-          <a:p>
-            <a:r>
-              <a:rPr kumimoji="1" lang="ja-JP" altLang="en-US" dirty="0"/>
+          <a:bodyPr>
+            <a:normAutofit/>
+          </a:bodyPr>
+          <a:lstStyle/>
+          <a:p>
+            <a:r>
+              <a:rPr kumimoji="1" lang="ja-JP" altLang="en-US" sz="6000" dirty="0"/>
               <a:t>創成</a:t>
             </a:r>
             <a:r>
-              <a:rPr lang="en-US" altLang="ja-JP" dirty="0"/>
+              <a:rPr lang="en-US" altLang="ja-JP" sz="6000" dirty="0"/>
               <a:t>C</a:t>
             </a:r>
             <a:br>
-              <a:rPr lang="en-US" altLang="ja-JP" dirty="0"/>
+              <a:rPr lang="en-US" altLang="ja-JP" sz="6000" dirty="0"/>
             </a:br>
             <a:r>
-              <a:rPr lang="ja-JP" altLang="en-US" dirty="0"/>
-              <a:t>ブラックジャック</a:t>
+              <a:rPr lang="en-US" altLang="ja-JP" sz="6000" dirty="0"/>
+              <a:t>Black jack</a:t>
             </a:r>
             <a:endParaRPr kumimoji="1" lang="ja-JP" altLang="en-US" dirty="0"/>
           </a:p>
@@ -3670,7 +5998,7 @@
         <p:spPr/>
         <p:txBody>
           <a:bodyPr>
-            <a:normAutofit lnSpcReduction="10000"/>
+            <a:normAutofit fontScale="77500" lnSpcReduction="20000"/>
           </a:bodyPr>
           <a:lstStyle/>
           <a:p>
@@ -3758,7 +6086,7 @@
           <p:cNvPr id="2" name="タイトル 1">
             <a:extLst>
               <a:ext uri="{FF2B5EF4-FFF2-40B4-BE49-F238E27FC236}">
-                <a16:creationId xmlns:a16="http://schemas.microsoft.com/office/drawing/2014/main" id="{B446AECE-677D-4B86-A8FE-CB0C0E1C775A}"/>
+                <a16:creationId xmlns:a16="http://schemas.microsoft.com/office/drawing/2014/main" id="{ACB010FC-E3CD-47B5-BF46-37F019F4A1D3}"/>
               </a:ext>
             </a:extLst>
           </p:cNvPr>
@@ -3776,7 +6104,7 @@
           <a:p>
             <a:r>
               <a:rPr kumimoji="1" lang="ja-JP" altLang="en-US" dirty="0"/>
-              <a:t>使用言語</a:t>
+              <a:t>目次</a:t>
             </a:r>
           </a:p>
         </p:txBody>
@@ -3786,7 +6114,7 @@
           <p:cNvPr id="3" name="コンテンツ プレースホルダー 2">
             <a:extLst>
               <a:ext uri="{FF2B5EF4-FFF2-40B4-BE49-F238E27FC236}">
-                <a16:creationId xmlns:a16="http://schemas.microsoft.com/office/drawing/2014/main" id="{8A4867C6-463A-4526-AD3D-72D4836EC47A}"/>
+                <a16:creationId xmlns:a16="http://schemas.microsoft.com/office/drawing/2014/main" id="{D305527A-0036-4571-8D5D-F25BB5A21E48}"/>
               </a:ext>
             </a:extLst>
           </p:cNvPr>
@@ -3799,35 +6127,58 @@
         </p:nvSpPr>
         <p:spPr/>
         <p:txBody>
-          <a:bodyPr/>
-          <a:lstStyle/>
-          <a:p>
-            <a:r>
-              <a:rPr kumimoji="1" lang="en-US" altLang="ja-JP" dirty="0"/>
-              <a:t>C#</a:t>
-            </a:r>
-          </a:p>
-          <a:p>
-            <a:r>
-              <a:rPr lang="en-US" altLang="ja-JP" dirty="0"/>
-              <a:t>Windows Form </a:t>
-            </a:r>
-            <a:r>
-              <a:rPr lang="en-US" altLang="ja-JP" dirty="0" err="1"/>
-              <a:t>Apprication</a:t>
-            </a:r>
-            <a:r>
-              <a:rPr lang="en-US" altLang="ja-JP" dirty="0"/>
-              <a:t>(.NET Framework)</a:t>
-            </a:r>
-            <a:endParaRPr kumimoji="1" lang="ja-JP" altLang="en-US" dirty="0"/>
+          <a:bodyPr>
+            <a:normAutofit/>
+          </a:bodyPr>
+          <a:lstStyle/>
+          <a:p>
+            <a:r>
+              <a:rPr kumimoji="1" lang="ja-JP" altLang="en-US" sz="2400" dirty="0"/>
+              <a:t>概要</a:t>
+            </a:r>
+            <a:endParaRPr kumimoji="1" lang="en-US" altLang="ja-JP" sz="2400" dirty="0"/>
+          </a:p>
+          <a:p>
+            <a:r>
+              <a:rPr lang="ja-JP" altLang="en-US" sz="2400" dirty="0"/>
+              <a:t>仕様説明</a:t>
+            </a:r>
+            <a:endParaRPr lang="en-US" altLang="ja-JP" sz="2400" dirty="0"/>
+          </a:p>
+          <a:p>
+            <a:r>
+              <a:rPr kumimoji="1" lang="ja-JP" altLang="en-US" sz="2400" dirty="0"/>
+              <a:t>デモンストレーション</a:t>
+            </a:r>
+            <a:endParaRPr kumimoji="1" lang="en-US" altLang="ja-JP" sz="2400" dirty="0"/>
+          </a:p>
+          <a:p>
+            <a:r>
+              <a:rPr lang="ja-JP" altLang="en-US" sz="2400" dirty="0"/>
+              <a:t>結果</a:t>
+            </a:r>
+            <a:endParaRPr lang="en-US" altLang="ja-JP" sz="2400" dirty="0"/>
+          </a:p>
+          <a:p>
+            <a:r>
+              <a:rPr kumimoji="1" lang="ja-JP" altLang="en-US" sz="2400" dirty="0"/>
+              <a:t>課題</a:t>
+            </a:r>
+            <a:endParaRPr kumimoji="1" lang="en-US" altLang="ja-JP" sz="2400" dirty="0"/>
+          </a:p>
+          <a:p>
+            <a:r>
+              <a:rPr lang="ja-JP" altLang="en-US" sz="2400" dirty="0"/>
+              <a:t>まとめ</a:t>
+            </a:r>
+            <a:endParaRPr kumimoji="1" lang="ja-JP" altLang="en-US" sz="2400" dirty="0"/>
           </a:p>
         </p:txBody>
       </p:sp>
     </p:spTree>
     <p:extLst>
       <p:ext uri="{BB962C8B-B14F-4D97-AF65-F5344CB8AC3E}">
-        <p14:creationId xmlns:p14="http://schemas.microsoft.com/office/powerpoint/2010/main" val="2836048667"/>
+        <p14:creationId xmlns:p14="http://schemas.microsoft.com/office/powerpoint/2010/main" val="3192832125"/>
       </p:ext>
     </p:extLst>
   </p:cSld>
@@ -3859,6 +6210,909 @@
           <p:cNvPr id="2" name="タイトル 1">
             <a:extLst>
               <a:ext uri="{FF2B5EF4-FFF2-40B4-BE49-F238E27FC236}">
+                <a16:creationId xmlns:a16="http://schemas.microsoft.com/office/drawing/2014/main" id="{B446AECE-677D-4B86-A8FE-CB0C0E1C775A}"/>
+              </a:ext>
+            </a:extLst>
+          </p:cNvPr>
+          <p:cNvSpPr>
+            <a:spLocks noGrp="1"/>
+          </p:cNvSpPr>
+          <p:nvPr>
+            <p:ph type="title"/>
+          </p:nvPr>
+        </p:nvSpPr>
+        <p:spPr/>
+        <p:txBody>
+          <a:bodyPr/>
+          <a:lstStyle/>
+          <a:p>
+            <a:r>
+              <a:rPr kumimoji="1" lang="ja-JP" altLang="en-US" dirty="0"/>
+              <a:t>概要</a:t>
+            </a:r>
+          </a:p>
+        </p:txBody>
+      </p:sp>
+      <p:sp>
+        <p:nvSpPr>
+          <p:cNvPr id="3" name="コンテンツ プレースホルダー 2">
+            <a:extLst>
+              <a:ext uri="{FF2B5EF4-FFF2-40B4-BE49-F238E27FC236}">
+                <a16:creationId xmlns:a16="http://schemas.microsoft.com/office/drawing/2014/main" id="{8A4867C6-463A-4526-AD3D-72D4836EC47A}"/>
+              </a:ext>
+            </a:extLst>
+          </p:cNvPr>
+          <p:cNvSpPr>
+            <a:spLocks noGrp="1"/>
+          </p:cNvSpPr>
+          <p:nvPr>
+            <p:ph idx="1"/>
+          </p:nvPr>
+        </p:nvSpPr>
+        <p:spPr/>
+        <p:txBody>
+          <a:bodyPr>
+            <a:normAutofit/>
+          </a:bodyPr>
+          <a:lstStyle/>
+          <a:p>
+            <a:r>
+              <a:rPr kumimoji="1" lang="ja-JP" altLang="en-US" sz="2400" dirty="0"/>
+              <a:t>開発背景：ゲームで</a:t>
+            </a:r>
+            <a:r>
+              <a:rPr lang="ja-JP" altLang="en-US" sz="2400" dirty="0"/>
+              <a:t>システムを学ぶ（他は難しいので）</a:t>
+            </a:r>
+            <a:endParaRPr kumimoji="1" lang="en-US" altLang="ja-JP" sz="2400" dirty="0"/>
+          </a:p>
+          <a:p>
+            <a:r>
+              <a:rPr kumimoji="1" lang="ja-JP" altLang="en-US" sz="2400" dirty="0"/>
+              <a:t>使用言語：</a:t>
+            </a:r>
+            <a:r>
+              <a:rPr kumimoji="1" lang="en-US" altLang="ja-JP" sz="2400" dirty="0"/>
+              <a:t>C#</a:t>
+            </a:r>
+            <a:r>
+              <a:rPr kumimoji="1" lang="ja-JP" altLang="en-US" sz="2400" dirty="0"/>
+              <a:t>（</a:t>
+            </a:r>
+            <a:r>
+              <a:rPr lang="en-US" altLang="ja-JP" sz="2400" dirty="0"/>
+              <a:t>Windows  </a:t>
+            </a:r>
+            <a:r>
+              <a:rPr lang="ja-JP" altLang="en-US" sz="2400" dirty="0"/>
+              <a:t>フォーム アプリケーション</a:t>
+            </a:r>
+            <a:r>
+              <a:rPr lang="en-US" altLang="ja-JP" sz="2400" dirty="0"/>
+              <a:t>(.NET Framework)</a:t>
+            </a:r>
+            <a:r>
+              <a:rPr lang="ja-JP" altLang="en-US" sz="2400" dirty="0"/>
+              <a:t>）</a:t>
+            </a:r>
+            <a:endParaRPr lang="en-US" altLang="ja-JP" sz="2400" dirty="0"/>
+          </a:p>
+          <a:p>
+            <a:pPr marL="0" indent="0">
+              <a:buNone/>
+            </a:pPr>
+            <a:r>
+              <a:rPr lang="en-US" altLang="ja-JP" sz="2400" dirty="0"/>
+              <a:t>		</a:t>
+            </a:r>
+            <a:r>
+              <a:rPr lang="ja-JP" altLang="en-US" sz="2400" dirty="0"/>
+              <a:t>（開発の難易度を下げるため</a:t>
+            </a:r>
+            <a:r>
+              <a:rPr lang="en-US" altLang="ja-JP" sz="2400" dirty="0"/>
+              <a:t>C#</a:t>
+            </a:r>
+            <a:r>
+              <a:rPr lang="ja-JP" altLang="en-US" sz="2400" dirty="0"/>
+              <a:t>のみを使用）</a:t>
+            </a:r>
+            <a:endParaRPr lang="en-US" altLang="ja-JP" sz="2400" dirty="0"/>
+          </a:p>
+          <a:p>
+            <a:r>
+              <a:rPr lang="ja-JP" altLang="en-US" sz="2400" dirty="0"/>
+              <a:t>内容：ブラックジャック（カードゲーム）をプレイできる</a:t>
+            </a:r>
+            <a:endParaRPr lang="en-US" altLang="ja-JP" sz="2400" dirty="0"/>
+          </a:p>
+          <a:p>
+            <a:r>
+              <a:rPr lang="ja-JP" altLang="en-US" sz="2400" dirty="0"/>
+              <a:t>目標：画像を</a:t>
+            </a:r>
+            <a:r>
+              <a:rPr lang="en-US" altLang="ja-JP" sz="2400" dirty="0"/>
+              <a:t>C#</a:t>
+            </a:r>
+            <a:r>
+              <a:rPr lang="ja-JP" altLang="en-US" sz="2400" dirty="0"/>
+              <a:t>の中で使えるようにする</a:t>
+            </a:r>
+            <a:endParaRPr lang="en-US" altLang="ja-JP" sz="2200" dirty="0"/>
+          </a:p>
+          <a:p>
+            <a:pPr marL="0" indent="0">
+              <a:buNone/>
+            </a:pPr>
+            <a:r>
+              <a:rPr lang="en-US" altLang="ja-JP" sz="2200" dirty="0"/>
+              <a:t>	 </a:t>
+            </a:r>
+            <a:r>
+              <a:rPr lang="ja-JP" altLang="en-US" sz="2200" dirty="0"/>
+              <a:t>それぞれの処理を別クラスで動作させる</a:t>
+            </a:r>
+            <a:endParaRPr lang="en-US" altLang="ja-JP" sz="2400" dirty="0"/>
+          </a:p>
+        </p:txBody>
+      </p:sp>
+    </p:spTree>
+    <p:extLst>
+      <p:ext uri="{BB962C8B-B14F-4D97-AF65-F5344CB8AC3E}">
+        <p14:creationId xmlns:p14="http://schemas.microsoft.com/office/powerpoint/2010/main" val="2836048667"/>
+      </p:ext>
+    </p:extLst>
+  </p:cSld>
+  <p:clrMapOvr>
+    <a:masterClrMapping/>
+  </p:clrMapOvr>
+</p:sld>
+</file>
+
+<file path=ppt/slides/slide4.xml><?xml version="1.0" encoding="utf-8"?>
+<p:sld xmlns:a="http://schemas.openxmlformats.org/drawingml/2006/main" xmlns:r="http://schemas.openxmlformats.org/officeDocument/2006/relationships" xmlns:p="http://schemas.openxmlformats.org/presentationml/2006/main">
+  <p:cSld>
+    <p:spTree>
+      <p:nvGrpSpPr>
+        <p:cNvPr id="1" name=""/>
+        <p:cNvGrpSpPr/>
+        <p:nvPr/>
+      </p:nvGrpSpPr>
+      <p:grpSpPr>
+        <a:xfrm>
+          <a:off x="0" y="0"/>
+          <a:ext cx="0" cy="0"/>
+          <a:chOff x="0" y="0"/>
+          <a:chExt cx="0" cy="0"/>
+        </a:xfrm>
+      </p:grpSpPr>
+      <p:sp>
+        <p:nvSpPr>
+          <p:cNvPr id="2" name="タイトル 1">
+            <a:extLst>
+              <a:ext uri="{FF2B5EF4-FFF2-40B4-BE49-F238E27FC236}">
+                <a16:creationId xmlns:a16="http://schemas.microsoft.com/office/drawing/2014/main" id="{C6E6F691-D492-468C-B110-E6F9EA6A4B1E}"/>
+              </a:ext>
+            </a:extLst>
+          </p:cNvPr>
+          <p:cNvSpPr>
+            <a:spLocks noGrp="1"/>
+          </p:cNvSpPr>
+          <p:nvPr>
+            <p:ph type="title"/>
+          </p:nvPr>
+        </p:nvSpPr>
+        <p:spPr/>
+        <p:txBody>
+          <a:bodyPr/>
+          <a:lstStyle/>
+          <a:p>
+            <a:r>
+              <a:rPr kumimoji="1" lang="ja-JP" altLang="en-US" dirty="0"/>
+              <a:t>仕様説明</a:t>
+            </a:r>
+          </a:p>
+        </p:txBody>
+      </p:sp>
+      <p:sp>
+        <p:nvSpPr>
+          <p:cNvPr id="3" name="コンテンツ プレースホルダー 2">
+            <a:extLst>
+              <a:ext uri="{FF2B5EF4-FFF2-40B4-BE49-F238E27FC236}">
+                <a16:creationId xmlns:a16="http://schemas.microsoft.com/office/drawing/2014/main" id="{AD9BDC53-3113-42A0-B588-B94383578BC4}"/>
+              </a:ext>
+            </a:extLst>
+          </p:cNvPr>
+          <p:cNvSpPr>
+            <a:spLocks noGrp="1"/>
+          </p:cNvSpPr>
+          <p:nvPr>
+            <p:ph idx="1"/>
+          </p:nvPr>
+        </p:nvSpPr>
+        <p:spPr/>
+        <p:txBody>
+          <a:bodyPr>
+            <a:normAutofit/>
+          </a:bodyPr>
+          <a:lstStyle/>
+          <a:p>
+            <a:r>
+              <a:rPr kumimoji="1" lang="en-US" altLang="ja-JP" sz="2400" dirty="0"/>
+              <a:t>Hit</a:t>
+            </a:r>
+            <a:r>
+              <a:rPr kumimoji="1" lang="ja-JP" altLang="en-US" sz="2400" dirty="0"/>
+              <a:t>ボタンでドロー</a:t>
+            </a:r>
+            <a:endParaRPr kumimoji="1" lang="en-US" altLang="ja-JP" sz="2400" dirty="0"/>
+          </a:p>
+          <a:p>
+            <a:r>
+              <a:rPr kumimoji="1" lang="en-US" altLang="ja-JP" sz="2400" dirty="0"/>
+              <a:t>Stand</a:t>
+            </a:r>
+            <a:r>
+              <a:rPr kumimoji="1" lang="ja-JP" altLang="en-US" sz="2400" dirty="0"/>
+              <a:t>ボタンで勝負</a:t>
+            </a:r>
+            <a:endParaRPr kumimoji="1" lang="en-US" altLang="ja-JP" sz="2400" dirty="0"/>
+          </a:p>
+          <a:p>
+            <a:r>
+              <a:rPr kumimoji="1" lang="en-US" altLang="ja-JP" sz="2400" dirty="0"/>
+              <a:t>J, Q, K, A</a:t>
+            </a:r>
+            <a:r>
+              <a:rPr kumimoji="1" lang="ja-JP" altLang="en-US" sz="2400" dirty="0"/>
+              <a:t>は特殊処理 有（本家と同じ）</a:t>
+            </a:r>
+            <a:endParaRPr kumimoji="1" lang="en-US" altLang="ja-JP" sz="2400" dirty="0"/>
+          </a:p>
+          <a:p>
+            <a:r>
+              <a:rPr kumimoji="1" lang="en-US" altLang="ja-JP" sz="2400" dirty="0"/>
+              <a:t>Bust</a:t>
+            </a:r>
+            <a:r>
+              <a:rPr kumimoji="1" lang="ja-JP" altLang="en-US" sz="2400" dirty="0"/>
+              <a:t>、ナチュラル</a:t>
+            </a:r>
+            <a:r>
+              <a:rPr kumimoji="1" lang="en-US" altLang="ja-JP" sz="2400" dirty="0"/>
+              <a:t>21 </a:t>
+            </a:r>
+            <a:r>
+              <a:rPr kumimoji="1" lang="ja-JP" altLang="en-US" sz="2400" dirty="0"/>
+              <a:t>有</a:t>
+            </a:r>
+            <a:endParaRPr kumimoji="1" lang="en-US" altLang="ja-JP" sz="2400" dirty="0"/>
+          </a:p>
+          <a:p>
+            <a:r>
+              <a:rPr lang="ja-JP" altLang="en-US" sz="2400" dirty="0"/>
+              <a:t>勝ち数負け数を記録</a:t>
+            </a:r>
+            <a:endParaRPr kumimoji="1" lang="en-US" altLang="ja-JP" sz="2400" dirty="0"/>
+          </a:p>
+          <a:p>
+            <a:r>
+              <a:rPr lang="en-US" altLang="ja-JP" sz="2400" dirty="0"/>
+              <a:t>Exit</a:t>
+            </a:r>
+            <a:r>
+              <a:rPr lang="ja-JP" altLang="en-US" sz="2400" dirty="0"/>
+              <a:t>ボタンでいつでも終了可能</a:t>
+            </a:r>
+            <a:endParaRPr kumimoji="1" lang="ja-JP" altLang="en-US" sz="2400" dirty="0"/>
+          </a:p>
+        </p:txBody>
+      </p:sp>
+    </p:spTree>
+    <p:extLst>
+      <p:ext uri="{BB962C8B-B14F-4D97-AF65-F5344CB8AC3E}">
+        <p14:creationId xmlns:p14="http://schemas.microsoft.com/office/powerpoint/2010/main" val="2069366863"/>
+      </p:ext>
+    </p:extLst>
+  </p:cSld>
+  <p:clrMapOvr>
+    <a:masterClrMapping/>
+  </p:clrMapOvr>
+</p:sld>
+</file>
+
+<file path=ppt/slides/slide5.xml><?xml version="1.0" encoding="utf-8"?>
+<p:sld xmlns:a="http://schemas.openxmlformats.org/drawingml/2006/main" xmlns:r="http://schemas.openxmlformats.org/officeDocument/2006/relationships" xmlns:p="http://schemas.openxmlformats.org/presentationml/2006/main">
+  <p:cSld>
+    <p:bg>
+      <p:bgPr>
+        <a:blipFill rotWithShape="1">
+          <a:blip r:embed="rId4">
+            <a:duotone>
+              <a:schemeClr val="bg2">
+                <a:shade val="18000"/>
+                <a:satMod val="160000"/>
+                <a:lumMod val="28000"/>
+              </a:schemeClr>
+              <a:schemeClr val="bg2">
+                <a:tint val="95000"/>
+                <a:satMod val="160000"/>
+                <a:lumMod val="116000"/>
+              </a:schemeClr>
+            </a:duotone>
+          </a:blip>
+          <a:stretch/>
+        </a:blipFill>
+        <a:effectLst/>
+      </p:bgPr>
+    </p:bg>
+    <p:spTree>
+      <p:nvGrpSpPr>
+        <p:cNvPr id="1" name=""/>
+        <p:cNvGrpSpPr/>
+        <p:nvPr/>
+      </p:nvGrpSpPr>
+      <p:grpSpPr>
+        <a:xfrm>
+          <a:off x="0" y="0"/>
+          <a:ext cx="0" cy="0"/>
+          <a:chOff x="0" y="0"/>
+          <a:chExt cx="0" cy="0"/>
+        </a:xfrm>
+      </p:grpSpPr>
+      <p:sp>
+        <p:nvSpPr>
+          <p:cNvPr id="2" name="タイトル 1">
+            <a:extLst>
+              <a:ext uri="{FF2B5EF4-FFF2-40B4-BE49-F238E27FC236}">
+                <a16:creationId xmlns:a16="http://schemas.microsoft.com/office/drawing/2014/main" id="{95DF4DEF-00A9-4E16-B8F2-3E0667D278A5}"/>
+              </a:ext>
+            </a:extLst>
+          </p:cNvPr>
+          <p:cNvSpPr>
+            <a:spLocks noGrp="1"/>
+          </p:cNvSpPr>
+          <p:nvPr>
+            <p:ph type="title"/>
+          </p:nvPr>
+        </p:nvSpPr>
+        <p:spPr>
+          <a:xfrm>
+            <a:off x="0" y="1041400"/>
+            <a:ext cx="5896391" cy="2387600"/>
+          </a:xfrm>
+        </p:spPr>
+        <p:txBody>
+          <a:bodyPr vert="horz" lIns="91440" tIns="45720" rIns="91440" bIns="45720" rtlCol="0" anchor="b">
+            <a:normAutofit/>
+          </a:bodyPr>
+          <a:lstStyle/>
+          <a:p>
+            <a:r>
+              <a:rPr kumimoji="1" lang="ja-JP" altLang="en-US" sz="4800" dirty="0"/>
+              <a:t>デモンストレーション（映像）</a:t>
+            </a:r>
+          </a:p>
+        </p:txBody>
+      </p:sp>
+      <p:pic>
+        <p:nvPicPr>
+          <p:cNvPr id="4" name="BlackjackApp 2021-07-26 02-09-18">
+            <a:hlinkClick r:id="" action="ppaction://media"/>
+            <a:extLst>
+              <a:ext uri="{FF2B5EF4-FFF2-40B4-BE49-F238E27FC236}">
+                <a16:creationId xmlns:a16="http://schemas.microsoft.com/office/drawing/2014/main" id="{B709E0E9-8D76-45C5-9E5B-DECBBE81DD59}"/>
+              </a:ext>
+            </a:extLst>
+          </p:cNvPr>
+          <p:cNvPicPr>
+            <a:picLocks noGrp="1" noChangeAspect="1"/>
+          </p:cNvPicPr>
+          <p:nvPr>
+            <p:ph idx="1"/>
+            <a:videoFile r:link="rId2"/>
+            <p:extLst>
+              <p:ext uri="{DAA4B4D4-6D71-4841-9C94-3DE7FCFB9230}">
+                <p14:media xmlns:p14="http://schemas.microsoft.com/office/powerpoint/2010/main" r:embed="rId1"/>
+              </p:ext>
+            </p:extLst>
+          </p:nvPr>
+        </p:nvPicPr>
+        <p:blipFill>
+          <a:blip r:embed="rId5"/>
+          <a:stretch>
+            <a:fillRect/>
+          </a:stretch>
+        </p:blipFill>
+        <p:spPr>
+          <a:xfrm>
+            <a:off x="5899150" y="296863"/>
+            <a:ext cx="5662613" cy="6264275"/>
+          </a:xfrm>
+          <a:prstGeom prst="rect">
+            <a:avLst/>
+          </a:prstGeom>
+          <a:ln w="190500" cap="sq">
+            <a:solidFill>
+              <a:srgbClr val="FFFFFF"/>
+            </a:solidFill>
+            <a:miter lim="800000"/>
+          </a:ln>
+          <a:effectLst>
+            <a:outerShdw blurRad="54991" dist="17780" dir="5400000" algn="ctr" rotWithShape="0">
+              <a:schemeClr val="bg1">
+                <a:alpha val="40000"/>
+              </a:schemeClr>
+            </a:outerShdw>
+          </a:effectLst>
+          <a:scene3d>
+            <a:camera prst="orthographicFront"/>
+            <a:lightRig rig="twoPt" dir="t">
+              <a:rot lat="0" lon="0" rev="7200000"/>
+            </a:lightRig>
+          </a:scene3d>
+          <a:sp3d>
+            <a:bevelT w="25400" h="19050"/>
+          </a:sp3d>
+        </p:spPr>
+      </p:pic>
+    </p:spTree>
+    <p:extLst>
+      <p:ext uri="{BB962C8B-B14F-4D97-AF65-F5344CB8AC3E}">
+        <p14:creationId xmlns:p14="http://schemas.microsoft.com/office/powerpoint/2010/main" val="3239845758"/>
+      </p:ext>
+    </p:extLst>
+  </p:cSld>
+  <p:clrMapOvr>
+    <a:masterClrMapping/>
+  </p:clrMapOvr>
+  <p:timing>
+    <p:tnLst>
+      <p:par>
+        <p:cTn id="1" dur="indefinite" restart="never" nodeType="tmRoot">
+          <p:childTnLst>
+            <p:seq concurrent="1" nextAc="seek">
+              <p:cTn id="2" dur="indefinite" nodeType="mainSeq">
+                <p:childTnLst>
+                  <p:par>
+                    <p:cTn id="3" fill="hold">
+                      <p:stCondLst>
+                        <p:cond delay="indefinite"/>
+                      </p:stCondLst>
+                      <p:childTnLst>
+                        <p:par>
+                          <p:cTn id="4" fill="hold">
+                            <p:stCondLst>
+                              <p:cond delay="0"/>
+                            </p:stCondLst>
+                            <p:childTnLst>
+                              <p:par>
+                                <p:cTn id="5" presetID="1" presetClass="mediacall" presetSubtype="0" fill="hold" nodeType="clickEffect">
+                                  <p:stCondLst>
+                                    <p:cond delay="0"/>
+                                  </p:stCondLst>
+                                  <p:childTnLst>
+                                    <p:cmd type="call" cmd="playFrom(0.0)">
+                                      <p:cBhvr>
+                                        <p:cTn id="6" dur="42403" fill="hold"/>
+                                        <p:tgtEl>
+                                          <p:spTgt spid="4"/>
+                                        </p:tgtEl>
+                                      </p:cBhvr>
+                                    </p:cmd>
+                                  </p:childTnLst>
+                                </p:cTn>
+                              </p:par>
+                            </p:childTnLst>
+                          </p:cTn>
+                        </p:par>
+                      </p:childTnLst>
+                    </p:cTn>
+                  </p:par>
+                </p:childTnLst>
+              </p:cTn>
+              <p:prevCondLst>
+                <p:cond evt="onPrev" delay="0">
+                  <p:tgtEl>
+                    <p:sldTgt/>
+                  </p:tgtEl>
+                </p:cond>
+              </p:prevCondLst>
+              <p:nextCondLst>
+                <p:cond evt="onNext" delay="0">
+                  <p:tgtEl>
+                    <p:sldTgt/>
+                  </p:tgtEl>
+                </p:cond>
+              </p:nextCondLst>
+            </p:seq>
+            <p:video>
+              <p:cMediaNode vol="80000">
+                <p:cTn id="7" fill="hold" display="0">
+                  <p:stCondLst>
+                    <p:cond delay="indefinite"/>
+                  </p:stCondLst>
+                </p:cTn>
+                <p:tgtEl>
+                  <p:spTgt spid="4"/>
+                </p:tgtEl>
+              </p:cMediaNode>
+            </p:video>
+            <p:seq concurrent="1" nextAc="seek">
+              <p:cTn id="8" restart="whenNotActive" fill="hold" evtFilter="cancelBubble" nodeType="interactiveSeq">
+                <p:stCondLst>
+                  <p:cond evt="onClick" delay="0">
+                    <p:tgtEl>
+                      <p:spTgt spid="4"/>
+                    </p:tgtEl>
+                  </p:cond>
+                </p:stCondLst>
+                <p:endSync evt="end" delay="0">
+                  <p:rtn val="all"/>
+                </p:endSync>
+                <p:childTnLst>
+                  <p:par>
+                    <p:cTn id="9" fill="hold">
+                      <p:stCondLst>
+                        <p:cond delay="0"/>
+                      </p:stCondLst>
+                      <p:childTnLst>
+                        <p:par>
+                          <p:cTn id="10" fill="hold">
+                            <p:stCondLst>
+                              <p:cond delay="0"/>
+                            </p:stCondLst>
+                            <p:childTnLst>
+                              <p:par>
+                                <p:cTn id="11" presetID="2" presetClass="mediacall" presetSubtype="0" fill="hold" nodeType="clickEffect">
+                                  <p:stCondLst>
+                                    <p:cond delay="0"/>
+                                  </p:stCondLst>
+                                  <p:childTnLst>
+                                    <p:cmd type="call" cmd="togglePause">
+                                      <p:cBhvr>
+                                        <p:cTn id="12" dur="1" fill="hold"/>
+                                        <p:tgtEl>
+                                          <p:spTgt spid="4"/>
+                                        </p:tgtEl>
+                                      </p:cBhvr>
+                                    </p:cmd>
+                                  </p:childTnLst>
+                                </p:cTn>
+                              </p:par>
+                            </p:childTnLst>
+                          </p:cTn>
+                        </p:par>
+                      </p:childTnLst>
+                    </p:cTn>
+                  </p:par>
+                </p:childTnLst>
+              </p:cTn>
+              <p:nextCondLst>
+                <p:cond evt="onClick" delay="0">
+                  <p:tgtEl>
+                    <p:spTgt spid="4"/>
+                  </p:tgtEl>
+                </p:cond>
+              </p:nextCondLst>
+            </p:seq>
+          </p:childTnLst>
+        </p:cTn>
+      </p:par>
+    </p:tnLst>
+  </p:timing>
+</p:sld>
+</file>
+
+<file path=ppt/slides/slide6.xml><?xml version="1.0" encoding="utf-8"?>
+<p:sld xmlns:a="http://schemas.openxmlformats.org/drawingml/2006/main" xmlns:r="http://schemas.openxmlformats.org/officeDocument/2006/relationships" xmlns:p="http://schemas.openxmlformats.org/presentationml/2006/main">
+  <p:cSld>
+    <p:spTree>
+      <p:nvGrpSpPr>
+        <p:cNvPr id="1" name=""/>
+        <p:cNvGrpSpPr/>
+        <p:nvPr/>
+      </p:nvGrpSpPr>
+      <p:grpSpPr>
+        <a:xfrm>
+          <a:off x="0" y="0"/>
+          <a:ext cx="0" cy="0"/>
+          <a:chOff x="0" y="0"/>
+          <a:chExt cx="0" cy="0"/>
+        </a:xfrm>
+      </p:grpSpPr>
+      <p:sp>
+        <p:nvSpPr>
+          <p:cNvPr id="2" name="タイトル 1">
+            <a:extLst>
+              <a:ext uri="{FF2B5EF4-FFF2-40B4-BE49-F238E27FC236}">
+                <a16:creationId xmlns:a16="http://schemas.microsoft.com/office/drawing/2014/main" id="{9EAB3AE8-B6BE-4DD8-AA5D-21599FE6BBC0}"/>
+              </a:ext>
+            </a:extLst>
+          </p:cNvPr>
+          <p:cNvSpPr>
+            <a:spLocks noGrp="1"/>
+          </p:cNvSpPr>
+          <p:nvPr>
+            <p:ph type="title"/>
+          </p:nvPr>
+        </p:nvSpPr>
+        <p:spPr/>
+        <p:txBody>
+          <a:bodyPr/>
+          <a:lstStyle/>
+          <a:p>
+            <a:r>
+              <a:rPr kumimoji="1" lang="ja-JP" altLang="en-US" dirty="0"/>
+              <a:t>結果</a:t>
+            </a:r>
+          </a:p>
+        </p:txBody>
+      </p:sp>
+      <p:sp>
+        <p:nvSpPr>
+          <p:cNvPr id="3" name="コンテンツ プレースホルダー 2">
+            <a:extLst>
+              <a:ext uri="{FF2B5EF4-FFF2-40B4-BE49-F238E27FC236}">
+                <a16:creationId xmlns:a16="http://schemas.microsoft.com/office/drawing/2014/main" id="{8DD674D0-B2F9-486C-91AD-C7C207E53D95}"/>
+              </a:ext>
+            </a:extLst>
+          </p:cNvPr>
+          <p:cNvSpPr>
+            <a:spLocks noGrp="1"/>
+          </p:cNvSpPr>
+          <p:nvPr>
+            <p:ph idx="1"/>
+          </p:nvPr>
+        </p:nvSpPr>
+        <p:spPr/>
+        <p:txBody>
+          <a:bodyPr>
+            <a:normAutofit/>
+          </a:bodyPr>
+          <a:lstStyle/>
+          <a:p>
+            <a:r>
+              <a:rPr kumimoji="1" lang="ja-JP" altLang="en-US" sz="2800" dirty="0"/>
+              <a:t>基本的な機能は実装できた</a:t>
+            </a:r>
+            <a:endParaRPr kumimoji="1" lang="en-US" altLang="ja-JP" sz="2800" dirty="0"/>
+          </a:p>
+          <a:p>
+            <a:r>
+              <a:rPr kumimoji="1" lang="ja-JP" altLang="en-US" sz="2800" dirty="0"/>
+              <a:t>絵札や</a:t>
+            </a:r>
+            <a:r>
+              <a:rPr kumimoji="1" lang="en-US" altLang="ja-JP" sz="2800" dirty="0"/>
+              <a:t>A</a:t>
+            </a:r>
+            <a:r>
+              <a:rPr kumimoji="1" lang="ja-JP" altLang="en-US" sz="2800" dirty="0"/>
+              <a:t>の特殊処理も実装できた</a:t>
+            </a:r>
+            <a:endParaRPr kumimoji="1" lang="en-US" altLang="ja-JP" sz="2800" dirty="0"/>
+          </a:p>
+          <a:p>
+            <a:r>
+              <a:rPr lang="ja-JP" altLang="en-US" sz="2800" dirty="0"/>
+              <a:t>画像呼び出しやクリアを実装できた</a:t>
+            </a:r>
+            <a:endParaRPr lang="en-US" altLang="ja-JP" sz="2800" dirty="0"/>
+          </a:p>
+          <a:p>
+            <a:r>
+              <a:rPr kumimoji="1" lang="ja-JP" altLang="en-US" sz="2800" dirty="0"/>
+              <a:t>主流（？）のコンソールのものではなくフォームで作成できた</a:t>
+            </a:r>
+          </a:p>
+        </p:txBody>
+      </p:sp>
+    </p:spTree>
+    <p:extLst>
+      <p:ext uri="{BB962C8B-B14F-4D97-AF65-F5344CB8AC3E}">
+        <p14:creationId xmlns:p14="http://schemas.microsoft.com/office/powerpoint/2010/main" val="4057033129"/>
+      </p:ext>
+    </p:extLst>
+  </p:cSld>
+  <p:clrMapOvr>
+    <a:masterClrMapping/>
+  </p:clrMapOvr>
+</p:sld>
+</file>
+
+<file path=ppt/slides/slide7.xml><?xml version="1.0" encoding="utf-8"?>
+<p:sld xmlns:a="http://schemas.openxmlformats.org/drawingml/2006/main" xmlns:r="http://schemas.openxmlformats.org/officeDocument/2006/relationships" xmlns:p="http://schemas.openxmlformats.org/presentationml/2006/main">
+  <p:cSld>
+    <p:spTree>
+      <p:nvGrpSpPr>
+        <p:cNvPr id="1" name=""/>
+        <p:cNvGrpSpPr/>
+        <p:nvPr/>
+      </p:nvGrpSpPr>
+      <p:grpSpPr>
+        <a:xfrm>
+          <a:off x="0" y="0"/>
+          <a:ext cx="0" cy="0"/>
+          <a:chOff x="0" y="0"/>
+          <a:chExt cx="0" cy="0"/>
+        </a:xfrm>
+      </p:grpSpPr>
+      <p:sp>
+        <p:nvSpPr>
+          <p:cNvPr id="2" name="タイトル 1">
+            <a:extLst>
+              <a:ext uri="{FF2B5EF4-FFF2-40B4-BE49-F238E27FC236}">
+                <a16:creationId xmlns:a16="http://schemas.microsoft.com/office/drawing/2014/main" id="{4908BC3B-0EDF-4517-8DEB-0D6F4B94492A}"/>
+              </a:ext>
+            </a:extLst>
+          </p:cNvPr>
+          <p:cNvSpPr>
+            <a:spLocks noGrp="1"/>
+          </p:cNvSpPr>
+          <p:nvPr>
+            <p:ph type="title"/>
+          </p:nvPr>
+        </p:nvSpPr>
+        <p:spPr/>
+        <p:txBody>
+          <a:bodyPr/>
+          <a:lstStyle/>
+          <a:p>
+            <a:r>
+              <a:rPr kumimoji="1" lang="ja-JP" altLang="en-US" dirty="0"/>
+              <a:t>課題</a:t>
+            </a:r>
+          </a:p>
+        </p:txBody>
+      </p:sp>
+      <p:sp>
+        <p:nvSpPr>
+          <p:cNvPr id="3" name="コンテンツ プレースホルダー 2">
+            <a:extLst>
+              <a:ext uri="{FF2B5EF4-FFF2-40B4-BE49-F238E27FC236}">
+                <a16:creationId xmlns:a16="http://schemas.microsoft.com/office/drawing/2014/main" id="{6AD8B943-BD11-4450-AB40-AF3C9C19DE09}"/>
+              </a:ext>
+            </a:extLst>
+          </p:cNvPr>
+          <p:cNvSpPr>
+            <a:spLocks noGrp="1"/>
+          </p:cNvSpPr>
+          <p:nvPr>
+            <p:ph idx="1"/>
+          </p:nvPr>
+        </p:nvSpPr>
+        <p:spPr/>
+        <p:txBody>
+          <a:bodyPr/>
+          <a:lstStyle/>
+          <a:p>
+            <a:r>
+              <a:rPr kumimoji="1" lang="ja-JP" altLang="en-US" sz="2400" dirty="0"/>
+              <a:t>最初に</a:t>
+            </a:r>
+            <a:r>
+              <a:rPr kumimoji="1" lang="en-US" altLang="ja-JP" sz="2400" dirty="0">
+                <a:solidFill>
+                  <a:srgbClr val="FFFF00"/>
+                </a:solidFill>
+              </a:rPr>
+              <a:t>2</a:t>
+            </a:r>
+            <a:r>
+              <a:rPr kumimoji="1" lang="ja-JP" altLang="en-US" sz="2400" dirty="0">
+                <a:solidFill>
+                  <a:srgbClr val="FFFF00"/>
+                </a:solidFill>
+              </a:rPr>
+              <a:t>枚ずつ引く</a:t>
+            </a:r>
+            <a:r>
+              <a:rPr kumimoji="1" lang="ja-JP" altLang="en-US" sz="2400" dirty="0"/>
+              <a:t>処理が実装できなかった</a:t>
+            </a:r>
+            <a:endParaRPr kumimoji="1" lang="en-US" altLang="ja-JP" sz="2400" dirty="0"/>
+          </a:p>
+          <a:p>
+            <a:r>
+              <a:rPr lang="ja-JP" altLang="en-US" sz="2400" dirty="0"/>
+              <a:t>最初にディーラーの手札が</a:t>
+            </a:r>
+            <a:r>
+              <a:rPr lang="en-US" altLang="ja-JP" sz="2400" dirty="0"/>
+              <a:t>1</a:t>
+            </a:r>
+            <a:r>
+              <a:rPr lang="ja-JP" altLang="en-US" sz="2400" dirty="0"/>
+              <a:t>枚見えるようにできなかった</a:t>
+            </a:r>
+            <a:endParaRPr kumimoji="1" lang="en-US" altLang="ja-JP" sz="2400" dirty="0"/>
+          </a:p>
+          <a:p>
+            <a:r>
+              <a:rPr lang="en-US" altLang="ja-JP" sz="2400" dirty="0"/>
+              <a:t>1</a:t>
+            </a:r>
+            <a:r>
+              <a:rPr lang="ja-JP" altLang="en-US" sz="2400" dirty="0"/>
+              <a:t>デッキでのブラックジャックを実装できなかった</a:t>
+            </a:r>
+            <a:endParaRPr lang="en-US" altLang="ja-JP" sz="2400" dirty="0"/>
+          </a:p>
+          <a:p>
+            <a:r>
+              <a:rPr lang="ja-JP" altLang="en-US" sz="2400" dirty="0"/>
+              <a:t>プレイヤー、ディーラー等の処理を</a:t>
+            </a:r>
+            <a:r>
+              <a:rPr lang="ja-JP" altLang="en-US" sz="2400" dirty="0">
+                <a:solidFill>
+                  <a:srgbClr val="FFFF00"/>
+                </a:solidFill>
+              </a:rPr>
+              <a:t>別クラスで実装</a:t>
+            </a:r>
+            <a:r>
+              <a:rPr lang="ja-JP" altLang="en-US" sz="2400" dirty="0"/>
+              <a:t>できなかった</a:t>
+            </a:r>
+            <a:endParaRPr lang="en-US" altLang="ja-JP" sz="2400" dirty="0"/>
+          </a:p>
+          <a:p>
+            <a:endParaRPr lang="en-US" altLang="ja-JP" sz="2400" dirty="0"/>
+          </a:p>
+          <a:p>
+            <a:r>
+              <a:rPr kumimoji="1" lang="en-US" altLang="ja-JP" sz="2400" dirty="0"/>
+              <a:t>phpMyAdmin</a:t>
+            </a:r>
+            <a:r>
+              <a:rPr kumimoji="1" lang="ja-JP" altLang="en-US" sz="2400" dirty="0"/>
+              <a:t>を使って戦績を保存する処理も実装できそう？</a:t>
+            </a:r>
+            <a:endParaRPr kumimoji="1" lang="en-US" altLang="ja-JP" sz="2400" dirty="0"/>
+          </a:p>
+          <a:p>
+            <a:endParaRPr kumimoji="1" lang="ja-JP" altLang="en-US" dirty="0"/>
+          </a:p>
+        </p:txBody>
+      </p:sp>
+    </p:spTree>
+    <p:extLst>
+      <p:ext uri="{BB962C8B-B14F-4D97-AF65-F5344CB8AC3E}">
+        <p14:creationId xmlns:p14="http://schemas.microsoft.com/office/powerpoint/2010/main" val="1886945912"/>
+      </p:ext>
+    </p:extLst>
+  </p:cSld>
+  <p:clrMapOvr>
+    <a:masterClrMapping/>
+  </p:clrMapOvr>
+</p:sld>
+</file>
+
+<file path=ppt/slides/slide8.xml><?xml version="1.0" encoding="utf-8"?>
+<p:sld xmlns:a="http://schemas.openxmlformats.org/drawingml/2006/main" xmlns:r="http://schemas.openxmlformats.org/officeDocument/2006/relationships" xmlns:p="http://schemas.openxmlformats.org/presentationml/2006/main">
+  <p:cSld>
+    <p:spTree>
+      <p:nvGrpSpPr>
+        <p:cNvPr id="1" name=""/>
+        <p:cNvGrpSpPr/>
+        <p:nvPr/>
+      </p:nvGrpSpPr>
+      <p:grpSpPr>
+        <a:xfrm>
+          <a:off x="0" y="0"/>
+          <a:ext cx="0" cy="0"/>
+          <a:chOff x="0" y="0"/>
+          <a:chExt cx="0" cy="0"/>
+        </a:xfrm>
+      </p:grpSpPr>
+      <p:sp>
+        <p:nvSpPr>
+          <p:cNvPr id="2" name="タイトル 1">
+            <a:extLst>
+              <a:ext uri="{FF2B5EF4-FFF2-40B4-BE49-F238E27FC236}">
                 <a16:creationId xmlns:a16="http://schemas.microsoft.com/office/drawing/2014/main" id="{A84A80DF-EC31-4A00-8F37-F6E804FC7911}"/>
               </a:ext>
             </a:extLst>
@@ -3904,9 +7158,47 @@
           <a:lstStyle/>
           <a:p>
             <a:r>
-              <a:rPr kumimoji="1" lang="en-US" altLang="ja-JP" dirty="0"/>
+              <a:rPr kumimoji="1" lang="en-US" altLang="ja-JP" dirty="0" err="1"/>
+              <a:t>HackMD</a:t>
+            </a:r>
+            <a:r>
+              <a:rPr kumimoji="1" lang="ja-JP" altLang="en-US" dirty="0"/>
+              <a:t>（</a:t>
+            </a:r>
+            <a:r>
+              <a:rPr kumimoji="1" lang="en-US" altLang="ja-JP" dirty="0">
+                <a:hlinkClick r:id="rId2"/>
+              </a:rPr>
               <a:t>https://hackmd.io/@Uro168/BJd5jwG0_</a:t>
             </a:r>
+            <a:r>
+              <a:rPr kumimoji="1" lang="ja-JP" altLang="en-US" dirty="0"/>
+              <a:t>）</a:t>
+            </a:r>
+            <a:endParaRPr kumimoji="1" lang="en-US" altLang="ja-JP" dirty="0"/>
+          </a:p>
+          <a:p>
+            <a:r>
+              <a:rPr lang="en-US" altLang="ja-JP" dirty="0"/>
+              <a:t>GitHub</a:t>
+            </a:r>
+            <a:r>
+              <a:rPr lang="ja-JP" altLang="en-US" dirty="0"/>
+              <a:t>（</a:t>
+            </a:r>
+            <a:r>
+              <a:rPr lang="en-US" altLang="ja-JP" dirty="0">
+                <a:hlinkClick r:id="rId3"/>
+              </a:rPr>
+              <a:t>https://github.com/33w62k/blackjack.git</a:t>
+            </a:r>
+            <a:r>
+              <a:rPr lang="ja-JP" altLang="en-US" dirty="0"/>
+              <a:t>）</a:t>
+            </a:r>
+            <a:endParaRPr lang="en-US" altLang="ja-JP" dirty="0"/>
+          </a:p>
+          <a:p>
             <a:endParaRPr kumimoji="1" lang="ja-JP" altLang="en-US" dirty="0"/>
           </a:p>
         </p:txBody>
@@ -3925,9 +7217,9 @@
 </file>
 
 <file path=ppt/theme/theme1.xml><?xml version="1.0" encoding="utf-8"?>
-<a:theme xmlns:a="http://schemas.openxmlformats.org/drawingml/2006/main" name="Office テーマ">
+<a:theme xmlns:a="http://schemas.openxmlformats.org/drawingml/2006/main" name="Damask">
   <a:themeElements>
-    <a:clrScheme name="Office">
+    <a:clrScheme name="Damask">
       <a:dk1>
         <a:sysClr val="windowText" lastClr="000000"/>
       </a:dk1>
@@ -3935,44 +7227,44 @@
         <a:sysClr val="window" lastClr="FFFFFF"/>
       </a:lt1>
       <a:dk2>
-        <a:srgbClr val="44546A"/>
+        <a:srgbClr val="6D8C60"/>
       </a:dk2>
       <a:lt2>
-        <a:srgbClr val="E7E6E6"/>
+        <a:srgbClr val="B1D7A1"/>
       </a:lt2>
       <a:accent1>
-        <a:srgbClr val="4472C4"/>
+        <a:srgbClr val="81B992"/>
       </a:accent1>
       <a:accent2>
-        <a:srgbClr val="ED7D31"/>
+        <a:srgbClr val="9ABC65"/>
       </a:accent2>
       <a:accent3>
-        <a:srgbClr val="A5A5A5"/>
+        <a:srgbClr val="BDB564"/>
       </a:accent3>
       <a:accent4>
-        <a:srgbClr val="FFC000"/>
+        <a:srgbClr val="BD8964"/>
       </a:accent4>
       <a:accent5>
-        <a:srgbClr val="5B9BD5"/>
+        <a:srgbClr val="BD6466"/>
       </a:accent5>
       <a:accent6>
-        <a:srgbClr val="70AD47"/>
+        <a:srgbClr val="64A4BD"/>
       </a:accent6>
       <a:hlink>
-        <a:srgbClr val="0563C1"/>
+        <a:srgbClr val="8CCC71"/>
       </a:hlink>
       <a:folHlink>
-        <a:srgbClr val="954F72"/>
+        <a:srgbClr val="A4C795"/>
       </a:folHlink>
     </a:clrScheme>
-    <a:fontScheme name="Office">
+    <a:fontScheme name="Damask">
       <a:majorFont>
-        <a:latin typeface="游ゴシック Light" panose="020F0302020204030204"/>
+        <a:latin typeface="Bookman Old Style" panose="02050604050505020204"/>
         <a:ea typeface=""/>
         <a:cs typeface=""/>
-        <a:font script="Jpan" typeface="游ゴシック Light"/>
+        <a:font script="Jpan" typeface="ＭＳ Ｐゴシック"/>
         <a:font script="Hang" typeface="맑은 고딕"/>
-        <a:font script="Hans" typeface="等线 Light"/>
+        <a:font script="Hans" typeface="宋体"/>
         <a:font script="Hant" typeface="新細明體"/>
         <a:font script="Arab" typeface="Times New Roman"/>
         <a:font script="Hebr" typeface="Times New Roman"/>
@@ -4000,31 +7292,14 @@
         <a:font script="Viet" typeface="Times New Roman"/>
         <a:font script="Uigh" typeface="Microsoft Uighur"/>
         <a:font script="Geor" typeface="Sylfaen"/>
-        <a:font script="Armn" typeface="Arial"/>
-        <a:font script="Bugi" typeface="Leelawadee UI"/>
-        <a:font script="Bopo" typeface="Microsoft JhengHei"/>
-        <a:font script="Java" typeface="Javanese Text"/>
-        <a:font script="Lisu" typeface="Segoe UI"/>
-        <a:font script="Mymr" typeface="Myanmar Text"/>
-        <a:font script="Nkoo" typeface="Ebrima"/>
-        <a:font script="Olck" typeface="Nirmala UI"/>
-        <a:font script="Osma" typeface="Ebrima"/>
-        <a:font script="Phag" typeface="Phagspa"/>
-        <a:font script="Syrn" typeface="Estrangelo Edessa"/>
-        <a:font script="Syrj" typeface="Estrangelo Edessa"/>
-        <a:font script="Syre" typeface="Estrangelo Edessa"/>
-        <a:font script="Sora" typeface="Nirmala UI"/>
-        <a:font script="Tale" typeface="Microsoft Tai Le"/>
-        <a:font script="Talu" typeface="Microsoft New Tai Lue"/>
-        <a:font script="Tfng" typeface="Ebrima"/>
       </a:majorFont>
       <a:minorFont>
-        <a:latin typeface="游ゴシック" panose="020F0502020204030204"/>
+        <a:latin typeface="Rockwell" panose="02060603020205020403"/>
         <a:ea typeface=""/>
         <a:cs typeface=""/>
-        <a:font script="Jpan" typeface="游ゴシック"/>
+        <a:font script="Jpan" typeface="ＭＳ Ｐゴシック"/>
         <a:font script="Hang" typeface="맑은 고딕"/>
-        <a:font script="Hans" typeface="等线"/>
+        <a:font script="Hans" typeface="宋体"/>
         <a:font script="Hant" typeface="新細明體"/>
         <a:font script="Arab" typeface="Arial"/>
         <a:font script="Hebr" typeface="Arial"/>
@@ -4052,26 +7327,9 @@
         <a:font script="Viet" typeface="Arial"/>
         <a:font script="Uigh" typeface="Microsoft Uighur"/>
         <a:font script="Geor" typeface="Sylfaen"/>
-        <a:font script="Armn" typeface="Arial"/>
-        <a:font script="Bugi" typeface="Leelawadee UI"/>
-        <a:font script="Bopo" typeface="Microsoft JhengHei"/>
-        <a:font script="Java" typeface="Javanese Text"/>
-        <a:font script="Lisu" typeface="Segoe UI"/>
-        <a:font script="Mymr" typeface="Myanmar Text"/>
-        <a:font script="Nkoo" typeface="Ebrima"/>
-        <a:font script="Olck" typeface="Nirmala UI"/>
-        <a:font script="Osma" typeface="Ebrima"/>
-        <a:font script="Phag" typeface="Phagspa"/>
-        <a:font script="Syrn" typeface="Estrangelo Edessa"/>
-        <a:font script="Syrj" typeface="Estrangelo Edessa"/>
-        <a:font script="Syre" typeface="Estrangelo Edessa"/>
-        <a:font script="Sora" typeface="Nirmala UI"/>
-        <a:font script="Tale" typeface="Microsoft Tai Le"/>
-        <a:font script="Talu" typeface="Microsoft New Tai Lue"/>
-        <a:font script="Tfng" typeface="Ebrima"/>
       </a:minorFont>
     </a:fontScheme>
-    <a:fmtScheme name="Office">
+    <a:fmtScheme name="Damask">
       <a:fillStyleLst>
         <a:solidFill>
           <a:schemeClr val="phClr"/>
@@ -4080,23 +7338,16 @@
           <a:gsLst>
             <a:gs pos="0">
               <a:schemeClr val="phClr">
+                <a:tint val="48000"/>
+                <a:satMod val="105000"/>
                 <a:lumMod val="110000"/>
-                <a:satMod val="105000"/>
-                <a:tint val="67000"/>
-              </a:schemeClr>
-            </a:gs>
-            <a:gs pos="50000">
-              <a:schemeClr val="phClr">
-                <a:lumMod val="105000"/>
-                <a:satMod val="103000"/>
-                <a:tint val="73000"/>
               </a:schemeClr>
             </a:gs>
             <a:gs pos="100000">
               <a:schemeClr val="phClr">
-                <a:lumMod val="105000"/>
+                <a:tint val="78000"/>
                 <a:satMod val="109000"/>
-                <a:tint val="81000"/>
+                <a:lumMod val="100000"/>
               </a:schemeClr>
             </a:gs>
           </a:gsLst>
@@ -4106,23 +7357,23 @@
           <a:gsLst>
             <a:gs pos="0">
               <a:schemeClr val="phClr">
-                <a:satMod val="103000"/>
-                <a:lumMod val="102000"/>
                 <a:tint val="94000"/>
+                <a:satMod val="100000"/>
+                <a:lumMod val="104000"/>
               </a:schemeClr>
             </a:gs>
-            <a:gs pos="50000">
+            <a:gs pos="69000">
               <a:schemeClr val="phClr">
-                <a:satMod val="110000"/>
-                <a:lumMod val="100000"/>
-                <a:shade val="100000"/>
+                <a:shade val="86000"/>
+                <a:satMod val="130000"/>
+                <a:lumMod val="102000"/>
               </a:schemeClr>
             </a:gs>
             <a:gs pos="100000">
               <a:schemeClr val="phClr">
-                <a:lumMod val="99000"/>
-                <a:satMod val="120000"/>
-                <a:shade val="78000"/>
+                <a:shade val="72000"/>
+                <a:satMod val="130000"/>
+                <a:lumMod val="100000"/>
               </a:schemeClr>
             </a:gs>
           </a:gsLst>
@@ -4130,26 +7381,23 @@
         </a:gradFill>
       </a:fillStyleLst>
       <a:lnStyleLst>
-        <a:ln w="6350" cap="flat" cmpd="sng" algn="ctr">
-          <a:solidFill>
-            <a:schemeClr val="phClr"/>
-          </a:solidFill>
-          <a:prstDash val="solid"/>
-          <a:miter lim="800000"/>
-        </a:ln>
         <a:ln w="12700" cap="flat" cmpd="sng" algn="ctr">
           <a:solidFill>
             <a:schemeClr val="phClr"/>
           </a:solidFill>
           <a:prstDash val="solid"/>
-          <a:miter lim="800000"/>
         </a:ln>
         <a:ln w="19050" cap="flat" cmpd="sng" algn="ctr">
           <a:solidFill>
             <a:schemeClr val="phClr"/>
           </a:solidFill>
           <a:prstDash val="solid"/>
-          <a:miter lim="800000"/>
+        </a:ln>
+        <a:ln w="25400" cap="flat" cmpd="sng" algn="ctr">
+          <a:solidFill>
+            <a:schemeClr val="phClr"/>
+          </a:solidFill>
+          <a:prstDash val="solid"/>
         </a:ln>
       </a:lnStyleLst>
       <a:effectStyleLst>
@@ -4157,16 +7405,31 @@
           <a:effectLst/>
         </a:effectStyle>
         <a:effectStyle>
-          <a:effectLst/>
+          <a:effectLst>
+            <a:outerShdw blurRad="50800" dist="38100" dir="5400000" sy="96000" rotWithShape="0">
+              <a:srgbClr val="000000">
+                <a:alpha val="54000"/>
+              </a:srgbClr>
+            </a:outerShdw>
+          </a:effectLst>
         </a:effectStyle>
         <a:effectStyle>
           <a:effectLst>
-            <a:outerShdw blurRad="57150" dist="19050" dir="5400000" algn="ctr" rotWithShape="0">
+            <a:outerShdw blurRad="76200" dist="38100" dir="5400000" algn="ctr" rotWithShape="0">
               <a:srgbClr val="000000">
-                <a:alpha val="63000"/>
+                <a:alpha val="76000"/>
               </a:srgbClr>
             </a:outerShdw>
           </a:effectLst>
+          <a:scene3d>
+            <a:camera prst="orthographicFront">
+              <a:rot lat="0" lon="0" rev="0"/>
+            </a:camera>
+            <a:lightRig rig="balanced" dir="t"/>
+          </a:scene3d>
+          <a:sp3d prstMaterial="matte">
+            <a:bevelT w="25400" h="25400" prst="relaxedInset"/>
+          </a:sp3d>
         </a:effectStyle>
       </a:effectStyleLst>
       <a:bgFillStyleLst>
@@ -4179,33 +7442,23 @@
             <a:satMod val="170000"/>
           </a:schemeClr>
         </a:solidFill>
-        <a:gradFill rotWithShape="1">
-          <a:gsLst>
-            <a:gs pos="0">
+        <a:blipFill rotWithShape="1">
+          <a:blip xmlns:r="http://schemas.openxmlformats.org/officeDocument/2006/relationships" r:embed="rId1">
+            <a:duotone>
               <a:schemeClr val="phClr">
-                <a:tint val="93000"/>
-                <a:satMod val="150000"/>
-                <a:shade val="98000"/>
-                <a:lumMod val="102000"/>
+                <a:shade val="18000"/>
+                <a:satMod val="160000"/>
+                <a:lumMod val="28000"/>
               </a:schemeClr>
-            </a:gs>
-            <a:gs pos="50000">
               <a:schemeClr val="phClr">
-                <a:tint val="98000"/>
-                <a:satMod val="130000"/>
-                <a:shade val="90000"/>
-                <a:lumMod val="103000"/>
+                <a:tint val="95000"/>
+                <a:satMod val="160000"/>
+                <a:lumMod val="116000"/>
               </a:schemeClr>
-            </a:gs>
-            <a:gs pos="100000">
-              <a:schemeClr val="phClr">
-                <a:shade val="63000"/>
-                <a:satMod val="120000"/>
-              </a:schemeClr>
-            </a:gs>
-          </a:gsLst>
-          <a:lin ang="5400000" scaled="0"/>
-        </a:gradFill>
+            </a:duotone>
+          </a:blip>
+          <a:stretch/>
+        </a:blipFill>
       </a:bgFillStyleLst>
     </a:fmtScheme>
   </a:themeElements>
@@ -4213,7 +7466,7 @@
   <a:extraClrSchemeLst/>
   <a:extLst>
     <a:ext uri="{05A4C25C-085E-4340-85A3-A5531E510DB2}">
-      <thm15:themeFamily xmlns:thm15="http://schemas.microsoft.com/office/thememl/2012/main" name="Office Theme" id="{62F939B6-93AF-4DB8-9C6B-D6C7DFDC589F}" vid="{4A3C46E8-61CC-4603-A589-7422A47A8E4A}"/>
+      <thm15:themeFamily xmlns:thm15="http://schemas.microsoft.com/office/thememl/2012/main" name="Damask" id="{F9A299A0-33D0-4E0F-9F3F-7163E3744208}" vid="{4539428D-6454-4FE6-B992-2D59F0AC2F89}"/>
     </a:ext>
   </a:extLst>
 </a:theme>

--- a/G_team.pptx
+++ b/G_team.pptx
@@ -6017,7 +6017,7 @@
             </a:r>
             <a:r>
               <a:rPr lang="en-US" altLang="ja-JP" dirty="0"/>
-              <a:t>EP10073 </a:t>
+              <a:t>EP20073 </a:t>
             </a:r>
             <a:r>
               <a:rPr lang="ja-JP" altLang="en-US" dirty="0"/>
@@ -6061,6 +6061,285 @@
   <p:clrMapOvr>
     <a:masterClrMapping/>
   </p:clrMapOvr>
+  <p:timing>
+    <p:tnLst>
+      <p:par>
+        <p:cTn id="1" dur="indefinite" restart="never" nodeType="tmRoot">
+          <p:childTnLst>
+            <p:seq concurrent="1" nextAc="seek">
+              <p:cTn id="2" dur="indefinite" nodeType="mainSeq">
+                <p:childTnLst>
+                  <p:par>
+                    <p:cTn id="3" fill="hold">
+                      <p:stCondLst>
+                        <p:cond delay="indefinite"/>
+                      </p:stCondLst>
+                      <p:childTnLst>
+                        <p:par>
+                          <p:cTn id="4" fill="hold">
+                            <p:stCondLst>
+                              <p:cond delay="0"/>
+                            </p:stCondLst>
+                            <p:childTnLst>
+                              <p:par>
+                                <p:cTn id="5" presetID="45" presetClass="entr" presetSubtype="0" fill="hold" grpId="0" nodeType="clickEffect">
+                                  <p:stCondLst>
+                                    <p:cond delay="0"/>
+                                  </p:stCondLst>
+                                  <p:childTnLst>
+                                    <p:set>
+                                      <p:cBhvr>
+                                        <p:cTn id="6" dur="1" fill="hold">
+                                          <p:stCondLst>
+                                            <p:cond delay="0"/>
+                                          </p:stCondLst>
+                                        </p:cTn>
+                                        <p:tgtEl>
+                                          <p:spTgt spid="2"/>
+                                        </p:tgtEl>
+                                        <p:attrNameLst>
+                                          <p:attrName>style.visibility</p:attrName>
+                                        </p:attrNameLst>
+                                      </p:cBhvr>
+                                      <p:to>
+                                        <p:strVal val="visible"/>
+                                      </p:to>
+                                    </p:set>
+                                    <p:animEffect transition="in" filter="fade">
+                                      <p:cBhvr>
+                                        <p:cTn id="7" dur="2000"/>
+                                        <p:tgtEl>
+                                          <p:spTgt spid="2"/>
+                                        </p:tgtEl>
+                                      </p:cBhvr>
+                                    </p:animEffect>
+                                    <p:anim calcmode="lin" valueType="num">
+                                      <p:cBhvr>
+                                        <p:cTn id="8" dur="2000" fill="hold"/>
+                                        <p:tgtEl>
+                                          <p:spTgt spid="2"/>
+                                        </p:tgtEl>
+                                        <p:attrNameLst>
+                                          <p:attrName>ppt_w</p:attrName>
+                                        </p:attrNameLst>
+                                      </p:cBhvr>
+                                      <p:tavLst>
+                                        <p:tav tm="0" fmla="#ppt_w*sin(2.5*pi*$)">
+                                          <p:val>
+                                            <p:fltVal val="0"/>
+                                          </p:val>
+                                        </p:tav>
+                                        <p:tav tm="100000">
+                                          <p:val>
+                                            <p:fltVal val="1"/>
+                                          </p:val>
+                                        </p:tav>
+                                      </p:tavLst>
+                                    </p:anim>
+                                    <p:anim calcmode="lin" valueType="num">
+                                      <p:cBhvr>
+                                        <p:cTn id="9" dur="2000" fill="hold"/>
+                                        <p:tgtEl>
+                                          <p:spTgt spid="2"/>
+                                        </p:tgtEl>
+                                        <p:attrNameLst>
+                                          <p:attrName>ppt_h</p:attrName>
+                                        </p:attrNameLst>
+                                      </p:cBhvr>
+                                      <p:tavLst>
+                                        <p:tav tm="0">
+                                          <p:val>
+                                            <p:strVal val="#ppt_h"/>
+                                          </p:val>
+                                        </p:tav>
+                                        <p:tav tm="100000">
+                                          <p:val>
+                                            <p:strVal val="#ppt_h"/>
+                                          </p:val>
+                                        </p:tav>
+                                      </p:tavLst>
+                                    </p:anim>
+                                  </p:childTnLst>
+                                </p:cTn>
+                              </p:par>
+                            </p:childTnLst>
+                          </p:cTn>
+                        </p:par>
+                      </p:childTnLst>
+                    </p:cTn>
+                  </p:par>
+                  <p:par>
+                    <p:cTn id="10" fill="hold">
+                      <p:stCondLst>
+                        <p:cond delay="indefinite"/>
+                      </p:stCondLst>
+                      <p:childTnLst>
+                        <p:par>
+                          <p:cTn id="11" fill="hold">
+                            <p:stCondLst>
+                              <p:cond delay="0"/>
+                            </p:stCondLst>
+                            <p:childTnLst>
+                              <p:par>
+                                <p:cTn id="12" presetID="10" presetClass="entr" presetSubtype="0" fill="hold" nodeType="clickEffect">
+                                  <p:stCondLst>
+                                    <p:cond delay="0"/>
+                                  </p:stCondLst>
+                                  <p:childTnLst>
+                                    <p:set>
+                                      <p:cBhvr>
+                                        <p:cTn id="13" dur="1" fill="hold">
+                                          <p:stCondLst>
+                                            <p:cond delay="0"/>
+                                          </p:stCondLst>
+                                        </p:cTn>
+                                        <p:tgtEl>
+                                          <p:spTgt spid="3">
+                                            <p:txEl>
+                                              <p:pRg st="1" end="1"/>
+                                            </p:txEl>
+                                          </p:spTgt>
+                                        </p:tgtEl>
+                                        <p:attrNameLst>
+                                          <p:attrName>style.visibility</p:attrName>
+                                        </p:attrNameLst>
+                                      </p:cBhvr>
+                                      <p:to>
+                                        <p:strVal val="visible"/>
+                                      </p:to>
+                                    </p:set>
+                                    <p:animEffect transition="in" filter="fade">
+                                      <p:cBhvr>
+                                        <p:cTn id="14" dur="500"/>
+                                        <p:tgtEl>
+                                          <p:spTgt spid="3">
+                                            <p:txEl>
+                                              <p:pRg st="1" end="1"/>
+                                            </p:txEl>
+                                          </p:spTgt>
+                                        </p:tgtEl>
+                                      </p:cBhvr>
+                                    </p:animEffect>
+                                  </p:childTnLst>
+                                </p:cTn>
+                              </p:par>
+                              <p:par>
+                                <p:cTn id="15" presetID="10" presetClass="entr" presetSubtype="0" fill="hold" nodeType="withEffect">
+                                  <p:stCondLst>
+                                    <p:cond delay="0"/>
+                                  </p:stCondLst>
+                                  <p:childTnLst>
+                                    <p:set>
+                                      <p:cBhvr>
+                                        <p:cTn id="16" dur="1" fill="hold">
+                                          <p:stCondLst>
+                                            <p:cond delay="0"/>
+                                          </p:stCondLst>
+                                        </p:cTn>
+                                        <p:tgtEl>
+                                          <p:spTgt spid="3">
+                                            <p:txEl>
+                                              <p:pRg st="2" end="2"/>
+                                            </p:txEl>
+                                          </p:spTgt>
+                                        </p:tgtEl>
+                                        <p:attrNameLst>
+                                          <p:attrName>style.visibility</p:attrName>
+                                        </p:attrNameLst>
+                                      </p:cBhvr>
+                                      <p:to>
+                                        <p:strVal val="visible"/>
+                                      </p:to>
+                                    </p:set>
+                                    <p:animEffect transition="in" filter="fade">
+                                      <p:cBhvr>
+                                        <p:cTn id="17" dur="500"/>
+                                        <p:tgtEl>
+                                          <p:spTgt spid="3">
+                                            <p:txEl>
+                                              <p:pRg st="2" end="2"/>
+                                            </p:txEl>
+                                          </p:spTgt>
+                                        </p:tgtEl>
+                                      </p:cBhvr>
+                                    </p:animEffect>
+                                  </p:childTnLst>
+                                </p:cTn>
+                              </p:par>
+                              <p:par>
+                                <p:cTn id="18" presetID="10" presetClass="entr" presetSubtype="0" fill="hold" nodeType="withEffect">
+                                  <p:stCondLst>
+                                    <p:cond delay="0"/>
+                                  </p:stCondLst>
+                                  <p:childTnLst>
+                                    <p:set>
+                                      <p:cBhvr>
+                                        <p:cTn id="19" dur="1" fill="hold">
+                                          <p:stCondLst>
+                                            <p:cond delay="0"/>
+                                          </p:stCondLst>
+                                        </p:cTn>
+                                        <p:tgtEl>
+                                          <p:spTgt spid="3">
+                                            <p:txEl>
+                                              <p:pRg st="3" end="3"/>
+                                            </p:txEl>
+                                          </p:spTgt>
+                                        </p:tgtEl>
+                                        <p:attrNameLst>
+                                          <p:attrName>style.visibility</p:attrName>
+                                        </p:attrNameLst>
+                                      </p:cBhvr>
+                                      <p:to>
+                                        <p:strVal val="visible"/>
+                                      </p:to>
+                                    </p:set>
+                                    <p:animEffect transition="in" filter="fade">
+                                      <p:cBhvr>
+                                        <p:cTn id="20" dur="500"/>
+                                        <p:tgtEl>
+                                          <p:spTgt spid="3">
+                                            <p:txEl>
+                                              <p:pRg st="3" end="3"/>
+                                            </p:txEl>
+                                          </p:spTgt>
+                                        </p:tgtEl>
+                                      </p:cBhvr>
+                                    </p:animEffect>
+                                  </p:childTnLst>
+                                </p:cTn>
+                              </p:par>
+                            </p:childTnLst>
+                          </p:cTn>
+                        </p:par>
+                      </p:childTnLst>
+                    </p:cTn>
+                  </p:par>
+                </p:childTnLst>
+              </p:cTn>
+              <p:prevCondLst>
+                <p:cond evt="onPrev" delay="0">
+                  <p:tgtEl>
+                    <p:sldTgt/>
+                  </p:tgtEl>
+                </p:cond>
+              </p:prevCondLst>
+              <p:nextCondLst>
+                <p:cond evt="onNext" delay="0">
+                  <p:tgtEl>
+                    <p:sldTgt/>
+                  </p:tgtEl>
+                </p:cond>
+              </p:nextCondLst>
+            </p:seq>
+          </p:childTnLst>
+        </p:cTn>
+      </p:par>
+    </p:tnLst>
+    <p:bldLst>
+      <p:bldP spid="2" grpId="0"/>
+    </p:bldLst>
+  </p:timing>
 </p:sld>
 </file>
 
@@ -6185,6 +6464,402 @@
   <p:clrMapOvr>
     <a:masterClrMapping/>
   </p:clrMapOvr>
+  <p:timing>
+    <p:tnLst>
+      <p:par>
+        <p:cTn id="1" dur="indefinite" restart="never" nodeType="tmRoot">
+          <p:childTnLst>
+            <p:seq concurrent="1" nextAc="seek">
+              <p:cTn id="2" dur="indefinite" nodeType="mainSeq">
+                <p:childTnLst>
+                  <p:par>
+                    <p:cTn id="3" fill="hold">
+                      <p:stCondLst>
+                        <p:cond delay="indefinite"/>
+                      </p:stCondLst>
+                      <p:childTnLst>
+                        <p:par>
+                          <p:cTn id="4" fill="hold">
+                            <p:stCondLst>
+                              <p:cond delay="0"/>
+                            </p:stCondLst>
+                            <p:childTnLst>
+                              <p:par>
+                                <p:cTn id="5" presetID="10" presetClass="entr" presetSubtype="0" fill="hold" nodeType="clickEffect">
+                                  <p:stCondLst>
+                                    <p:cond delay="0"/>
+                                  </p:stCondLst>
+                                  <p:childTnLst>
+                                    <p:set>
+                                      <p:cBhvr>
+                                        <p:cTn id="6" dur="1" fill="hold">
+                                          <p:stCondLst>
+                                            <p:cond delay="0"/>
+                                          </p:stCondLst>
+                                        </p:cTn>
+                                        <p:tgtEl>
+                                          <p:spTgt spid="3">
+                                            <p:txEl>
+                                              <p:pRg st="0" end="0"/>
+                                            </p:txEl>
+                                          </p:spTgt>
+                                        </p:tgtEl>
+                                        <p:attrNameLst>
+                                          <p:attrName>style.visibility</p:attrName>
+                                        </p:attrNameLst>
+                                      </p:cBhvr>
+                                      <p:to>
+                                        <p:strVal val="visible"/>
+                                      </p:to>
+                                    </p:set>
+                                    <p:animEffect transition="in" filter="fade">
+                                      <p:cBhvr>
+                                        <p:cTn id="7" dur="500"/>
+                                        <p:tgtEl>
+                                          <p:spTgt spid="3">
+                                            <p:txEl>
+                                              <p:pRg st="0" end="0"/>
+                                            </p:txEl>
+                                          </p:spTgt>
+                                        </p:tgtEl>
+                                      </p:cBhvr>
+                                    </p:animEffect>
+                                  </p:childTnLst>
+                                </p:cTn>
+                              </p:par>
+                            </p:childTnLst>
+                          </p:cTn>
+                        </p:par>
+                      </p:childTnLst>
+                    </p:cTn>
+                  </p:par>
+                  <p:par>
+                    <p:cTn id="8" fill="hold">
+                      <p:stCondLst>
+                        <p:cond delay="indefinite"/>
+                      </p:stCondLst>
+                      <p:childTnLst>
+                        <p:par>
+                          <p:cTn id="9" fill="hold">
+                            <p:stCondLst>
+                              <p:cond delay="0"/>
+                            </p:stCondLst>
+                            <p:childTnLst>
+                              <p:par>
+                                <p:cTn id="10" presetID="10" presetClass="entr" presetSubtype="0" fill="hold" nodeType="clickEffect">
+                                  <p:stCondLst>
+                                    <p:cond delay="0"/>
+                                  </p:stCondLst>
+                                  <p:childTnLst>
+                                    <p:set>
+                                      <p:cBhvr>
+                                        <p:cTn id="11" dur="1" fill="hold">
+                                          <p:stCondLst>
+                                            <p:cond delay="0"/>
+                                          </p:stCondLst>
+                                        </p:cTn>
+                                        <p:tgtEl>
+                                          <p:spTgt spid="3">
+                                            <p:txEl>
+                                              <p:pRg st="1" end="1"/>
+                                            </p:txEl>
+                                          </p:spTgt>
+                                        </p:tgtEl>
+                                        <p:attrNameLst>
+                                          <p:attrName>style.visibility</p:attrName>
+                                        </p:attrNameLst>
+                                      </p:cBhvr>
+                                      <p:to>
+                                        <p:strVal val="visible"/>
+                                      </p:to>
+                                    </p:set>
+                                    <p:animEffect transition="in" filter="fade">
+                                      <p:cBhvr>
+                                        <p:cTn id="12" dur="500"/>
+                                        <p:tgtEl>
+                                          <p:spTgt spid="3">
+                                            <p:txEl>
+                                              <p:pRg st="1" end="1"/>
+                                            </p:txEl>
+                                          </p:spTgt>
+                                        </p:tgtEl>
+                                      </p:cBhvr>
+                                    </p:animEffect>
+                                  </p:childTnLst>
+                                </p:cTn>
+                              </p:par>
+                            </p:childTnLst>
+                          </p:cTn>
+                        </p:par>
+                      </p:childTnLst>
+                    </p:cTn>
+                  </p:par>
+                  <p:par>
+                    <p:cTn id="13" fill="hold">
+                      <p:stCondLst>
+                        <p:cond delay="indefinite"/>
+                      </p:stCondLst>
+                      <p:childTnLst>
+                        <p:par>
+                          <p:cTn id="14" fill="hold">
+                            <p:stCondLst>
+                              <p:cond delay="0"/>
+                            </p:stCondLst>
+                            <p:childTnLst>
+                              <p:par>
+                                <p:cTn id="15" presetID="10" presetClass="entr" presetSubtype="0" fill="hold" nodeType="clickEffect">
+                                  <p:stCondLst>
+                                    <p:cond delay="0"/>
+                                  </p:stCondLst>
+                                  <p:childTnLst>
+                                    <p:set>
+                                      <p:cBhvr>
+                                        <p:cTn id="16" dur="1" fill="hold">
+                                          <p:stCondLst>
+                                            <p:cond delay="0"/>
+                                          </p:stCondLst>
+                                        </p:cTn>
+                                        <p:tgtEl>
+                                          <p:spTgt spid="3">
+                                            <p:txEl>
+                                              <p:pRg st="2" end="2"/>
+                                            </p:txEl>
+                                          </p:spTgt>
+                                        </p:tgtEl>
+                                        <p:attrNameLst>
+                                          <p:attrName>style.visibility</p:attrName>
+                                        </p:attrNameLst>
+                                      </p:cBhvr>
+                                      <p:to>
+                                        <p:strVal val="visible"/>
+                                      </p:to>
+                                    </p:set>
+                                    <p:animEffect transition="in" filter="fade">
+                                      <p:cBhvr>
+                                        <p:cTn id="17" dur="500"/>
+                                        <p:tgtEl>
+                                          <p:spTgt spid="3">
+                                            <p:txEl>
+                                              <p:pRg st="2" end="2"/>
+                                            </p:txEl>
+                                          </p:spTgt>
+                                        </p:tgtEl>
+                                      </p:cBhvr>
+                                    </p:animEffect>
+                                  </p:childTnLst>
+                                </p:cTn>
+                              </p:par>
+                            </p:childTnLst>
+                          </p:cTn>
+                        </p:par>
+                      </p:childTnLst>
+                    </p:cTn>
+                  </p:par>
+                  <p:par>
+                    <p:cTn id="18" fill="hold">
+                      <p:stCondLst>
+                        <p:cond delay="indefinite"/>
+                      </p:stCondLst>
+                      <p:childTnLst>
+                        <p:par>
+                          <p:cTn id="19" fill="hold">
+                            <p:stCondLst>
+                              <p:cond delay="0"/>
+                            </p:stCondLst>
+                            <p:childTnLst>
+                              <p:par>
+                                <p:cTn id="20" presetID="10" presetClass="entr" presetSubtype="0" fill="hold" nodeType="clickEffect">
+                                  <p:stCondLst>
+                                    <p:cond delay="0"/>
+                                  </p:stCondLst>
+                                  <p:childTnLst>
+                                    <p:set>
+                                      <p:cBhvr>
+                                        <p:cTn id="21" dur="1" fill="hold">
+                                          <p:stCondLst>
+                                            <p:cond delay="0"/>
+                                          </p:stCondLst>
+                                        </p:cTn>
+                                        <p:tgtEl>
+                                          <p:spTgt spid="3">
+                                            <p:txEl>
+                                              <p:pRg st="3" end="3"/>
+                                            </p:txEl>
+                                          </p:spTgt>
+                                        </p:tgtEl>
+                                        <p:attrNameLst>
+                                          <p:attrName>style.visibility</p:attrName>
+                                        </p:attrNameLst>
+                                      </p:cBhvr>
+                                      <p:to>
+                                        <p:strVal val="visible"/>
+                                      </p:to>
+                                    </p:set>
+                                    <p:animEffect transition="in" filter="fade">
+                                      <p:cBhvr>
+                                        <p:cTn id="22" dur="500"/>
+                                        <p:tgtEl>
+                                          <p:spTgt spid="3">
+                                            <p:txEl>
+                                              <p:pRg st="3" end="3"/>
+                                            </p:txEl>
+                                          </p:spTgt>
+                                        </p:tgtEl>
+                                      </p:cBhvr>
+                                    </p:animEffect>
+                                  </p:childTnLst>
+                                </p:cTn>
+                              </p:par>
+                            </p:childTnLst>
+                          </p:cTn>
+                        </p:par>
+                      </p:childTnLst>
+                    </p:cTn>
+                  </p:par>
+                  <p:par>
+                    <p:cTn id="23" fill="hold">
+                      <p:stCondLst>
+                        <p:cond delay="indefinite"/>
+                      </p:stCondLst>
+                      <p:childTnLst>
+                        <p:par>
+                          <p:cTn id="24" fill="hold">
+                            <p:stCondLst>
+                              <p:cond delay="0"/>
+                            </p:stCondLst>
+                            <p:childTnLst>
+                              <p:par>
+                                <p:cTn id="25" presetID="10" presetClass="entr" presetSubtype="0" fill="hold" nodeType="clickEffect">
+                                  <p:stCondLst>
+                                    <p:cond delay="0"/>
+                                  </p:stCondLst>
+                                  <p:childTnLst>
+                                    <p:set>
+                                      <p:cBhvr>
+                                        <p:cTn id="26" dur="1" fill="hold">
+                                          <p:stCondLst>
+                                            <p:cond delay="0"/>
+                                          </p:stCondLst>
+                                        </p:cTn>
+                                        <p:tgtEl>
+                                          <p:spTgt spid="3">
+                                            <p:txEl>
+                                              <p:pRg st="4" end="4"/>
+                                            </p:txEl>
+                                          </p:spTgt>
+                                        </p:tgtEl>
+                                        <p:attrNameLst>
+                                          <p:attrName>style.visibility</p:attrName>
+                                        </p:attrNameLst>
+                                      </p:cBhvr>
+                                      <p:to>
+                                        <p:strVal val="visible"/>
+                                      </p:to>
+                                    </p:set>
+                                    <p:animEffect transition="in" filter="fade">
+                                      <p:cBhvr>
+                                        <p:cTn id="27" dur="500"/>
+                                        <p:tgtEl>
+                                          <p:spTgt spid="3">
+                                            <p:txEl>
+                                              <p:pRg st="4" end="4"/>
+                                            </p:txEl>
+                                          </p:spTgt>
+                                        </p:tgtEl>
+                                      </p:cBhvr>
+                                    </p:animEffect>
+                                  </p:childTnLst>
+                                </p:cTn>
+                              </p:par>
+                            </p:childTnLst>
+                          </p:cTn>
+                        </p:par>
+                      </p:childTnLst>
+                    </p:cTn>
+                  </p:par>
+                  <p:par>
+                    <p:cTn id="28" fill="hold">
+                      <p:stCondLst>
+                        <p:cond delay="indefinite"/>
+                      </p:stCondLst>
+                      <p:childTnLst>
+                        <p:par>
+                          <p:cTn id="29" fill="hold">
+                            <p:stCondLst>
+                              <p:cond delay="0"/>
+                            </p:stCondLst>
+                            <p:childTnLst>
+                              <p:par>
+                                <p:cTn id="30" presetID="10" presetClass="entr" presetSubtype="0" fill="hold" nodeType="clickEffect">
+                                  <p:stCondLst>
+                                    <p:cond delay="0"/>
+                                  </p:stCondLst>
+                                  <p:childTnLst>
+                                    <p:set>
+                                      <p:cBhvr>
+                                        <p:cTn id="31" dur="1" fill="hold">
+                                          <p:stCondLst>
+                                            <p:cond delay="0"/>
+                                          </p:stCondLst>
+                                        </p:cTn>
+                                        <p:tgtEl>
+                                          <p:spTgt spid="3">
+                                            <p:txEl>
+                                              <p:pRg st="5" end="5"/>
+                                            </p:txEl>
+                                          </p:spTgt>
+                                        </p:tgtEl>
+                                        <p:attrNameLst>
+                                          <p:attrName>style.visibility</p:attrName>
+                                        </p:attrNameLst>
+                                      </p:cBhvr>
+                                      <p:to>
+                                        <p:strVal val="visible"/>
+                                      </p:to>
+                                    </p:set>
+                                    <p:animEffect transition="in" filter="fade">
+                                      <p:cBhvr>
+                                        <p:cTn id="32" dur="500"/>
+                                        <p:tgtEl>
+                                          <p:spTgt spid="3">
+                                            <p:txEl>
+                                              <p:pRg st="5" end="5"/>
+                                            </p:txEl>
+                                          </p:spTgt>
+                                        </p:tgtEl>
+                                      </p:cBhvr>
+                                    </p:animEffect>
+                                  </p:childTnLst>
+                                </p:cTn>
+                              </p:par>
+                            </p:childTnLst>
+                          </p:cTn>
+                        </p:par>
+                      </p:childTnLst>
+                    </p:cTn>
+                  </p:par>
+                </p:childTnLst>
+              </p:cTn>
+              <p:prevCondLst>
+                <p:cond evt="onPrev" delay="0">
+                  <p:tgtEl>
+                    <p:sldTgt/>
+                  </p:tgtEl>
+                </p:cond>
+              </p:prevCondLst>
+              <p:nextCondLst>
+                <p:cond evt="onNext" delay="0">
+                  <p:tgtEl>
+                    <p:sldTgt/>
+                  </p:tgtEl>
+                </p:cond>
+              </p:nextCondLst>
+            </p:seq>
+          </p:childTnLst>
+        </p:cTn>
+      </p:par>
+    </p:tnLst>
+  </p:timing>
 </p:sld>
 </file>
 
@@ -6367,6 +7042,384 @@
   <p:clrMapOvr>
     <a:masterClrMapping/>
   </p:clrMapOvr>
+  <p:timing>
+    <p:tnLst>
+      <p:par>
+        <p:cTn id="1" dur="indefinite" restart="never" nodeType="tmRoot">
+          <p:childTnLst>
+            <p:seq concurrent="1" nextAc="seek">
+              <p:cTn id="2" dur="indefinite" nodeType="mainSeq">
+                <p:childTnLst>
+                  <p:par>
+                    <p:cTn id="3" fill="hold">
+                      <p:stCondLst>
+                        <p:cond delay="indefinite"/>
+                      </p:stCondLst>
+                      <p:childTnLst>
+                        <p:par>
+                          <p:cTn id="4" fill="hold">
+                            <p:stCondLst>
+                              <p:cond delay="0"/>
+                            </p:stCondLst>
+                            <p:childTnLst>
+                              <p:par>
+                                <p:cTn id="5" presetID="10" presetClass="entr" presetSubtype="0" fill="hold" nodeType="clickEffect">
+                                  <p:stCondLst>
+                                    <p:cond delay="0"/>
+                                  </p:stCondLst>
+                                  <p:childTnLst>
+                                    <p:set>
+                                      <p:cBhvr>
+                                        <p:cTn id="6" dur="1" fill="hold">
+                                          <p:stCondLst>
+                                            <p:cond delay="0"/>
+                                          </p:stCondLst>
+                                        </p:cTn>
+                                        <p:tgtEl>
+                                          <p:spTgt spid="3">
+                                            <p:txEl>
+                                              <p:pRg st="0" end="0"/>
+                                            </p:txEl>
+                                          </p:spTgt>
+                                        </p:tgtEl>
+                                        <p:attrNameLst>
+                                          <p:attrName>style.visibility</p:attrName>
+                                        </p:attrNameLst>
+                                      </p:cBhvr>
+                                      <p:to>
+                                        <p:strVal val="visible"/>
+                                      </p:to>
+                                    </p:set>
+                                    <p:animEffect transition="in" filter="fade">
+                                      <p:cBhvr>
+                                        <p:cTn id="7" dur="500"/>
+                                        <p:tgtEl>
+                                          <p:spTgt spid="3">
+                                            <p:txEl>
+                                              <p:pRg st="0" end="0"/>
+                                            </p:txEl>
+                                          </p:spTgt>
+                                        </p:tgtEl>
+                                      </p:cBhvr>
+                                    </p:animEffect>
+                                  </p:childTnLst>
+                                </p:cTn>
+                              </p:par>
+                            </p:childTnLst>
+                          </p:cTn>
+                        </p:par>
+                      </p:childTnLst>
+                    </p:cTn>
+                  </p:par>
+                  <p:par>
+                    <p:cTn id="8" fill="hold">
+                      <p:stCondLst>
+                        <p:cond delay="indefinite"/>
+                      </p:stCondLst>
+                      <p:childTnLst>
+                        <p:par>
+                          <p:cTn id="9" fill="hold">
+                            <p:stCondLst>
+                              <p:cond delay="0"/>
+                            </p:stCondLst>
+                            <p:childTnLst>
+                              <p:par>
+                                <p:cTn id="10" presetID="10" presetClass="entr" presetSubtype="0" fill="hold" nodeType="clickEffect">
+                                  <p:stCondLst>
+                                    <p:cond delay="0"/>
+                                  </p:stCondLst>
+                                  <p:childTnLst>
+                                    <p:set>
+                                      <p:cBhvr>
+                                        <p:cTn id="11" dur="1" fill="hold">
+                                          <p:stCondLst>
+                                            <p:cond delay="0"/>
+                                          </p:stCondLst>
+                                        </p:cTn>
+                                        <p:tgtEl>
+                                          <p:spTgt spid="3">
+                                            <p:txEl>
+                                              <p:pRg st="1" end="1"/>
+                                            </p:txEl>
+                                          </p:spTgt>
+                                        </p:tgtEl>
+                                        <p:attrNameLst>
+                                          <p:attrName>style.visibility</p:attrName>
+                                        </p:attrNameLst>
+                                      </p:cBhvr>
+                                      <p:to>
+                                        <p:strVal val="visible"/>
+                                      </p:to>
+                                    </p:set>
+                                    <p:animEffect transition="in" filter="fade">
+                                      <p:cBhvr>
+                                        <p:cTn id="12" dur="500"/>
+                                        <p:tgtEl>
+                                          <p:spTgt spid="3">
+                                            <p:txEl>
+                                              <p:pRg st="1" end="1"/>
+                                            </p:txEl>
+                                          </p:spTgt>
+                                        </p:tgtEl>
+                                      </p:cBhvr>
+                                    </p:animEffect>
+                                  </p:childTnLst>
+                                </p:cTn>
+                              </p:par>
+                              <p:par>
+                                <p:cTn id="13" presetID="10" presetClass="entr" presetSubtype="0" fill="hold" nodeType="withEffect">
+                                  <p:stCondLst>
+                                    <p:cond delay="0"/>
+                                  </p:stCondLst>
+                                  <p:childTnLst>
+                                    <p:set>
+                                      <p:cBhvr>
+                                        <p:cTn id="14" dur="1" fill="hold">
+                                          <p:stCondLst>
+                                            <p:cond delay="0"/>
+                                          </p:stCondLst>
+                                        </p:cTn>
+                                        <p:tgtEl>
+                                          <p:spTgt spid="3">
+                                            <p:txEl>
+                                              <p:pRg st="2" end="2"/>
+                                            </p:txEl>
+                                          </p:spTgt>
+                                        </p:tgtEl>
+                                        <p:attrNameLst>
+                                          <p:attrName>style.visibility</p:attrName>
+                                        </p:attrNameLst>
+                                      </p:cBhvr>
+                                      <p:to>
+                                        <p:strVal val="visible"/>
+                                      </p:to>
+                                    </p:set>
+                                    <p:animEffect transition="in" filter="fade">
+                                      <p:cBhvr>
+                                        <p:cTn id="15" dur="500"/>
+                                        <p:tgtEl>
+                                          <p:spTgt spid="3">
+                                            <p:txEl>
+                                              <p:pRg st="2" end="2"/>
+                                            </p:txEl>
+                                          </p:spTgt>
+                                        </p:tgtEl>
+                                      </p:cBhvr>
+                                    </p:animEffect>
+                                  </p:childTnLst>
+                                </p:cTn>
+                              </p:par>
+                            </p:childTnLst>
+                          </p:cTn>
+                        </p:par>
+                      </p:childTnLst>
+                    </p:cTn>
+                  </p:par>
+                  <p:par>
+                    <p:cTn id="16" fill="hold">
+                      <p:stCondLst>
+                        <p:cond delay="indefinite"/>
+                      </p:stCondLst>
+                      <p:childTnLst>
+                        <p:par>
+                          <p:cTn id="17" fill="hold">
+                            <p:stCondLst>
+                              <p:cond delay="0"/>
+                            </p:stCondLst>
+                            <p:childTnLst>
+                              <p:par>
+                                <p:cTn id="18" presetID="10" presetClass="entr" presetSubtype="0" fill="hold" nodeType="clickEffect">
+                                  <p:stCondLst>
+                                    <p:cond delay="0"/>
+                                  </p:stCondLst>
+                                  <p:childTnLst>
+                                    <p:set>
+                                      <p:cBhvr>
+                                        <p:cTn id="19" dur="1" fill="hold">
+                                          <p:stCondLst>
+                                            <p:cond delay="0"/>
+                                          </p:stCondLst>
+                                        </p:cTn>
+                                        <p:tgtEl>
+                                          <p:spTgt spid="3">
+                                            <p:txEl>
+                                              <p:pRg st="3" end="3"/>
+                                            </p:txEl>
+                                          </p:spTgt>
+                                        </p:tgtEl>
+                                        <p:attrNameLst>
+                                          <p:attrName>style.visibility</p:attrName>
+                                        </p:attrNameLst>
+                                      </p:cBhvr>
+                                      <p:to>
+                                        <p:strVal val="visible"/>
+                                      </p:to>
+                                    </p:set>
+                                    <p:animEffect transition="in" filter="fade">
+                                      <p:cBhvr>
+                                        <p:cTn id="20" dur="500"/>
+                                        <p:tgtEl>
+                                          <p:spTgt spid="3">
+                                            <p:txEl>
+                                              <p:pRg st="3" end="3"/>
+                                            </p:txEl>
+                                          </p:spTgt>
+                                        </p:tgtEl>
+                                      </p:cBhvr>
+                                    </p:animEffect>
+                                  </p:childTnLst>
+                                </p:cTn>
+                              </p:par>
+                            </p:childTnLst>
+                          </p:cTn>
+                        </p:par>
+                      </p:childTnLst>
+                    </p:cTn>
+                  </p:par>
+                  <p:par>
+                    <p:cTn id="21" fill="hold">
+                      <p:stCondLst>
+                        <p:cond delay="indefinite"/>
+                      </p:stCondLst>
+                      <p:childTnLst>
+                        <p:par>
+                          <p:cTn id="22" fill="hold">
+                            <p:stCondLst>
+                              <p:cond delay="0"/>
+                            </p:stCondLst>
+                            <p:childTnLst>
+                              <p:par>
+                                <p:cTn id="23" presetID="10" presetClass="entr" presetSubtype="0" fill="hold" nodeType="clickEffect">
+                                  <p:stCondLst>
+                                    <p:cond delay="0"/>
+                                  </p:stCondLst>
+                                  <p:childTnLst>
+                                    <p:set>
+                                      <p:cBhvr>
+                                        <p:cTn id="24" dur="1" fill="hold">
+                                          <p:stCondLst>
+                                            <p:cond delay="0"/>
+                                          </p:stCondLst>
+                                        </p:cTn>
+                                        <p:tgtEl>
+                                          <p:spTgt spid="3">
+                                            <p:txEl>
+                                              <p:pRg st="4" end="4"/>
+                                            </p:txEl>
+                                          </p:spTgt>
+                                        </p:tgtEl>
+                                        <p:attrNameLst>
+                                          <p:attrName>style.visibility</p:attrName>
+                                        </p:attrNameLst>
+                                      </p:cBhvr>
+                                      <p:to>
+                                        <p:strVal val="visible"/>
+                                      </p:to>
+                                    </p:set>
+                                    <p:animEffect transition="in" filter="fade">
+                                      <p:cBhvr>
+                                        <p:cTn id="25" dur="500"/>
+                                        <p:tgtEl>
+                                          <p:spTgt spid="3">
+                                            <p:txEl>
+                                              <p:pRg st="4" end="4"/>
+                                            </p:txEl>
+                                          </p:spTgt>
+                                        </p:tgtEl>
+                                      </p:cBhvr>
+                                    </p:animEffect>
+                                  </p:childTnLst>
+                                </p:cTn>
+                              </p:par>
+                            </p:childTnLst>
+                          </p:cTn>
+                        </p:par>
+                      </p:childTnLst>
+                    </p:cTn>
+                  </p:par>
+                  <p:par>
+                    <p:cTn id="26" fill="hold">
+                      <p:stCondLst>
+                        <p:cond delay="indefinite"/>
+                      </p:stCondLst>
+                      <p:childTnLst>
+                        <p:par>
+                          <p:cTn id="27" fill="hold">
+                            <p:stCondLst>
+                              <p:cond delay="0"/>
+                            </p:stCondLst>
+                            <p:childTnLst>
+                              <p:par>
+                                <p:cTn id="28" presetID="10" presetClass="entr" presetSubtype="0" fill="hold" nodeType="clickEffect">
+                                  <p:stCondLst>
+                                    <p:cond delay="0"/>
+                                  </p:stCondLst>
+                                  <p:childTnLst>
+                                    <p:set>
+                                      <p:cBhvr>
+                                        <p:cTn id="29" dur="1" fill="hold">
+                                          <p:stCondLst>
+                                            <p:cond delay="0"/>
+                                          </p:stCondLst>
+                                        </p:cTn>
+                                        <p:tgtEl>
+                                          <p:spTgt spid="3">
+                                            <p:txEl>
+                                              <p:pRg st="5" end="5"/>
+                                            </p:txEl>
+                                          </p:spTgt>
+                                        </p:tgtEl>
+                                        <p:attrNameLst>
+                                          <p:attrName>style.visibility</p:attrName>
+                                        </p:attrNameLst>
+                                      </p:cBhvr>
+                                      <p:to>
+                                        <p:strVal val="visible"/>
+                                      </p:to>
+                                    </p:set>
+                                    <p:animEffect transition="in" filter="fade">
+                                      <p:cBhvr>
+                                        <p:cTn id="30" dur="500"/>
+                                        <p:tgtEl>
+                                          <p:spTgt spid="3">
+                                            <p:txEl>
+                                              <p:pRg st="5" end="5"/>
+                                            </p:txEl>
+                                          </p:spTgt>
+                                        </p:tgtEl>
+                                      </p:cBhvr>
+                                    </p:animEffect>
+                                  </p:childTnLst>
+                                </p:cTn>
+                              </p:par>
+                            </p:childTnLst>
+                          </p:cTn>
+                        </p:par>
+                      </p:childTnLst>
+                    </p:cTn>
+                  </p:par>
+                </p:childTnLst>
+              </p:cTn>
+              <p:prevCondLst>
+                <p:cond evt="onPrev" delay="0">
+                  <p:tgtEl>
+                    <p:sldTgt/>
+                  </p:tgtEl>
+                </p:cond>
+              </p:prevCondLst>
+              <p:nextCondLst>
+                <p:cond evt="onNext" delay="0">
+                  <p:tgtEl>
+                    <p:sldTgt/>
+                  </p:tgtEl>
+                </p:cond>
+              </p:nextCondLst>
+            </p:seq>
+          </p:childTnLst>
+        </p:cTn>
+      </p:par>
+    </p:tnLst>
+  </p:timing>
 </p:sld>
 </file>
 
@@ -6519,6 +7572,402 @@
   <p:clrMapOvr>
     <a:masterClrMapping/>
   </p:clrMapOvr>
+  <p:timing>
+    <p:tnLst>
+      <p:par>
+        <p:cTn id="1" dur="indefinite" restart="never" nodeType="tmRoot">
+          <p:childTnLst>
+            <p:seq concurrent="1" nextAc="seek">
+              <p:cTn id="2" dur="indefinite" nodeType="mainSeq">
+                <p:childTnLst>
+                  <p:par>
+                    <p:cTn id="3" fill="hold">
+                      <p:stCondLst>
+                        <p:cond delay="indefinite"/>
+                      </p:stCondLst>
+                      <p:childTnLst>
+                        <p:par>
+                          <p:cTn id="4" fill="hold">
+                            <p:stCondLst>
+                              <p:cond delay="0"/>
+                            </p:stCondLst>
+                            <p:childTnLst>
+                              <p:par>
+                                <p:cTn id="5" presetID="16" presetClass="entr" presetSubtype="21" fill="hold" nodeType="clickEffect">
+                                  <p:stCondLst>
+                                    <p:cond delay="0"/>
+                                  </p:stCondLst>
+                                  <p:childTnLst>
+                                    <p:set>
+                                      <p:cBhvr>
+                                        <p:cTn id="6" dur="1" fill="hold">
+                                          <p:stCondLst>
+                                            <p:cond delay="0"/>
+                                          </p:stCondLst>
+                                        </p:cTn>
+                                        <p:tgtEl>
+                                          <p:spTgt spid="3">
+                                            <p:txEl>
+                                              <p:pRg st="0" end="0"/>
+                                            </p:txEl>
+                                          </p:spTgt>
+                                        </p:tgtEl>
+                                        <p:attrNameLst>
+                                          <p:attrName>style.visibility</p:attrName>
+                                        </p:attrNameLst>
+                                      </p:cBhvr>
+                                      <p:to>
+                                        <p:strVal val="visible"/>
+                                      </p:to>
+                                    </p:set>
+                                    <p:animEffect transition="in" filter="barn(inVertical)">
+                                      <p:cBhvr>
+                                        <p:cTn id="7" dur="500"/>
+                                        <p:tgtEl>
+                                          <p:spTgt spid="3">
+                                            <p:txEl>
+                                              <p:pRg st="0" end="0"/>
+                                            </p:txEl>
+                                          </p:spTgt>
+                                        </p:tgtEl>
+                                      </p:cBhvr>
+                                    </p:animEffect>
+                                  </p:childTnLst>
+                                </p:cTn>
+                              </p:par>
+                            </p:childTnLst>
+                          </p:cTn>
+                        </p:par>
+                      </p:childTnLst>
+                    </p:cTn>
+                  </p:par>
+                  <p:par>
+                    <p:cTn id="8" fill="hold">
+                      <p:stCondLst>
+                        <p:cond delay="indefinite"/>
+                      </p:stCondLst>
+                      <p:childTnLst>
+                        <p:par>
+                          <p:cTn id="9" fill="hold">
+                            <p:stCondLst>
+                              <p:cond delay="0"/>
+                            </p:stCondLst>
+                            <p:childTnLst>
+                              <p:par>
+                                <p:cTn id="10" presetID="16" presetClass="entr" presetSubtype="21" fill="hold" nodeType="clickEffect">
+                                  <p:stCondLst>
+                                    <p:cond delay="0"/>
+                                  </p:stCondLst>
+                                  <p:childTnLst>
+                                    <p:set>
+                                      <p:cBhvr>
+                                        <p:cTn id="11" dur="1" fill="hold">
+                                          <p:stCondLst>
+                                            <p:cond delay="0"/>
+                                          </p:stCondLst>
+                                        </p:cTn>
+                                        <p:tgtEl>
+                                          <p:spTgt spid="3">
+                                            <p:txEl>
+                                              <p:pRg st="1" end="1"/>
+                                            </p:txEl>
+                                          </p:spTgt>
+                                        </p:tgtEl>
+                                        <p:attrNameLst>
+                                          <p:attrName>style.visibility</p:attrName>
+                                        </p:attrNameLst>
+                                      </p:cBhvr>
+                                      <p:to>
+                                        <p:strVal val="visible"/>
+                                      </p:to>
+                                    </p:set>
+                                    <p:animEffect transition="in" filter="barn(inVertical)">
+                                      <p:cBhvr>
+                                        <p:cTn id="12" dur="500"/>
+                                        <p:tgtEl>
+                                          <p:spTgt spid="3">
+                                            <p:txEl>
+                                              <p:pRg st="1" end="1"/>
+                                            </p:txEl>
+                                          </p:spTgt>
+                                        </p:tgtEl>
+                                      </p:cBhvr>
+                                    </p:animEffect>
+                                  </p:childTnLst>
+                                </p:cTn>
+                              </p:par>
+                            </p:childTnLst>
+                          </p:cTn>
+                        </p:par>
+                      </p:childTnLst>
+                    </p:cTn>
+                  </p:par>
+                  <p:par>
+                    <p:cTn id="13" fill="hold">
+                      <p:stCondLst>
+                        <p:cond delay="indefinite"/>
+                      </p:stCondLst>
+                      <p:childTnLst>
+                        <p:par>
+                          <p:cTn id="14" fill="hold">
+                            <p:stCondLst>
+                              <p:cond delay="0"/>
+                            </p:stCondLst>
+                            <p:childTnLst>
+                              <p:par>
+                                <p:cTn id="15" presetID="16" presetClass="entr" presetSubtype="21" fill="hold" nodeType="clickEffect">
+                                  <p:stCondLst>
+                                    <p:cond delay="0"/>
+                                  </p:stCondLst>
+                                  <p:childTnLst>
+                                    <p:set>
+                                      <p:cBhvr>
+                                        <p:cTn id="16" dur="1" fill="hold">
+                                          <p:stCondLst>
+                                            <p:cond delay="0"/>
+                                          </p:stCondLst>
+                                        </p:cTn>
+                                        <p:tgtEl>
+                                          <p:spTgt spid="3">
+                                            <p:txEl>
+                                              <p:pRg st="2" end="2"/>
+                                            </p:txEl>
+                                          </p:spTgt>
+                                        </p:tgtEl>
+                                        <p:attrNameLst>
+                                          <p:attrName>style.visibility</p:attrName>
+                                        </p:attrNameLst>
+                                      </p:cBhvr>
+                                      <p:to>
+                                        <p:strVal val="visible"/>
+                                      </p:to>
+                                    </p:set>
+                                    <p:animEffect transition="in" filter="barn(inVertical)">
+                                      <p:cBhvr>
+                                        <p:cTn id="17" dur="500"/>
+                                        <p:tgtEl>
+                                          <p:spTgt spid="3">
+                                            <p:txEl>
+                                              <p:pRg st="2" end="2"/>
+                                            </p:txEl>
+                                          </p:spTgt>
+                                        </p:tgtEl>
+                                      </p:cBhvr>
+                                    </p:animEffect>
+                                  </p:childTnLst>
+                                </p:cTn>
+                              </p:par>
+                            </p:childTnLst>
+                          </p:cTn>
+                        </p:par>
+                      </p:childTnLst>
+                    </p:cTn>
+                  </p:par>
+                  <p:par>
+                    <p:cTn id="18" fill="hold">
+                      <p:stCondLst>
+                        <p:cond delay="indefinite"/>
+                      </p:stCondLst>
+                      <p:childTnLst>
+                        <p:par>
+                          <p:cTn id="19" fill="hold">
+                            <p:stCondLst>
+                              <p:cond delay="0"/>
+                            </p:stCondLst>
+                            <p:childTnLst>
+                              <p:par>
+                                <p:cTn id="20" presetID="16" presetClass="entr" presetSubtype="21" fill="hold" nodeType="clickEffect">
+                                  <p:stCondLst>
+                                    <p:cond delay="0"/>
+                                  </p:stCondLst>
+                                  <p:childTnLst>
+                                    <p:set>
+                                      <p:cBhvr>
+                                        <p:cTn id="21" dur="1" fill="hold">
+                                          <p:stCondLst>
+                                            <p:cond delay="0"/>
+                                          </p:stCondLst>
+                                        </p:cTn>
+                                        <p:tgtEl>
+                                          <p:spTgt spid="3">
+                                            <p:txEl>
+                                              <p:pRg st="3" end="3"/>
+                                            </p:txEl>
+                                          </p:spTgt>
+                                        </p:tgtEl>
+                                        <p:attrNameLst>
+                                          <p:attrName>style.visibility</p:attrName>
+                                        </p:attrNameLst>
+                                      </p:cBhvr>
+                                      <p:to>
+                                        <p:strVal val="visible"/>
+                                      </p:to>
+                                    </p:set>
+                                    <p:animEffect transition="in" filter="barn(inVertical)">
+                                      <p:cBhvr>
+                                        <p:cTn id="22" dur="500"/>
+                                        <p:tgtEl>
+                                          <p:spTgt spid="3">
+                                            <p:txEl>
+                                              <p:pRg st="3" end="3"/>
+                                            </p:txEl>
+                                          </p:spTgt>
+                                        </p:tgtEl>
+                                      </p:cBhvr>
+                                    </p:animEffect>
+                                  </p:childTnLst>
+                                </p:cTn>
+                              </p:par>
+                            </p:childTnLst>
+                          </p:cTn>
+                        </p:par>
+                      </p:childTnLst>
+                    </p:cTn>
+                  </p:par>
+                  <p:par>
+                    <p:cTn id="23" fill="hold">
+                      <p:stCondLst>
+                        <p:cond delay="indefinite"/>
+                      </p:stCondLst>
+                      <p:childTnLst>
+                        <p:par>
+                          <p:cTn id="24" fill="hold">
+                            <p:stCondLst>
+                              <p:cond delay="0"/>
+                            </p:stCondLst>
+                            <p:childTnLst>
+                              <p:par>
+                                <p:cTn id="25" presetID="16" presetClass="entr" presetSubtype="21" fill="hold" nodeType="clickEffect">
+                                  <p:stCondLst>
+                                    <p:cond delay="0"/>
+                                  </p:stCondLst>
+                                  <p:childTnLst>
+                                    <p:set>
+                                      <p:cBhvr>
+                                        <p:cTn id="26" dur="1" fill="hold">
+                                          <p:stCondLst>
+                                            <p:cond delay="0"/>
+                                          </p:stCondLst>
+                                        </p:cTn>
+                                        <p:tgtEl>
+                                          <p:spTgt spid="3">
+                                            <p:txEl>
+                                              <p:pRg st="4" end="4"/>
+                                            </p:txEl>
+                                          </p:spTgt>
+                                        </p:tgtEl>
+                                        <p:attrNameLst>
+                                          <p:attrName>style.visibility</p:attrName>
+                                        </p:attrNameLst>
+                                      </p:cBhvr>
+                                      <p:to>
+                                        <p:strVal val="visible"/>
+                                      </p:to>
+                                    </p:set>
+                                    <p:animEffect transition="in" filter="barn(inVertical)">
+                                      <p:cBhvr>
+                                        <p:cTn id="27" dur="500"/>
+                                        <p:tgtEl>
+                                          <p:spTgt spid="3">
+                                            <p:txEl>
+                                              <p:pRg st="4" end="4"/>
+                                            </p:txEl>
+                                          </p:spTgt>
+                                        </p:tgtEl>
+                                      </p:cBhvr>
+                                    </p:animEffect>
+                                  </p:childTnLst>
+                                </p:cTn>
+                              </p:par>
+                            </p:childTnLst>
+                          </p:cTn>
+                        </p:par>
+                      </p:childTnLst>
+                    </p:cTn>
+                  </p:par>
+                  <p:par>
+                    <p:cTn id="28" fill="hold">
+                      <p:stCondLst>
+                        <p:cond delay="indefinite"/>
+                      </p:stCondLst>
+                      <p:childTnLst>
+                        <p:par>
+                          <p:cTn id="29" fill="hold">
+                            <p:stCondLst>
+                              <p:cond delay="0"/>
+                            </p:stCondLst>
+                            <p:childTnLst>
+                              <p:par>
+                                <p:cTn id="30" presetID="16" presetClass="entr" presetSubtype="21" fill="hold" nodeType="clickEffect">
+                                  <p:stCondLst>
+                                    <p:cond delay="0"/>
+                                  </p:stCondLst>
+                                  <p:childTnLst>
+                                    <p:set>
+                                      <p:cBhvr>
+                                        <p:cTn id="31" dur="1" fill="hold">
+                                          <p:stCondLst>
+                                            <p:cond delay="0"/>
+                                          </p:stCondLst>
+                                        </p:cTn>
+                                        <p:tgtEl>
+                                          <p:spTgt spid="3">
+                                            <p:txEl>
+                                              <p:pRg st="5" end="5"/>
+                                            </p:txEl>
+                                          </p:spTgt>
+                                        </p:tgtEl>
+                                        <p:attrNameLst>
+                                          <p:attrName>style.visibility</p:attrName>
+                                        </p:attrNameLst>
+                                      </p:cBhvr>
+                                      <p:to>
+                                        <p:strVal val="visible"/>
+                                      </p:to>
+                                    </p:set>
+                                    <p:animEffect transition="in" filter="barn(inVertical)">
+                                      <p:cBhvr>
+                                        <p:cTn id="32" dur="500"/>
+                                        <p:tgtEl>
+                                          <p:spTgt spid="3">
+                                            <p:txEl>
+                                              <p:pRg st="5" end="5"/>
+                                            </p:txEl>
+                                          </p:spTgt>
+                                        </p:tgtEl>
+                                      </p:cBhvr>
+                                    </p:animEffect>
+                                  </p:childTnLst>
+                                </p:cTn>
+                              </p:par>
+                            </p:childTnLst>
+                          </p:cTn>
+                        </p:par>
+                      </p:childTnLst>
+                    </p:cTn>
+                  </p:par>
+                </p:childTnLst>
+              </p:cTn>
+              <p:prevCondLst>
+                <p:cond evt="onPrev" delay="0">
+                  <p:tgtEl>
+                    <p:sldTgt/>
+                  </p:tgtEl>
+                </p:cond>
+              </p:prevCondLst>
+              <p:nextCondLst>
+                <p:cond evt="onNext" delay="0">
+                  <p:tgtEl>
+                    <p:sldTgt/>
+                  </p:tgtEl>
+                </p:cond>
+              </p:nextCondLst>
+            </p:seq>
+          </p:childTnLst>
+        </p:cTn>
+      </p:par>
+    </p:tnLst>
+  </p:timing>
 </p:sld>
 </file>
 
@@ -6919,6 +8368,280 @@
   <p:clrMapOvr>
     <a:masterClrMapping/>
   </p:clrMapOvr>
+  <p:timing>
+    <p:tnLst>
+      <p:par>
+        <p:cTn id="1" dur="indefinite" restart="never" nodeType="tmRoot">
+          <p:childTnLst>
+            <p:seq concurrent="1" nextAc="seek">
+              <p:cTn id="2" dur="indefinite" nodeType="mainSeq">
+                <p:childTnLst>
+                  <p:par>
+                    <p:cTn id="3" fill="hold">
+                      <p:stCondLst>
+                        <p:cond delay="indefinite"/>
+                      </p:stCondLst>
+                      <p:childTnLst>
+                        <p:par>
+                          <p:cTn id="4" fill="hold">
+                            <p:stCondLst>
+                              <p:cond delay="0"/>
+                            </p:stCondLst>
+                            <p:childTnLst>
+                              <p:par>
+                                <p:cTn id="5" presetID="10" presetClass="entr" presetSubtype="0" fill="hold" nodeType="clickEffect">
+                                  <p:stCondLst>
+                                    <p:cond delay="0"/>
+                                  </p:stCondLst>
+                                  <p:childTnLst>
+                                    <p:set>
+                                      <p:cBhvr>
+                                        <p:cTn id="6" dur="1" fill="hold">
+                                          <p:stCondLst>
+                                            <p:cond delay="0"/>
+                                          </p:stCondLst>
+                                        </p:cTn>
+                                        <p:tgtEl>
+                                          <p:spTgt spid="3">
+                                            <p:txEl>
+                                              <p:pRg st="0" end="0"/>
+                                            </p:txEl>
+                                          </p:spTgt>
+                                        </p:tgtEl>
+                                        <p:attrNameLst>
+                                          <p:attrName>style.visibility</p:attrName>
+                                        </p:attrNameLst>
+                                      </p:cBhvr>
+                                      <p:to>
+                                        <p:strVal val="visible"/>
+                                      </p:to>
+                                    </p:set>
+                                    <p:animEffect transition="in" filter="fade">
+                                      <p:cBhvr>
+                                        <p:cTn id="7" dur="500"/>
+                                        <p:tgtEl>
+                                          <p:spTgt spid="3">
+                                            <p:txEl>
+                                              <p:pRg st="0" end="0"/>
+                                            </p:txEl>
+                                          </p:spTgt>
+                                        </p:tgtEl>
+                                      </p:cBhvr>
+                                    </p:animEffect>
+                                  </p:childTnLst>
+                                </p:cTn>
+                              </p:par>
+                            </p:childTnLst>
+                          </p:cTn>
+                        </p:par>
+                      </p:childTnLst>
+                    </p:cTn>
+                  </p:par>
+                  <p:par>
+                    <p:cTn id="8" fill="hold">
+                      <p:stCondLst>
+                        <p:cond delay="indefinite"/>
+                      </p:stCondLst>
+                      <p:childTnLst>
+                        <p:par>
+                          <p:cTn id="9" fill="hold">
+                            <p:stCondLst>
+                              <p:cond delay="0"/>
+                            </p:stCondLst>
+                            <p:childTnLst>
+                              <p:par>
+                                <p:cTn id="10" presetID="10" presetClass="entr" presetSubtype="0" fill="hold" nodeType="clickEffect">
+                                  <p:stCondLst>
+                                    <p:cond delay="0"/>
+                                  </p:stCondLst>
+                                  <p:childTnLst>
+                                    <p:set>
+                                      <p:cBhvr>
+                                        <p:cTn id="11" dur="1" fill="hold">
+                                          <p:stCondLst>
+                                            <p:cond delay="0"/>
+                                          </p:stCondLst>
+                                        </p:cTn>
+                                        <p:tgtEl>
+                                          <p:spTgt spid="3">
+                                            <p:txEl>
+                                              <p:pRg st="1" end="1"/>
+                                            </p:txEl>
+                                          </p:spTgt>
+                                        </p:tgtEl>
+                                        <p:attrNameLst>
+                                          <p:attrName>style.visibility</p:attrName>
+                                        </p:attrNameLst>
+                                      </p:cBhvr>
+                                      <p:to>
+                                        <p:strVal val="visible"/>
+                                      </p:to>
+                                    </p:set>
+                                    <p:animEffect transition="in" filter="fade">
+                                      <p:cBhvr>
+                                        <p:cTn id="12" dur="500"/>
+                                        <p:tgtEl>
+                                          <p:spTgt spid="3">
+                                            <p:txEl>
+                                              <p:pRg st="1" end="1"/>
+                                            </p:txEl>
+                                          </p:spTgt>
+                                        </p:tgtEl>
+                                      </p:cBhvr>
+                                    </p:animEffect>
+                                  </p:childTnLst>
+                                </p:cTn>
+                              </p:par>
+                            </p:childTnLst>
+                          </p:cTn>
+                        </p:par>
+                      </p:childTnLst>
+                    </p:cTn>
+                  </p:par>
+                  <p:par>
+                    <p:cTn id="13" fill="hold">
+                      <p:stCondLst>
+                        <p:cond delay="indefinite"/>
+                      </p:stCondLst>
+                      <p:childTnLst>
+                        <p:par>
+                          <p:cTn id="14" fill="hold">
+                            <p:stCondLst>
+                              <p:cond delay="0"/>
+                            </p:stCondLst>
+                            <p:childTnLst>
+                              <p:par>
+                                <p:cTn id="15" presetID="10" presetClass="entr" presetSubtype="0" fill="hold" nodeType="clickEffect">
+                                  <p:stCondLst>
+                                    <p:cond delay="0"/>
+                                  </p:stCondLst>
+                                  <p:childTnLst>
+                                    <p:set>
+                                      <p:cBhvr>
+                                        <p:cTn id="16" dur="1" fill="hold">
+                                          <p:stCondLst>
+                                            <p:cond delay="0"/>
+                                          </p:stCondLst>
+                                        </p:cTn>
+                                        <p:tgtEl>
+                                          <p:spTgt spid="3">
+                                            <p:txEl>
+                                              <p:pRg st="2" end="2"/>
+                                            </p:txEl>
+                                          </p:spTgt>
+                                        </p:tgtEl>
+                                        <p:attrNameLst>
+                                          <p:attrName>style.visibility</p:attrName>
+                                        </p:attrNameLst>
+                                      </p:cBhvr>
+                                      <p:to>
+                                        <p:strVal val="visible"/>
+                                      </p:to>
+                                    </p:set>
+                                    <p:animEffect transition="in" filter="fade">
+                                      <p:cBhvr>
+                                        <p:cTn id="17" dur="500"/>
+                                        <p:tgtEl>
+                                          <p:spTgt spid="3">
+                                            <p:txEl>
+                                              <p:pRg st="2" end="2"/>
+                                            </p:txEl>
+                                          </p:spTgt>
+                                        </p:tgtEl>
+                                      </p:cBhvr>
+                                    </p:animEffect>
+                                  </p:childTnLst>
+                                </p:cTn>
+                              </p:par>
+                            </p:childTnLst>
+                          </p:cTn>
+                        </p:par>
+                      </p:childTnLst>
+                    </p:cTn>
+                  </p:par>
+                  <p:par>
+                    <p:cTn id="18" fill="hold">
+                      <p:stCondLst>
+                        <p:cond delay="indefinite"/>
+                      </p:stCondLst>
+                      <p:childTnLst>
+                        <p:par>
+                          <p:cTn id="19" fill="hold">
+                            <p:stCondLst>
+                              <p:cond delay="0"/>
+                            </p:stCondLst>
+                            <p:childTnLst>
+                              <p:par>
+                                <p:cTn id="20" presetID="10" presetClass="entr" presetSubtype="0" fill="hold" nodeType="clickEffect">
+                                  <p:stCondLst>
+                                    <p:cond delay="0"/>
+                                  </p:stCondLst>
+                                  <p:childTnLst>
+                                    <p:set>
+                                      <p:cBhvr>
+                                        <p:cTn id="21" dur="1" fill="hold">
+                                          <p:stCondLst>
+                                            <p:cond delay="0"/>
+                                          </p:stCondLst>
+                                        </p:cTn>
+                                        <p:tgtEl>
+                                          <p:spTgt spid="3">
+                                            <p:txEl>
+                                              <p:pRg st="3" end="3"/>
+                                            </p:txEl>
+                                          </p:spTgt>
+                                        </p:tgtEl>
+                                        <p:attrNameLst>
+                                          <p:attrName>style.visibility</p:attrName>
+                                        </p:attrNameLst>
+                                      </p:cBhvr>
+                                      <p:to>
+                                        <p:strVal val="visible"/>
+                                      </p:to>
+                                    </p:set>
+                                    <p:animEffect transition="in" filter="fade">
+                                      <p:cBhvr>
+                                        <p:cTn id="22" dur="500"/>
+                                        <p:tgtEl>
+                                          <p:spTgt spid="3">
+                                            <p:txEl>
+                                              <p:pRg st="3" end="3"/>
+                                            </p:txEl>
+                                          </p:spTgt>
+                                        </p:tgtEl>
+                                      </p:cBhvr>
+                                    </p:animEffect>
+                                  </p:childTnLst>
+                                </p:cTn>
+                              </p:par>
+                            </p:childTnLst>
+                          </p:cTn>
+                        </p:par>
+                      </p:childTnLst>
+                    </p:cTn>
+                  </p:par>
+                </p:childTnLst>
+              </p:cTn>
+              <p:prevCondLst>
+                <p:cond evt="onPrev" delay="0">
+                  <p:tgtEl>
+                    <p:sldTgt/>
+                  </p:tgtEl>
+                </p:cond>
+              </p:prevCondLst>
+              <p:nextCondLst>
+                <p:cond evt="onNext" delay="0">
+                  <p:tgtEl>
+                    <p:sldTgt/>
+                  </p:tgtEl>
+                </p:cond>
+              </p:nextCondLst>
+            </p:seq>
+          </p:childTnLst>
+        </p:cTn>
+      </p:par>
+    </p:tnLst>
+  </p:timing>
 </p:sld>
 </file>
 
@@ -7088,6 +8811,551 @@
   <p:clrMapOvr>
     <a:masterClrMapping/>
   </p:clrMapOvr>
+  <p:timing>
+    <p:tnLst>
+      <p:par>
+        <p:cTn id="1" dur="indefinite" restart="never" nodeType="tmRoot">
+          <p:childTnLst>
+            <p:seq concurrent="1" nextAc="seek">
+              <p:cTn id="2" dur="indefinite" nodeType="mainSeq">
+                <p:childTnLst>
+                  <p:par>
+                    <p:cTn id="3" fill="hold">
+                      <p:stCondLst>
+                        <p:cond delay="indefinite"/>
+                      </p:stCondLst>
+                      <p:childTnLst>
+                        <p:par>
+                          <p:cTn id="4" fill="hold">
+                            <p:stCondLst>
+                              <p:cond delay="0"/>
+                            </p:stCondLst>
+                            <p:childTnLst>
+                              <p:par>
+                                <p:cTn id="5" presetID="2" presetClass="entr" presetSubtype="4" fill="hold" nodeType="clickEffect">
+                                  <p:stCondLst>
+                                    <p:cond delay="0"/>
+                                  </p:stCondLst>
+                                  <p:childTnLst>
+                                    <p:set>
+                                      <p:cBhvr>
+                                        <p:cTn id="6" dur="1" fill="hold">
+                                          <p:stCondLst>
+                                            <p:cond delay="0"/>
+                                          </p:stCondLst>
+                                        </p:cTn>
+                                        <p:tgtEl>
+                                          <p:spTgt spid="3">
+                                            <p:txEl>
+                                              <p:pRg st="0" end="0"/>
+                                            </p:txEl>
+                                          </p:spTgt>
+                                        </p:tgtEl>
+                                        <p:attrNameLst>
+                                          <p:attrName>style.visibility</p:attrName>
+                                        </p:attrNameLst>
+                                      </p:cBhvr>
+                                      <p:to>
+                                        <p:strVal val="visible"/>
+                                      </p:to>
+                                    </p:set>
+                                    <p:anim calcmode="lin" valueType="num">
+                                      <p:cBhvr additive="base">
+                                        <p:cTn id="7" dur="500" fill="hold"/>
+                                        <p:tgtEl>
+                                          <p:spTgt spid="3">
+                                            <p:txEl>
+                                              <p:pRg st="0" end="0"/>
+                                            </p:txEl>
+                                          </p:spTgt>
+                                        </p:tgtEl>
+                                        <p:attrNameLst>
+                                          <p:attrName>ppt_x</p:attrName>
+                                        </p:attrNameLst>
+                                      </p:cBhvr>
+                                      <p:tavLst>
+                                        <p:tav tm="0">
+                                          <p:val>
+                                            <p:strVal val="#ppt_x"/>
+                                          </p:val>
+                                        </p:tav>
+                                        <p:tav tm="100000">
+                                          <p:val>
+                                            <p:strVal val="#ppt_x"/>
+                                          </p:val>
+                                        </p:tav>
+                                      </p:tavLst>
+                                    </p:anim>
+                                    <p:anim calcmode="lin" valueType="num">
+                                      <p:cBhvr additive="base">
+                                        <p:cTn id="8" dur="500" fill="hold"/>
+                                        <p:tgtEl>
+                                          <p:spTgt spid="3">
+                                            <p:txEl>
+                                              <p:pRg st="0" end="0"/>
+                                            </p:txEl>
+                                          </p:spTgt>
+                                        </p:tgtEl>
+                                        <p:attrNameLst>
+                                          <p:attrName>ppt_y</p:attrName>
+                                        </p:attrNameLst>
+                                      </p:cBhvr>
+                                      <p:tavLst>
+                                        <p:tav tm="0">
+                                          <p:val>
+                                            <p:strVal val="1+#ppt_h/2"/>
+                                          </p:val>
+                                        </p:tav>
+                                        <p:tav tm="100000">
+                                          <p:val>
+                                            <p:strVal val="#ppt_y"/>
+                                          </p:val>
+                                        </p:tav>
+                                      </p:tavLst>
+                                    </p:anim>
+                                  </p:childTnLst>
+                                </p:cTn>
+                              </p:par>
+                            </p:childTnLst>
+                          </p:cTn>
+                        </p:par>
+                      </p:childTnLst>
+                    </p:cTn>
+                  </p:par>
+                  <p:par>
+                    <p:cTn id="9" fill="hold">
+                      <p:stCondLst>
+                        <p:cond delay="indefinite"/>
+                      </p:stCondLst>
+                      <p:childTnLst>
+                        <p:par>
+                          <p:cTn id="10" fill="hold">
+                            <p:stCondLst>
+                              <p:cond delay="0"/>
+                            </p:stCondLst>
+                            <p:childTnLst>
+                              <p:par>
+                                <p:cTn id="11" presetID="2" presetClass="entr" presetSubtype="4" fill="hold" nodeType="clickEffect">
+                                  <p:stCondLst>
+                                    <p:cond delay="0"/>
+                                  </p:stCondLst>
+                                  <p:childTnLst>
+                                    <p:set>
+                                      <p:cBhvr>
+                                        <p:cTn id="12" dur="1" fill="hold">
+                                          <p:stCondLst>
+                                            <p:cond delay="0"/>
+                                          </p:stCondLst>
+                                        </p:cTn>
+                                        <p:tgtEl>
+                                          <p:spTgt spid="3">
+                                            <p:txEl>
+                                              <p:pRg st="1" end="1"/>
+                                            </p:txEl>
+                                          </p:spTgt>
+                                        </p:tgtEl>
+                                        <p:attrNameLst>
+                                          <p:attrName>style.visibility</p:attrName>
+                                        </p:attrNameLst>
+                                      </p:cBhvr>
+                                      <p:to>
+                                        <p:strVal val="visible"/>
+                                      </p:to>
+                                    </p:set>
+                                    <p:anim calcmode="lin" valueType="num">
+                                      <p:cBhvr additive="base">
+                                        <p:cTn id="13" dur="500" fill="hold"/>
+                                        <p:tgtEl>
+                                          <p:spTgt spid="3">
+                                            <p:txEl>
+                                              <p:pRg st="1" end="1"/>
+                                            </p:txEl>
+                                          </p:spTgt>
+                                        </p:tgtEl>
+                                        <p:attrNameLst>
+                                          <p:attrName>ppt_x</p:attrName>
+                                        </p:attrNameLst>
+                                      </p:cBhvr>
+                                      <p:tavLst>
+                                        <p:tav tm="0">
+                                          <p:val>
+                                            <p:strVal val="#ppt_x"/>
+                                          </p:val>
+                                        </p:tav>
+                                        <p:tav tm="100000">
+                                          <p:val>
+                                            <p:strVal val="#ppt_x"/>
+                                          </p:val>
+                                        </p:tav>
+                                      </p:tavLst>
+                                    </p:anim>
+                                    <p:anim calcmode="lin" valueType="num">
+                                      <p:cBhvr additive="base">
+                                        <p:cTn id="14" dur="500" fill="hold"/>
+                                        <p:tgtEl>
+                                          <p:spTgt spid="3">
+                                            <p:txEl>
+                                              <p:pRg st="1" end="1"/>
+                                            </p:txEl>
+                                          </p:spTgt>
+                                        </p:tgtEl>
+                                        <p:attrNameLst>
+                                          <p:attrName>ppt_y</p:attrName>
+                                        </p:attrNameLst>
+                                      </p:cBhvr>
+                                      <p:tavLst>
+                                        <p:tav tm="0">
+                                          <p:val>
+                                            <p:strVal val="1+#ppt_h/2"/>
+                                          </p:val>
+                                        </p:tav>
+                                        <p:tav tm="100000">
+                                          <p:val>
+                                            <p:strVal val="#ppt_y"/>
+                                          </p:val>
+                                        </p:tav>
+                                      </p:tavLst>
+                                    </p:anim>
+                                  </p:childTnLst>
+                                </p:cTn>
+                              </p:par>
+                            </p:childTnLst>
+                          </p:cTn>
+                        </p:par>
+                      </p:childTnLst>
+                    </p:cTn>
+                  </p:par>
+                  <p:par>
+                    <p:cTn id="15" fill="hold">
+                      <p:stCondLst>
+                        <p:cond delay="indefinite"/>
+                      </p:stCondLst>
+                      <p:childTnLst>
+                        <p:par>
+                          <p:cTn id="16" fill="hold">
+                            <p:stCondLst>
+                              <p:cond delay="0"/>
+                            </p:stCondLst>
+                            <p:childTnLst>
+                              <p:par>
+                                <p:cTn id="17" presetID="2" presetClass="entr" presetSubtype="4" fill="hold" nodeType="clickEffect">
+                                  <p:stCondLst>
+                                    <p:cond delay="0"/>
+                                  </p:stCondLst>
+                                  <p:childTnLst>
+                                    <p:set>
+                                      <p:cBhvr>
+                                        <p:cTn id="18" dur="1" fill="hold">
+                                          <p:stCondLst>
+                                            <p:cond delay="0"/>
+                                          </p:stCondLst>
+                                        </p:cTn>
+                                        <p:tgtEl>
+                                          <p:spTgt spid="3">
+                                            <p:txEl>
+                                              <p:pRg st="2" end="2"/>
+                                            </p:txEl>
+                                          </p:spTgt>
+                                        </p:tgtEl>
+                                        <p:attrNameLst>
+                                          <p:attrName>style.visibility</p:attrName>
+                                        </p:attrNameLst>
+                                      </p:cBhvr>
+                                      <p:to>
+                                        <p:strVal val="visible"/>
+                                      </p:to>
+                                    </p:set>
+                                    <p:anim calcmode="lin" valueType="num">
+                                      <p:cBhvr additive="base">
+                                        <p:cTn id="19" dur="500" fill="hold"/>
+                                        <p:tgtEl>
+                                          <p:spTgt spid="3">
+                                            <p:txEl>
+                                              <p:pRg st="2" end="2"/>
+                                            </p:txEl>
+                                          </p:spTgt>
+                                        </p:tgtEl>
+                                        <p:attrNameLst>
+                                          <p:attrName>ppt_x</p:attrName>
+                                        </p:attrNameLst>
+                                      </p:cBhvr>
+                                      <p:tavLst>
+                                        <p:tav tm="0">
+                                          <p:val>
+                                            <p:strVal val="#ppt_x"/>
+                                          </p:val>
+                                        </p:tav>
+                                        <p:tav tm="100000">
+                                          <p:val>
+                                            <p:strVal val="#ppt_x"/>
+                                          </p:val>
+                                        </p:tav>
+                                      </p:tavLst>
+                                    </p:anim>
+                                    <p:anim calcmode="lin" valueType="num">
+                                      <p:cBhvr additive="base">
+                                        <p:cTn id="20" dur="500" fill="hold"/>
+                                        <p:tgtEl>
+                                          <p:spTgt spid="3">
+                                            <p:txEl>
+                                              <p:pRg st="2" end="2"/>
+                                            </p:txEl>
+                                          </p:spTgt>
+                                        </p:tgtEl>
+                                        <p:attrNameLst>
+                                          <p:attrName>ppt_y</p:attrName>
+                                        </p:attrNameLst>
+                                      </p:cBhvr>
+                                      <p:tavLst>
+                                        <p:tav tm="0">
+                                          <p:val>
+                                            <p:strVal val="1+#ppt_h/2"/>
+                                          </p:val>
+                                        </p:tav>
+                                        <p:tav tm="100000">
+                                          <p:val>
+                                            <p:strVal val="#ppt_y"/>
+                                          </p:val>
+                                        </p:tav>
+                                      </p:tavLst>
+                                    </p:anim>
+                                  </p:childTnLst>
+                                </p:cTn>
+                              </p:par>
+                            </p:childTnLst>
+                          </p:cTn>
+                        </p:par>
+                      </p:childTnLst>
+                    </p:cTn>
+                  </p:par>
+                  <p:par>
+                    <p:cTn id="21" fill="hold">
+                      <p:stCondLst>
+                        <p:cond delay="indefinite"/>
+                      </p:stCondLst>
+                      <p:childTnLst>
+                        <p:par>
+                          <p:cTn id="22" fill="hold">
+                            <p:stCondLst>
+                              <p:cond delay="0"/>
+                            </p:stCondLst>
+                            <p:childTnLst>
+                              <p:par>
+                                <p:cTn id="23" presetID="2" presetClass="entr" presetSubtype="4" fill="hold" nodeType="clickEffect">
+                                  <p:stCondLst>
+                                    <p:cond delay="0"/>
+                                  </p:stCondLst>
+                                  <p:childTnLst>
+                                    <p:set>
+                                      <p:cBhvr>
+                                        <p:cTn id="24" dur="1" fill="hold">
+                                          <p:stCondLst>
+                                            <p:cond delay="0"/>
+                                          </p:stCondLst>
+                                        </p:cTn>
+                                        <p:tgtEl>
+                                          <p:spTgt spid="3">
+                                            <p:txEl>
+                                              <p:pRg st="3" end="3"/>
+                                            </p:txEl>
+                                          </p:spTgt>
+                                        </p:tgtEl>
+                                        <p:attrNameLst>
+                                          <p:attrName>style.visibility</p:attrName>
+                                        </p:attrNameLst>
+                                      </p:cBhvr>
+                                      <p:to>
+                                        <p:strVal val="visible"/>
+                                      </p:to>
+                                    </p:set>
+                                    <p:anim calcmode="lin" valueType="num">
+                                      <p:cBhvr additive="base">
+                                        <p:cTn id="25" dur="500" fill="hold"/>
+                                        <p:tgtEl>
+                                          <p:spTgt spid="3">
+                                            <p:txEl>
+                                              <p:pRg st="3" end="3"/>
+                                            </p:txEl>
+                                          </p:spTgt>
+                                        </p:tgtEl>
+                                        <p:attrNameLst>
+                                          <p:attrName>ppt_x</p:attrName>
+                                        </p:attrNameLst>
+                                      </p:cBhvr>
+                                      <p:tavLst>
+                                        <p:tav tm="0">
+                                          <p:val>
+                                            <p:strVal val="#ppt_x"/>
+                                          </p:val>
+                                        </p:tav>
+                                        <p:tav tm="100000">
+                                          <p:val>
+                                            <p:strVal val="#ppt_x"/>
+                                          </p:val>
+                                        </p:tav>
+                                      </p:tavLst>
+                                    </p:anim>
+                                    <p:anim calcmode="lin" valueType="num">
+                                      <p:cBhvr additive="base">
+                                        <p:cTn id="26" dur="500" fill="hold"/>
+                                        <p:tgtEl>
+                                          <p:spTgt spid="3">
+                                            <p:txEl>
+                                              <p:pRg st="3" end="3"/>
+                                            </p:txEl>
+                                          </p:spTgt>
+                                        </p:tgtEl>
+                                        <p:attrNameLst>
+                                          <p:attrName>ppt_y</p:attrName>
+                                        </p:attrNameLst>
+                                      </p:cBhvr>
+                                      <p:tavLst>
+                                        <p:tav tm="0">
+                                          <p:val>
+                                            <p:strVal val="1+#ppt_h/2"/>
+                                          </p:val>
+                                        </p:tav>
+                                        <p:tav tm="100000">
+                                          <p:val>
+                                            <p:strVal val="#ppt_y"/>
+                                          </p:val>
+                                        </p:tav>
+                                      </p:tavLst>
+                                    </p:anim>
+                                  </p:childTnLst>
+                                </p:cTn>
+                              </p:par>
+                            </p:childTnLst>
+                          </p:cTn>
+                        </p:par>
+                      </p:childTnLst>
+                    </p:cTn>
+                  </p:par>
+                  <p:par>
+                    <p:cTn id="27" fill="hold">
+                      <p:stCondLst>
+                        <p:cond delay="indefinite"/>
+                      </p:stCondLst>
+                      <p:childTnLst>
+                        <p:par>
+                          <p:cTn id="28" fill="hold">
+                            <p:stCondLst>
+                              <p:cond delay="0"/>
+                            </p:stCondLst>
+                            <p:childTnLst>
+                              <p:par>
+                                <p:cTn id="29" presetID="2" presetClass="entr" presetSubtype="1" fill="hold" nodeType="clickEffect">
+                                  <p:stCondLst>
+                                    <p:cond delay="0"/>
+                                  </p:stCondLst>
+                                  <p:childTnLst>
+                                    <p:set>
+                                      <p:cBhvr>
+                                        <p:cTn id="30" dur="1" fill="hold">
+                                          <p:stCondLst>
+                                            <p:cond delay="0"/>
+                                          </p:stCondLst>
+                                        </p:cTn>
+                                        <p:tgtEl>
+                                          <p:spTgt spid="3">
+                                            <p:txEl>
+                                              <p:pRg st="5" end="5"/>
+                                            </p:txEl>
+                                          </p:spTgt>
+                                        </p:tgtEl>
+                                        <p:attrNameLst>
+                                          <p:attrName>style.visibility</p:attrName>
+                                        </p:attrNameLst>
+                                      </p:cBhvr>
+                                      <p:to>
+                                        <p:strVal val="visible"/>
+                                      </p:to>
+                                    </p:set>
+                                    <p:anim calcmode="lin" valueType="num">
+                                      <p:cBhvr additive="base">
+                                        <p:cTn id="31" dur="500" fill="hold"/>
+                                        <p:tgtEl>
+                                          <p:spTgt spid="3">
+                                            <p:txEl>
+                                              <p:pRg st="5" end="5"/>
+                                            </p:txEl>
+                                          </p:spTgt>
+                                        </p:tgtEl>
+                                        <p:attrNameLst>
+                                          <p:attrName>ppt_x</p:attrName>
+                                        </p:attrNameLst>
+                                      </p:cBhvr>
+                                      <p:tavLst>
+                                        <p:tav tm="0">
+                                          <p:val>
+                                            <p:strVal val="#ppt_x"/>
+                                          </p:val>
+                                        </p:tav>
+                                        <p:tav tm="100000">
+                                          <p:val>
+                                            <p:strVal val="#ppt_x"/>
+                                          </p:val>
+                                        </p:tav>
+                                      </p:tavLst>
+                                    </p:anim>
+                                    <p:anim calcmode="lin" valueType="num">
+                                      <p:cBhvr additive="base">
+                                        <p:cTn id="32" dur="500" fill="hold"/>
+                                        <p:tgtEl>
+                                          <p:spTgt spid="3">
+                                            <p:txEl>
+                                              <p:pRg st="5" end="5"/>
+                                            </p:txEl>
+                                          </p:spTgt>
+                                        </p:tgtEl>
+                                        <p:attrNameLst>
+                                          <p:attrName>ppt_y</p:attrName>
+                                        </p:attrNameLst>
+                                      </p:cBhvr>
+                                      <p:tavLst>
+                                        <p:tav tm="0">
+                                          <p:val>
+                                            <p:strVal val="0-#ppt_h/2"/>
+                                          </p:val>
+                                        </p:tav>
+                                        <p:tav tm="100000">
+                                          <p:val>
+                                            <p:strVal val="#ppt_y"/>
+                                          </p:val>
+                                        </p:tav>
+                                      </p:tavLst>
+                                    </p:anim>
+                                  </p:childTnLst>
+                                </p:cTn>
+                              </p:par>
+                            </p:childTnLst>
+                          </p:cTn>
+                        </p:par>
+                      </p:childTnLst>
+                    </p:cTn>
+                  </p:par>
+                </p:childTnLst>
+              </p:cTn>
+              <p:prevCondLst>
+                <p:cond evt="onPrev" delay="0">
+                  <p:tgtEl>
+                    <p:sldTgt/>
+                  </p:tgtEl>
+                </p:cond>
+              </p:prevCondLst>
+              <p:nextCondLst>
+                <p:cond evt="onNext" delay="0">
+                  <p:tgtEl>
+                    <p:sldTgt/>
+                  </p:tgtEl>
+                </p:cond>
+              </p:nextCondLst>
+            </p:seq>
+          </p:childTnLst>
+        </p:cTn>
+      </p:par>
+    </p:tnLst>
+  </p:timing>
 </p:sld>
 </file>
 
